--- a/Agile Attitudes.v2.pptx
+++ b/Agile Attitudes.v2.pptx
@@ -5,50 +5,51 @@
     <p:sldMasterId id="2147483648" r:id="rId1"/>
   </p:sldMasterIdLst>
   <p:notesMasterIdLst>
-    <p:notesMasterId r:id="rId43"/>
+    <p:notesMasterId r:id="rId44"/>
   </p:notesMasterIdLst>
   <p:sldIdLst>
     <p:sldId id="311" r:id="rId2"/>
-    <p:sldId id="313" r:id="rId3"/>
-    <p:sldId id="268" r:id="rId4"/>
-    <p:sldId id="306" r:id="rId5"/>
-    <p:sldId id="310" r:id="rId6"/>
-    <p:sldId id="272" r:id="rId7"/>
-    <p:sldId id="304" r:id="rId8"/>
-    <p:sldId id="274" r:id="rId9"/>
-    <p:sldId id="307" r:id="rId10"/>
-    <p:sldId id="260" r:id="rId11"/>
-    <p:sldId id="298" r:id="rId12"/>
-    <p:sldId id="299" r:id="rId13"/>
-    <p:sldId id="308" r:id="rId14"/>
-    <p:sldId id="275" r:id="rId15"/>
-    <p:sldId id="290" r:id="rId16"/>
-    <p:sldId id="279" r:id="rId17"/>
-    <p:sldId id="292" r:id="rId18"/>
-    <p:sldId id="283" r:id="rId19"/>
-    <p:sldId id="280" r:id="rId20"/>
-    <p:sldId id="291" r:id="rId21"/>
-    <p:sldId id="285" r:id="rId22"/>
-    <p:sldId id="281" r:id="rId23"/>
-    <p:sldId id="294" r:id="rId24"/>
-    <p:sldId id="289" r:id="rId25"/>
-    <p:sldId id="276" r:id="rId26"/>
-    <p:sldId id="295" r:id="rId27"/>
-    <p:sldId id="287" r:id="rId28"/>
-    <p:sldId id="277" r:id="rId29"/>
-    <p:sldId id="293" r:id="rId30"/>
-    <p:sldId id="284" r:id="rId31"/>
-    <p:sldId id="278" r:id="rId32"/>
-    <p:sldId id="296" r:id="rId33"/>
-    <p:sldId id="286" r:id="rId34"/>
-    <p:sldId id="305" r:id="rId35"/>
-    <p:sldId id="282" r:id="rId36"/>
-    <p:sldId id="297" r:id="rId37"/>
-    <p:sldId id="288" r:id="rId38"/>
-    <p:sldId id="301" r:id="rId39"/>
-    <p:sldId id="273" r:id="rId40"/>
-    <p:sldId id="300" r:id="rId41"/>
-    <p:sldId id="303" r:id="rId42"/>
+    <p:sldId id="268" r:id="rId3"/>
+    <p:sldId id="306" r:id="rId4"/>
+    <p:sldId id="310" r:id="rId5"/>
+    <p:sldId id="272" r:id="rId6"/>
+    <p:sldId id="304" r:id="rId7"/>
+    <p:sldId id="274" r:id="rId8"/>
+    <p:sldId id="307" r:id="rId9"/>
+    <p:sldId id="260" r:id="rId10"/>
+    <p:sldId id="298" r:id="rId11"/>
+    <p:sldId id="299" r:id="rId12"/>
+    <p:sldId id="308" r:id="rId13"/>
+    <p:sldId id="275" r:id="rId14"/>
+    <p:sldId id="290" r:id="rId15"/>
+    <p:sldId id="279" r:id="rId16"/>
+    <p:sldId id="292" r:id="rId17"/>
+    <p:sldId id="283" r:id="rId18"/>
+    <p:sldId id="280" r:id="rId19"/>
+    <p:sldId id="291" r:id="rId20"/>
+    <p:sldId id="285" r:id="rId21"/>
+    <p:sldId id="281" r:id="rId22"/>
+    <p:sldId id="294" r:id="rId23"/>
+    <p:sldId id="289" r:id="rId24"/>
+    <p:sldId id="276" r:id="rId25"/>
+    <p:sldId id="295" r:id="rId26"/>
+    <p:sldId id="287" r:id="rId27"/>
+    <p:sldId id="277" r:id="rId28"/>
+    <p:sldId id="293" r:id="rId29"/>
+    <p:sldId id="284" r:id="rId30"/>
+    <p:sldId id="278" r:id="rId31"/>
+    <p:sldId id="296" r:id="rId32"/>
+    <p:sldId id="286" r:id="rId33"/>
+    <p:sldId id="305" r:id="rId34"/>
+    <p:sldId id="282" r:id="rId35"/>
+    <p:sldId id="297" r:id="rId36"/>
+    <p:sldId id="288" r:id="rId37"/>
+    <p:sldId id="301" r:id="rId38"/>
+    <p:sldId id="313" r:id="rId39"/>
+    <p:sldId id="314" r:id="rId40"/>
+    <p:sldId id="273" r:id="rId41"/>
+    <p:sldId id="300" r:id="rId42"/>
+    <p:sldId id="303" r:id="rId43"/>
   </p:sldIdLst>
   <p:sldSz cx="12192000" cy="6858000"/>
   <p:notesSz cx="6858000" cy="9144000"/>
@@ -237,7 +238,7 @@
           <a:p>
             <a:fld id="{EFE552E7-6210-8943-8429-1E73454CC0F9}" type="datetimeFigureOut">
               <a:rPr lang="en-US" smtClean="0"/>
-              <a:t>9/26/2017</a:t>
+              <a:t>10/10/2017</a:t>
             </a:fld>
             <a:endParaRPr lang="en-US"/>
           </a:p>
@@ -739,7 +740,7 @@
           <a:p>
             <a:fld id="{C9E2978F-8024-E64D-83E0-279BF5168A0A}" type="slidenum">
               <a:rPr lang="en-US" smtClean="0"/>
-              <a:t>3</a:t>
+              <a:t>2</a:t>
             </a:fld>
             <a:endParaRPr lang="en-US"/>
           </a:p>
@@ -802,63 +803,6 @@
           <a:bodyPr/>
           <a:lstStyle/>
           <a:p>
-            <a:r>
-              <a:rPr lang="en-US" dirty="0"/>
-              <a:t>The</a:t>
-            </a:r>
-            <a:r>
-              <a:rPr lang="en-US" baseline="0" dirty="0"/>
-              <a:t> act of accepting one thing implicitly rejects all other things; the act of rejecting one thing implicitly accepts the other things.</a:t>
-            </a:r>
-            <a:br>
-              <a:rPr lang="en-US" baseline="0" dirty="0"/>
-            </a:br>
-            <a:br>
-              <a:rPr lang="en-US" baseline="0" dirty="0"/>
-            </a:br>
-            <a:r>
-              <a:rPr lang="en-US" baseline="0" dirty="0"/>
-              <a:t>Acceptance and rejection are two sides of the same coin. The act of turning towards is also and act of turning away. The act of turning away is also an act of turning towards.</a:t>
-            </a:r>
-            <a:br>
-              <a:rPr lang="en-US" baseline="0" dirty="0"/>
-            </a:br>
-            <a:br>
-              <a:rPr lang="en-US" baseline="0" dirty="0"/>
-            </a:br>
-            <a:r>
-              <a:rPr lang="en-US" baseline="0" dirty="0"/>
-              <a:t>What makes ‘acceptance’ and ‘rejection,’ then, is the directionality, the emphasis, of that turn. Am I focused on a thing I explicitly accept, meaning I am implicitly rejecting lots of other things? Am I focused on a thing to reject, making myself willing to accept into myself all sort of other things.</a:t>
-            </a:r>
-          </a:p>
-          <a:p>
-            <a:endParaRPr lang="en-US" baseline="0" dirty="0"/>
-          </a:p>
-          <a:p>
-            <a:r>
-              <a:rPr lang="en-US" baseline="0" dirty="0"/>
-              <a:t>This notion of emphasis is important, since determining something as acceptance or rejection is a question of judgement – an art.</a:t>
-            </a:r>
-            <a:br>
-              <a:rPr lang="en-US" baseline="0" dirty="0"/>
-            </a:br>
-            <a:br>
-              <a:rPr lang="en-US" baseline="0" dirty="0"/>
-            </a:br>
-            <a:r>
-              <a:rPr lang="en-US" baseline="0" dirty="0"/>
-              <a:t>We’re looking for something that is ‘dominantly’ facing either acceptance or rejection, and we’re keeping in mind the whole of the matter. What is implicitly accepted or rejected can be more important than what is explicitly accepted or rejected.</a:t>
-            </a:r>
-            <a:br>
-              <a:rPr lang="en-US" baseline="0" dirty="0"/>
-            </a:br>
-            <a:br>
-              <a:rPr lang="en-US" baseline="0" dirty="0"/>
-            </a:br>
-            <a:r>
-              <a:rPr lang="en-US" baseline="0" dirty="0"/>
-              <a:t>I can bring this into sharp focus: “Did your organization explicitly adopt Agile because they ‘accepted’ Agile as a way to better meet our goals, or did your organization turn to Agile because they ‘rejected’ waterfall because they fear the competition will eat their lunch when going to market?</a:t>
-            </a:r>
             <a:endParaRPr lang="en-US" dirty="0"/>
           </a:p>
         </p:txBody>
@@ -880,7 +824,7 @@
           <a:p>
             <a:fld id="{C9E2978F-8024-E64D-83E0-279BF5168A0A}" type="slidenum">
               <a:rPr lang="en-US" smtClean="0"/>
-              <a:t>14</a:t>
+              <a:t>12</a:t>
             </a:fld>
             <a:endParaRPr lang="en-US"/>
           </a:p>
@@ -889,7 +833,7 @@
     </p:spTree>
     <p:extLst>
       <p:ext uri="{BB962C8B-B14F-4D97-AF65-F5344CB8AC3E}">
-        <p14:creationId xmlns:p14="http://schemas.microsoft.com/office/powerpoint/2010/main" val="2929949074"/>
+        <p14:creationId xmlns:p14="http://schemas.microsoft.com/office/powerpoint/2010/main" val="1060091178"/>
       </p:ext>
     </p:extLst>
   </p:cSld>
@@ -945,19 +889,31 @@
           <a:p>
             <a:r>
               <a:rPr lang="en-US" dirty="0"/>
-              <a:t>The colors here have</a:t>
+              <a:t>The</a:t>
             </a:r>
             <a:r>
               <a:rPr lang="en-US" baseline="0" dirty="0"/>
-              <a:t> no meaning. They just help highlight the elements of the framework. This is a basic violation of </a:t>
-            </a:r>
-            <a:r>
-              <a:rPr lang="en-US" baseline="0" dirty="0" err="1"/>
-              <a:t>Tufte’s</a:t>
-            </a:r>
-            <a:r>
+              <a:t> act of accepting one thing implicitly rejects all other things; the act of rejecting one thing implicitly accepts the other things.</a:t>
+            </a:r>
+            <a:br>
               <a:rPr lang="en-US" baseline="0" dirty="0"/>
-              <a:t> data/ink rule. People seem to like it, however.</a:t>
+            </a:br>
+            <a:br>
+              <a:rPr lang="en-US" baseline="0" dirty="0"/>
+            </a:br>
+            <a:r>
+              <a:rPr lang="en-US" baseline="0" dirty="0"/>
+              <a:t>Acceptance and rejection are two sides of the same coin. The act of turning towards is also and act of turning away. The act of turning away is also an act of turning towards.</a:t>
+            </a:r>
+            <a:br>
+              <a:rPr lang="en-US" baseline="0" dirty="0"/>
+            </a:br>
+            <a:br>
+              <a:rPr lang="en-US" baseline="0" dirty="0"/>
+            </a:br>
+            <a:r>
+              <a:rPr lang="en-US" baseline="0" dirty="0"/>
+              <a:t>What makes ‘acceptance’ and ‘rejection,’ then, is the directionality, the emphasis, of that turn. Am I focused on a thing I explicitly accept, meaning I am implicitly rejecting lots of other things? Am I focused on a thing to reject, making myself willing to accept into myself all sort of other things.</a:t>
             </a:r>
           </a:p>
           <a:p>
@@ -966,117 +922,29 @@
           <a:p>
             <a:r>
               <a:rPr lang="en-US" baseline="0" dirty="0"/>
-              <a:t>Try not to think of acceptance and rejection in terms of goodness and badness. Acceptance is not necessarily good, if the thing you are accepting is bad for you. Rejecting is not necessarily bad, if the thing you are rejecting is bad for you.</a:t>
-            </a:r>
-          </a:p>
-          <a:p>
-            <a:endParaRPr lang="en-US" baseline="0" dirty="0"/>
-          </a:p>
-          <a:p>
-            <a:r>
+              <a:t>This notion of emphasis is important, since determining something as acceptance or rejection is a question of judgement – an art.</a:t>
+            </a:r>
+            <a:br>
               <a:rPr lang="en-US" baseline="0" dirty="0"/>
-              <a:t>Accepting is an act of “turning toward” something in particular. It turns away from everything else that is not that one thing it is turns towards.</a:t>
-            </a:r>
-          </a:p>
-          <a:p>
-            <a:endParaRPr lang="en-US" baseline="0" dirty="0"/>
-          </a:p>
-          <a:p>
-            <a:r>
+            </a:br>
+            <a:br>
               <a:rPr lang="en-US" baseline="0" dirty="0"/>
-              <a:t>Rejecting is an act of “turning away from” something in particular. It turns toward everything else that is not that one thing it turns away from.</a:t>
-            </a:r>
-          </a:p>
-          <a:p>
-            <a:endParaRPr lang="en-US" baseline="0" dirty="0"/>
-          </a:p>
-          <a:p>
+            </a:br>
             <a:r>
               <a:rPr lang="en-US" baseline="0" dirty="0"/>
-              <a:t>Accepting and rejecting is a matter of emphasis. Are you emphasizing a turning toward over a turning away? Are you emphasizing a turning away over a turning toward?</a:t>
-            </a:r>
-          </a:p>
-          <a:p>
-            <a:endParaRPr lang="en-US" baseline="0" dirty="0"/>
-          </a:p>
-          <a:p>
-            <a:r>
+              <a:t>We’re looking for something that is ‘dominantly’ facing either acceptance or rejection, and we’re keeping in mind the whole of the matter. What is implicitly accepted or rejected can be more important than what is explicitly accepted or rejected.</a:t>
+            </a:r>
+            <a:br>
               <a:rPr lang="en-US" baseline="0" dirty="0"/>
-              <a:t>And, if this seems like an academic question, fun to argue about with a couple of drinks in you, but otherwise useless, ask this question: “Did my organization turn toward Agile because it will enable the company to adapt to the change in our strategic direction to capture our profit pool?” or “Did my organization turn away from waterfall because if we don’t figure out someway to improve our situation we’re not going to be able to compete in this market place?”</a:t>
-            </a:r>
-          </a:p>
-          <a:p>
-            <a:endParaRPr lang="en-US" baseline="0" dirty="0"/>
-          </a:p>
-          <a:p>
-            <a:r>
+            </a:br>
+            <a:br>
               <a:rPr lang="en-US" baseline="0" dirty="0"/>
-              <a:t>A turning away from waterfall is not the same as a turning toward Agile.</a:t>
-            </a:r>
-          </a:p>
-          <a:p>
-            <a:endParaRPr lang="en-US" baseline="0" dirty="0"/>
-          </a:p>
-          <a:p>
+            </a:br>
             <a:r>
               <a:rPr lang="en-US" baseline="0" dirty="0"/>
-              <a:t>Given that we’re looking for an attitude that turns away or turns toward, we can start to narrow down what poetic categories are </a:t>
-            </a:r>
-            <a:r>
-              <a:rPr lang="en-US" baseline="0"/>
-              <a:t>likely dominant on a team.</a:t>
-            </a:r>
-          </a:p>
-          <a:p>
-            <a:endParaRPr lang="en-US" baseline="0" dirty="0"/>
-          </a:p>
-          <a:p>
-            <a:r>
-              <a:rPr lang="en-US" baseline="0" dirty="0"/>
-              <a:t>We can group teams in into three categories of “rejecting” teams and three “accepting” teams. There is also a “neither-nor” category, “the transitional.” If you’re teams are dominantly transitional, you have a lot of work on your hands.</a:t>
-            </a:r>
-          </a:p>
-          <a:p>
-            <a:endParaRPr lang="en-US" baseline="0" dirty="0"/>
-          </a:p>
-          <a:p>
-            <a:r>
-              <a:rPr lang="en-US" baseline="0" dirty="0"/>
-              <a:t>No team is fixedly one category. Teams can be dominantly, one way or the other, seldom for long. Attitudes change, evolve, react and respond to events. </a:t>
-            </a:r>
-          </a:p>
-          <a:p>
-            <a:endParaRPr lang="en-US" baseline="0" dirty="0"/>
-          </a:p>
-          <a:p>
-            <a:r>
-              <a:rPr lang="en-US" baseline="0" dirty="0"/>
-              <a:t>The coach is not looking to “fix” a category to a team. The coach listens to the team’s figurative speech over time. The coach is listening to detect whether one attitude comes up more often than others – and, if that one category might be dominantly so.</a:t>
-            </a:r>
-          </a:p>
-          <a:p>
-            <a:endParaRPr lang="en-US" baseline="0" dirty="0"/>
-          </a:p>
-          <a:p>
-            <a:r>
-              <a:rPr lang="en-US" baseline="0" dirty="0"/>
-              <a:t>If a coach can assign a dominant category to a team – and gets it right – then the coach can use the properties of that category to coach the team toward improving performance.</a:t>
-            </a:r>
-          </a:p>
-          <a:p>
-            <a:endParaRPr lang="en-US" baseline="0" dirty="0"/>
-          </a:p>
-          <a:p>
-            <a:endParaRPr lang="en-US" baseline="0" dirty="0"/>
-          </a:p>
-          <a:p>
-            <a:endParaRPr lang="en-US" baseline="0" dirty="0"/>
-          </a:p>
-          <a:p>
-            <a:r>
-              <a:rPr lang="en-US" baseline="0" dirty="0"/>
-              <a:t> </a:t>
-            </a:r>
+              <a:t>I can bring this into sharp focus: “Did your organization explicitly adopt Agile because they ‘accepted’ Agile as a way to better meet our goals, or did your organization turn to Agile because they ‘rejected’ waterfall because they fear the competition will eat their lunch when going to market?</a:t>
+            </a:r>
+            <a:endParaRPr lang="en-US" dirty="0"/>
           </a:p>
         </p:txBody>
       </p:sp>
@@ -1097,7 +965,7 @@
           <a:p>
             <a:fld id="{C9E2978F-8024-E64D-83E0-279BF5168A0A}" type="slidenum">
               <a:rPr lang="en-US" smtClean="0"/>
-              <a:t>15</a:t>
+              <a:t>13</a:t>
             </a:fld>
             <a:endParaRPr lang="en-US"/>
           </a:p>
@@ -1106,7 +974,7 @@
     </p:spTree>
     <p:extLst>
       <p:ext uri="{BB962C8B-B14F-4D97-AF65-F5344CB8AC3E}">
-        <p14:creationId xmlns:p14="http://schemas.microsoft.com/office/powerpoint/2010/main" val="2896121878"/>
+        <p14:creationId xmlns:p14="http://schemas.microsoft.com/office/powerpoint/2010/main" val="2929949074"/>
       </p:ext>
     </p:extLst>
   </p:cSld>
@@ -1162,11 +1030,19 @@
           <a:p>
             <a:r>
               <a:rPr lang="en-US" dirty="0"/>
-              <a:t>The</a:t>
+              <a:t>The colors here have</a:t>
             </a:r>
             <a:r>
               <a:rPr lang="en-US" baseline="0" dirty="0"/>
-              <a:t> elegiac team is all about complaint.</a:t>
+              <a:t> no meaning. They just help highlight the elements of the framework. This is a basic violation of </a:t>
+            </a:r>
+            <a:r>
+              <a:rPr lang="en-US" baseline="0" dirty="0" err="1"/>
+              <a:t>Tufte’s</a:t>
+            </a:r>
+            <a:r>
+              <a:rPr lang="en-US" baseline="0" dirty="0"/>
+              <a:t> data/ink rule. People seem to like it, however.</a:t>
             </a:r>
           </a:p>
           <a:p>
@@ -1175,26 +1051,116 @@
           <a:p>
             <a:r>
               <a:rPr lang="en-US" baseline="0" dirty="0"/>
-              <a:t>Something like this is probably what happened: the team has “been transitioned to” Agile in a top-down, centralized approach to an organizational change. The team wasn’t included in the process, and now they feel they’ve been migrated from one stupid thing to another stupid thing. They didn’t have a choice in making the change or how it happened.</a:t>
-            </a:r>
-          </a:p>
-          <a:p>
-            <a:br>
+              <a:t>Try not to think of acceptance and rejection in terms of goodness and badness. Acceptance is not necessarily good, if the thing you are accepting is bad for you. Rejecting is not necessarily bad, if the thing you are rejecting is bad for you.</a:t>
+            </a:r>
+          </a:p>
+          <a:p>
+            <a:endParaRPr lang="en-US" baseline="0" dirty="0"/>
+          </a:p>
+          <a:p>
+            <a:r>
               <a:rPr lang="en-US" baseline="0" dirty="0"/>
-            </a:br>
+              <a:t>Accepting is an act of “turning toward” something in particular. It turns away from everything else that is not that one thing it is turns towards.</a:t>
+            </a:r>
+          </a:p>
+          <a:p>
+            <a:endParaRPr lang="en-US" baseline="0" dirty="0"/>
+          </a:p>
+          <a:p>
             <a:r>
               <a:rPr lang="en-US" baseline="0" dirty="0"/>
-              <a:t>Dominantly, start with teaching what Agile is. The first thing you need to establish is a good foundation for “doing Agile.” This is fake it until you make it. We can’t get people collaborating, delivering, reflecting, and improving until they know what this means and why we do it. </a:t>
-            </a:r>
-            <a:br>
+              <a:t>Rejecting is an act of “turning away from” something in particular. It turns toward everything else that is not that one thing it turns away from.</a:t>
+            </a:r>
+          </a:p>
+          <a:p>
+            <a:endParaRPr lang="en-US" baseline="0" dirty="0"/>
+          </a:p>
+          <a:p>
+            <a:r>
               <a:rPr lang="en-US" baseline="0" dirty="0"/>
-            </a:br>
-            <a:br>
+              <a:t>Accepting and rejecting is a matter of emphasis. Are you emphasizing a turning toward over a turning away? Are you emphasizing a turning away over a turning toward?</a:t>
+            </a:r>
+          </a:p>
+          <a:p>
+            <a:endParaRPr lang="en-US" baseline="0" dirty="0"/>
+          </a:p>
+          <a:p>
+            <a:r>
               <a:rPr lang="en-US" baseline="0" dirty="0"/>
-            </a:br>
+              <a:t>And, if this seems like an academic question, fun to argue about with a couple of drinks in you, but otherwise useless, ask this question: “Did my organization turn toward Agile because it will enable the company to adapt to the change in our strategic direction to capture our profit pool?” or “Did my organization turn away from waterfall because if we don’t figure out someway to improve our situation we’re not going to be able to compete in this market place?”</a:t>
+            </a:r>
+          </a:p>
+          <a:p>
+            <a:endParaRPr lang="en-US" baseline="0" dirty="0"/>
+          </a:p>
+          <a:p>
             <a:r>
               <a:rPr lang="en-US" baseline="0" dirty="0"/>
-              <a:t>This gets us the McGregor’s X/Y theory – some people will say that “X” is just going to complain; you need to force and X to be productive. If this is the case, then no amount of teaching the “doing of Agile,” will be a way into the “being of Agile”</a:t>
+              <a:t>A turning away from waterfall is not the same as a turning toward Agile.</a:t>
+            </a:r>
+          </a:p>
+          <a:p>
+            <a:endParaRPr lang="en-US" baseline="0" dirty="0"/>
+          </a:p>
+          <a:p>
+            <a:r>
+              <a:rPr lang="en-US" baseline="0" dirty="0"/>
+              <a:t>Given that we’re looking for an attitude that turns away or turns toward, we can start to narrow down what poetic categories are </a:t>
+            </a:r>
+            <a:r>
+              <a:rPr lang="en-US" baseline="0"/>
+              <a:t>likely dominant on a team.</a:t>
+            </a:r>
+          </a:p>
+          <a:p>
+            <a:endParaRPr lang="en-US" baseline="0" dirty="0"/>
+          </a:p>
+          <a:p>
+            <a:r>
+              <a:rPr lang="en-US" baseline="0" dirty="0"/>
+              <a:t>We can group teams in into three categories of “rejecting” teams and three “accepting” teams. There is also a “neither-nor” category, “the transitional.” If you’re teams are dominantly transitional, you have a lot of work on your hands.</a:t>
+            </a:r>
+          </a:p>
+          <a:p>
+            <a:endParaRPr lang="en-US" baseline="0" dirty="0"/>
+          </a:p>
+          <a:p>
+            <a:r>
+              <a:rPr lang="en-US" baseline="0" dirty="0"/>
+              <a:t>No team is fixedly one category. Teams can be dominantly, one way or the other, seldom for long. Attitudes change, evolve, react and respond to events. </a:t>
+            </a:r>
+          </a:p>
+          <a:p>
+            <a:endParaRPr lang="en-US" baseline="0" dirty="0"/>
+          </a:p>
+          <a:p>
+            <a:r>
+              <a:rPr lang="en-US" baseline="0" dirty="0"/>
+              <a:t>The coach is not looking to “fix” a category to a team. The coach listens to the team’s figurative speech over time. The coach is listening to detect whether one attitude comes up more often than others – and, if that one category might be dominantly so.</a:t>
+            </a:r>
+          </a:p>
+          <a:p>
+            <a:endParaRPr lang="en-US" baseline="0" dirty="0"/>
+          </a:p>
+          <a:p>
+            <a:r>
+              <a:rPr lang="en-US" baseline="0" dirty="0"/>
+              <a:t>If a coach can assign a dominant category to a team – and gets it right – then the coach can use the properties of that category to coach the team toward improving performance.</a:t>
+            </a:r>
+          </a:p>
+          <a:p>
+            <a:endParaRPr lang="en-US" baseline="0" dirty="0"/>
+          </a:p>
+          <a:p>
+            <a:endParaRPr lang="en-US" baseline="0" dirty="0"/>
+          </a:p>
+          <a:p>
+            <a:endParaRPr lang="en-US" baseline="0" dirty="0"/>
+          </a:p>
+          <a:p>
+            <a:r>
+              <a:rPr lang="en-US" baseline="0" dirty="0"/>
+              <a:t> </a:t>
             </a:r>
           </a:p>
         </p:txBody>
@@ -1216,7 +1182,7 @@
           <a:p>
             <a:fld id="{C9E2978F-8024-E64D-83E0-279BF5168A0A}" type="slidenum">
               <a:rPr lang="en-US" smtClean="0"/>
-              <a:t>17</a:t>
+              <a:t>14</a:t>
             </a:fld>
             <a:endParaRPr lang="en-US"/>
           </a:p>
@@ -1225,7 +1191,7 @@
     </p:spTree>
     <p:extLst>
       <p:ext uri="{BB962C8B-B14F-4D97-AF65-F5344CB8AC3E}">
-        <p14:creationId xmlns:p14="http://schemas.microsoft.com/office/powerpoint/2010/main" val="2451558486"/>
+        <p14:creationId xmlns:p14="http://schemas.microsoft.com/office/powerpoint/2010/main" val="2896121878"/>
       </p:ext>
     </p:extLst>
   </p:cSld>
@@ -1279,7 +1245,42 @@
           <a:bodyPr/>
           <a:lstStyle/>
           <a:p>
-            <a:endParaRPr lang="en-US" dirty="0"/>
+            <a:r>
+              <a:rPr lang="en-US" dirty="0"/>
+              <a:t>The</a:t>
+            </a:r>
+            <a:r>
+              <a:rPr lang="en-US" baseline="0" dirty="0"/>
+              <a:t> elegiac team is all about complaint.</a:t>
+            </a:r>
+          </a:p>
+          <a:p>
+            <a:endParaRPr lang="en-US" baseline="0" dirty="0"/>
+          </a:p>
+          <a:p>
+            <a:r>
+              <a:rPr lang="en-US" baseline="0" dirty="0"/>
+              <a:t>Something like this is probably what happened: the team has “been transitioned to” Agile in a top-down, centralized approach to an organizational change. The team wasn’t included in the process, and now they feel they’ve been migrated from one stupid thing to another stupid thing. They didn’t have a choice in making the change or how it happened.</a:t>
+            </a:r>
+          </a:p>
+          <a:p>
+            <a:br>
+              <a:rPr lang="en-US" baseline="0" dirty="0"/>
+            </a:br>
+            <a:r>
+              <a:rPr lang="en-US" baseline="0" dirty="0"/>
+              <a:t>Dominantly, start with teaching what Agile is. The first thing you need to establish is a good foundation for “doing Agile.” This is fake it until you make it. We can’t get people collaborating, delivering, reflecting, and improving until they know what this means and why we do it. </a:t>
+            </a:r>
+            <a:br>
+              <a:rPr lang="en-US" baseline="0" dirty="0"/>
+            </a:br>
+            <a:br>
+              <a:rPr lang="en-US" baseline="0" dirty="0"/>
+            </a:br>
+            <a:r>
+              <a:rPr lang="en-US" baseline="0" dirty="0"/>
+              <a:t>This gets us the McGregor’s X/Y theory – some people will say that “X” is just going to complain; you need to force and X to be productive. If this is the case, then no amount of teaching the “doing of Agile,” will be a way into the “being of Agile”</a:t>
+            </a:r>
           </a:p>
         </p:txBody>
       </p:sp>
@@ -1300,7 +1301,7 @@
           <a:p>
             <a:fld id="{C9E2978F-8024-E64D-83E0-279BF5168A0A}" type="slidenum">
               <a:rPr lang="en-US" smtClean="0"/>
-              <a:t>18</a:t>
+              <a:t>16</a:t>
             </a:fld>
             <a:endParaRPr lang="en-US"/>
           </a:p>
@@ -1309,7 +1310,7 @@
     </p:spTree>
     <p:extLst>
       <p:ext uri="{BB962C8B-B14F-4D97-AF65-F5344CB8AC3E}">
-        <p14:creationId xmlns:p14="http://schemas.microsoft.com/office/powerpoint/2010/main" val="4239333533"/>
+        <p14:creationId xmlns:p14="http://schemas.microsoft.com/office/powerpoint/2010/main" val="2451558486"/>
       </p:ext>
     </p:extLst>
   </p:cSld>
@@ -1384,7 +1385,7 @@
           <a:p>
             <a:fld id="{C9E2978F-8024-E64D-83E0-279BF5168A0A}" type="slidenum">
               <a:rPr lang="en-US" smtClean="0"/>
-              <a:t>24</a:t>
+              <a:t>17</a:t>
             </a:fld>
             <a:endParaRPr lang="en-US"/>
           </a:p>
@@ -1393,7 +1394,7 @@
     </p:spTree>
     <p:extLst>
       <p:ext uri="{BB962C8B-B14F-4D97-AF65-F5344CB8AC3E}">
-        <p14:creationId xmlns:p14="http://schemas.microsoft.com/office/powerpoint/2010/main" val="1219963109"/>
+        <p14:creationId xmlns:p14="http://schemas.microsoft.com/office/powerpoint/2010/main" val="4239333533"/>
       </p:ext>
     </p:extLst>
   </p:cSld>
@@ -1447,199 +1448,6 @@
           <a:bodyPr/>
           <a:lstStyle/>
           <a:p>
-            <a:r>
-              <a:rPr lang="en-US" dirty="0"/>
-              <a:t>There are three transitional frames:</a:t>
-            </a:r>
-            <a:r>
-              <a:rPr lang="en-US" baseline="0" dirty="0"/>
-              <a:t> didactic, grotesque, and monastic.</a:t>
-            </a:r>
-          </a:p>
-          <a:p>
-            <a:endParaRPr lang="en-US" baseline="0" dirty="0"/>
-          </a:p>
-          <a:p>
-            <a:r>
-              <a:rPr lang="en-US" baseline="0" dirty="0"/>
-              <a:t>They’re hard to understand, but important to recognize.</a:t>
-            </a:r>
-          </a:p>
-          <a:p>
-            <a:endParaRPr lang="en-US" baseline="0" dirty="0"/>
-          </a:p>
-          <a:p>
-            <a:r>
-              <a:rPr lang="en-US" dirty="0"/>
-              <a:t>Here’s the thing: an organization transitions to Agile because it’s evolving</a:t>
-            </a:r>
-            <a:r>
-              <a:rPr lang="en-US" baseline="0" dirty="0"/>
-              <a:t> or it’s responding to a crisis  -- real of imagined. Either way, the organizational culture that supporting the company has not fully adapted to this change. There’s some reason to think that there is no “complete,” in an Agile transition, but a shift from a belief in a static organization to a stance that organizations are dynamic and continuously evolving. Think of it less as “an Agile transition,” and more of a “Agile transitioning.”</a:t>
-            </a:r>
-            <a:br>
-              <a:rPr lang="en-US" baseline="0" dirty="0"/>
-            </a:br>
-            <a:br>
-              <a:rPr lang="en-US" baseline="0" dirty="0"/>
-            </a:br>
-            <a:r>
-              <a:rPr lang="en-US" baseline="0" dirty="0"/>
-              <a:t>Either way, when there is a crisis (real or imagined), the company is making a change so that they can act on a strategy and achieve a strategic goal. They say, “If we want to turn the corner, we’re going to have to change ourselves.” Or, they might say, “If we DON’T turn a corner, we’re going to fail.”</a:t>
-            </a:r>
-          </a:p>
-          <a:p>
-            <a:endParaRPr lang="en-US" baseline="0" dirty="0"/>
-          </a:p>
-          <a:p>
-            <a:r>
-              <a:rPr lang="en-US" baseline="0" dirty="0"/>
-              <a:t>There are two parts to this: one is the organization, the other is this the strategy / strategic goal. We change the organization so that we accomplish the goal. The goal, of course, is to make money. </a:t>
-            </a:r>
-          </a:p>
-          <a:p>
-            <a:endParaRPr lang="en-US" baseline="0" dirty="0"/>
-          </a:p>
-          <a:p>
-            <a:r>
-              <a:rPr lang="en-US" baseline="0" dirty="0"/>
-              <a:t>A company with a transitional frame as their dominant frame (the didactic, the grotesque, the monastic) started either with a turning towards (Agile is our answer) or a turning away (Waterfall is going to kill us), but somehow got lost. Where they ended up was neither “accepting” or “rejecting,” but… weird. </a:t>
-            </a:r>
-          </a:p>
-          <a:p>
-            <a:endParaRPr lang="en-US" baseline="0" dirty="0"/>
-          </a:p>
-          <a:p>
-            <a:r>
-              <a:rPr lang="en-US" baseline="0" dirty="0"/>
-              <a:t>The “transitional” company turns to something that is more like magic than anything else. They change the way they think and talk about something rather than changing the thing itself. If an accepting or rejecting company is not making money – either as much money as they could be or losing money – that company would change itself or change it’s goals or both. The “magic” of the transitional company is to “re-imagine” the organization or the goal, without actually changing anything in their material world. </a:t>
-            </a:r>
-          </a:p>
-          <a:p>
-            <a:br>
-              <a:rPr lang="en-US" baseline="0" dirty="0"/>
-            </a:br>
-            <a:r>
-              <a:rPr lang="en-US" baseline="0" dirty="0"/>
-              <a:t>Here’s an example:</a:t>
-            </a:r>
-          </a:p>
-          <a:p>
-            <a:endParaRPr lang="en-US" baseline="0" dirty="0"/>
-          </a:p>
-          <a:p>
-            <a:r>
-              <a:rPr lang="en-US" baseline="0" dirty="0"/>
-              <a:t>I used to work at Cisco, and John Chambers used to say all the time “in typical Cisco fashion,” as if there was some kind of cultural continuity in Cisco between 1996 and 2015. These companies – Cisco @ 1998 and Cisco @2015 – were not even remotely similar. The company strategy, organization, staff, revenue plans, investor relations, everything – was substantially different. Even the corporate logo to signify the company had changed. There was nothing typical about Cisco – which under went such powerful growth in such a short period to time, it was – much of the time – painful. The Cisco culture, which emerges in a real sense from the behaviors, norms (values), and artifacts of the business, was similar undergoing continuous change, also. </a:t>
-            </a:r>
-          </a:p>
-          <a:p>
-            <a:endParaRPr lang="en-US" baseline="0" dirty="0"/>
-          </a:p>
-          <a:p>
-            <a:r>
-              <a:rPr lang="en-US" baseline="0" dirty="0"/>
-              <a:t>Amid the turbulence of this change, Cisco frequently embraced the Didactic – propaganda. Cisco’s strength was adaption and reinvention, but Cisco’s language was one of continuity and consistency. In other words, “we change without changing / we’re completely different without losing our consistent identity.” “We’re a large company with a start-up mentality.”  This is, of course, </a:t>
-            </a:r>
-            <a:r>
-              <a:rPr lang="en-US" baseline="0" dirty="0" err="1"/>
-              <a:t>horsefeathers</a:t>
-            </a:r>
-            <a:r>
-              <a:rPr lang="en-US" baseline="0" dirty="0"/>
-              <a:t>, codswallop, and balderdash. </a:t>
-            </a:r>
-          </a:p>
-          <a:p>
-            <a:endParaRPr lang="en-US" baseline="0" dirty="0"/>
-          </a:p>
-          <a:p>
-            <a:r>
-              <a:rPr lang="en-US" baseline="0" dirty="0"/>
-              <a:t>That’s the Didactic at work – we stretch familiar language over the change and pretend nothing has changed because they way we TALK ABOUT IT is consistent. This is pointing to a butterfly and saying it still a caterpillar, up to and including the refusal to accept the fact of the insect flying right before our eyes, because caterpillars don’t fly.</a:t>
-            </a:r>
-          </a:p>
-          <a:p>
-            <a:endParaRPr lang="en-US" baseline="0" dirty="0"/>
-          </a:p>
-          <a:p>
-            <a:r>
-              <a:rPr lang="en-US" baseline="0" dirty="0"/>
-              <a:t>In the didactic (propaganda) we apply “Agile” names to “Waterfall” processes, and declare ourselves “Agile.” We apply the “words” in the vocabulary of an “</a:t>
-            </a:r>
-            <a:r>
-              <a:rPr lang="en-US" baseline="0" dirty="0" err="1"/>
-              <a:t>holocracy</a:t>
-            </a:r>
-            <a:r>
-              <a:rPr lang="en-US" baseline="0" dirty="0"/>
-              <a:t>” to an “red / amber / orange” organization and call it “evolved.” This is a </a:t>
-            </a:r>
-            <a:r>
-              <a:rPr lang="en-US" baseline="0" dirty="0" err="1"/>
-              <a:t>holocracy</a:t>
-            </a:r>
-            <a:r>
-              <a:rPr lang="en-US" baseline="0" dirty="0"/>
-              <a:t> where a single individual can move people in and out of circles or change out the lead links at whim. This is the continuous integration environment with stage gates and funding approvals following stakeholder review meetings.</a:t>
-            </a:r>
-            <a:br>
-              <a:rPr lang="en-US" baseline="0" dirty="0"/>
-            </a:br>
-            <a:br>
-              <a:rPr lang="en-US" baseline="0" dirty="0"/>
-            </a:br>
-            <a:r>
-              <a:rPr lang="en-US" baseline="0" dirty="0"/>
-              <a:t>This is the “magic” of renaming something in the effort to change belief instead of reality.</a:t>
-            </a:r>
-            <a:br>
-              <a:rPr lang="en-US" baseline="0" dirty="0"/>
-            </a:br>
-            <a:br>
-              <a:rPr lang="en-US" baseline="0" dirty="0"/>
-            </a:br>
-            <a:r>
-              <a:rPr lang="en-US" baseline="0" dirty="0"/>
-              <a:t>The Grotesque/Monastic organization does the same thing, but in the opposite way. Here, a company culture has either evolved out of its institutions (we’ve outgrown ourselves) or these institutions have stopped working properly (e.g. we’re not making a profit).</a:t>
-            </a:r>
-          </a:p>
-          <a:p>
-            <a:endParaRPr lang="en-US" baseline="0" dirty="0"/>
-          </a:p>
-          <a:p>
-            <a:r>
-              <a:rPr lang="en-US" baseline="0" dirty="0"/>
-              <a:t>Rather than adapt, the Grotesque/Monastic organization changes the goal from a real goal (money, profitability) to a “misdirected goal.” They shift from saying “we’re here to make money,” to “being true to ourselves.” The pragmatic thing to do when result when something isn’t working is to do something different that will work; the Grotesque/Monastic approach is to keep changing the definition of the goal until what you are doing delivers it. While the company is losing money and will face certain collapse unless they change, they nevertheless believe themselves to be successful because they are “a revolution in style,” or “a modern vision to a old problem.”</a:t>
-            </a:r>
-            <a:br>
-              <a:rPr lang="en-US" baseline="0" dirty="0"/>
-            </a:br>
-            <a:br>
-              <a:rPr lang="en-US" baseline="0" dirty="0"/>
-            </a:br>
-            <a:r>
-              <a:rPr lang="en-US" baseline="0" dirty="0"/>
-              <a:t>This is going to a restaurant, ordering from the menu, and instead of getting a meal having the waiter cut that item out of the menu and hand it to you – at which point you declare it delicious and satisfying.</a:t>
-            </a:r>
-          </a:p>
-          <a:p>
-            <a:endParaRPr lang="en-US" baseline="0" dirty="0"/>
-          </a:p>
-          <a:p>
-            <a:r>
-              <a:rPr lang="en-US" baseline="0" dirty="0"/>
-              <a:t>This is very difficult to fix.</a:t>
-            </a:r>
-          </a:p>
-          <a:p>
-            <a:endParaRPr lang="en-US" baseline="0" dirty="0"/>
-          </a:p>
-          <a:p>
-            <a:r>
-              <a:rPr lang="en-US" baseline="0" dirty="0"/>
-              <a:t>Running away is often the most rational response.</a:t>
-            </a:r>
             <a:endParaRPr lang="en-US" dirty="0"/>
           </a:p>
         </p:txBody>
@@ -1661,7 +1469,7 @@
           <a:p>
             <a:fld id="{C9E2978F-8024-E64D-83E0-279BF5168A0A}" type="slidenum">
               <a:rPr lang="en-US" smtClean="0"/>
-              <a:t>36</a:t>
+              <a:t>23</a:t>
             </a:fld>
             <a:endParaRPr lang="en-US"/>
           </a:p>
@@ -1670,7 +1478,7 @@
     </p:spTree>
     <p:extLst>
       <p:ext uri="{BB962C8B-B14F-4D97-AF65-F5344CB8AC3E}">
-        <p14:creationId xmlns:p14="http://schemas.microsoft.com/office/powerpoint/2010/main" val="2187332044"/>
+        <p14:creationId xmlns:p14="http://schemas.microsoft.com/office/powerpoint/2010/main" val="1219963109"/>
       </p:ext>
     </p:extLst>
   </p:cSld>
@@ -1726,11 +1534,11 @@
           <a:p>
             <a:r>
               <a:rPr lang="en-US" dirty="0"/>
-              <a:t>If you are going to stay and fight – or if you are an</a:t>
+              <a:t>There are three transitional frames:</a:t>
             </a:r>
             <a:r>
               <a:rPr lang="en-US" baseline="0" dirty="0"/>
-              <a:t> enterprise transition consultant – you are mostly concerned with Business and Transformation mastery. </a:t>
+              <a:t> didactic, grotesque, and monastic.</a:t>
             </a:r>
           </a:p>
           <a:p>
@@ -1739,7 +1547,7 @@
           <a:p>
             <a:r>
               <a:rPr lang="en-US" baseline="0" dirty="0"/>
-              <a:t>First, the business has lost sight of what it is about: being profitable. </a:t>
+              <a:t>They’re hard to understand, but important to recognize.</a:t>
             </a:r>
           </a:p>
           <a:p>
@@ -1747,8 +1555,12 @@
           </a:p>
           <a:p>
             <a:r>
+              <a:rPr lang="en-US" dirty="0"/>
+              <a:t>Here’s the thing: an organization transitions to Agile because it’s evolving</a:t>
+            </a:r>
+            <a:r>
               <a:rPr lang="en-US" baseline="0" dirty="0"/>
-              <a:t>In the case of Cisco, the leadership of the company laid off some 30,000 people in a roughly three-year period between 2014 and 2016. During this period, the HR culture promoted the organization as a family that valued employee retention above all else – the phrase often heard was, “we want Cisco to be the company you retire from.” One finds it difficult to rationalize this statement against 30,000 individuals restructured (though some of these people may have been offered early retirement, which is a gray area, I admit). </a:t>
+              <a:t> or it’s responding to a crisis  -- real of imagined. Either way, the organizational culture that supporting the company has not fully adapted to this change. There’s some reason to think that there is no “complete,” in an Agile transition, but a shift from a belief in a static organization to a stance that organizations are dynamic and continuously evolving. Think of it less as “an Agile transition,” and more of a “Agile transitioning.”</a:t>
             </a:r>
             <a:br>
               <a:rPr lang="en-US" baseline="0" dirty="0"/>
@@ -1758,7 +1570,7 @@
             </a:br>
             <a:r>
               <a:rPr lang="en-US" baseline="0" dirty="0"/>
-              <a:t>The reason that Cisco restructured so many workers, of course, was to stay profitable – to meet quarterly expectations from Wall Street and to reposition the work force to products and services that they thought would sell better than others. That was the truth of the matter. The propaganda of the matter is that they valued employees as family members. I’m not sure many were fooled. </a:t>
+              <a:t>Either way, when there is a crisis (real or imagined), the company is making a change so that they can act on a strategy and achieve a strategic goal. They say, “If we want to turn the corner, we’re going to have to change ourselves.” Or, they might say, “If we DON’T turn a corner, we’re going to fail.”</a:t>
             </a:r>
           </a:p>
           <a:p>
@@ -1767,7 +1579,7 @@
           <a:p>
             <a:r>
               <a:rPr lang="en-US" baseline="0" dirty="0"/>
-              <a:t>To be clear, I am not saying Cisco is good or bad. I’m only pointing out that Cisco worked very hard to believe it was one thing while it made choices that were in many ways completely inconsistent. Cisco has market cap of 161.33 B (as of 9/18), up from 89.04 B in Q1 of 1998.  Arguably, they’re doing something right. They might as well embrace it.</a:t>
+              <a:t>There are two parts to this: one is the organization, the other is this the strategy / strategic goal. We change the organization so that we accomplish the goal. The goal, of course, is to make money. </a:t>
             </a:r>
           </a:p>
           <a:p>
@@ -1776,13 +1588,144 @@
           <a:p>
             <a:r>
               <a:rPr lang="en-US" baseline="0" dirty="0"/>
-              <a:t>Instead, they embraced </a:t>
-            </a:r>
-            <a:r>
-              <a:rPr lang="en-US" baseline="0"/>
-              <a:t>the didactic.</a:t>
-            </a:r>
+              <a:t>A company with a transitional frame as their dominant frame (the didactic, the grotesque, the monastic) started either with a turning towards (Agile is our answer) or a turning away (Waterfall is going to kill us), but somehow got lost. Where they ended up was neither “accepting” or “rejecting,” but… weird. </a:t>
+            </a:r>
+          </a:p>
+          <a:p>
             <a:endParaRPr lang="en-US" baseline="0" dirty="0"/>
+          </a:p>
+          <a:p>
+            <a:r>
+              <a:rPr lang="en-US" baseline="0" dirty="0"/>
+              <a:t>The “transitional” company turns to something that is more like magic than anything else. They change the way they think and talk about something rather than changing the thing itself. If an accepting or rejecting company is not making money – either as much money as they could be or losing money – that company would change itself or change it’s goals or both. The “magic” of the transitional company is to “re-imagine” the organization or the goal, without actually changing anything in their material world. </a:t>
+            </a:r>
+          </a:p>
+          <a:p>
+            <a:br>
+              <a:rPr lang="en-US" baseline="0" dirty="0"/>
+            </a:br>
+            <a:r>
+              <a:rPr lang="en-US" baseline="0" dirty="0"/>
+              <a:t>Here’s an example:</a:t>
+            </a:r>
+          </a:p>
+          <a:p>
+            <a:endParaRPr lang="en-US" baseline="0" dirty="0"/>
+          </a:p>
+          <a:p>
+            <a:r>
+              <a:rPr lang="en-US" baseline="0" dirty="0"/>
+              <a:t>I used to work at Cisco, and John Chambers used to say all the time “in typical Cisco fashion,” as if there was some kind of cultural continuity in Cisco between 1996 and 2015. These companies – Cisco @ 1998 and Cisco @2015 – were not even remotely similar. The company strategy, organization, staff, revenue plans, investor relations, everything – was substantially different. Even the corporate logo to signify the company had changed. There was nothing typical about Cisco – which under went such powerful growth in such a short period to time, it was – much of the time – painful. The Cisco culture, which emerges in a real sense from the behaviors, norms (values), and artifacts of the business, was similar undergoing continuous change, also. </a:t>
+            </a:r>
+          </a:p>
+          <a:p>
+            <a:endParaRPr lang="en-US" baseline="0" dirty="0"/>
+          </a:p>
+          <a:p>
+            <a:r>
+              <a:rPr lang="en-US" baseline="0" dirty="0"/>
+              <a:t>Amid the turbulence of this change, Cisco frequently embraced the Didactic – propaganda. Cisco’s strength was adaption and reinvention, but Cisco’s language was one of continuity and consistency. In other words, “we change without changing / we’re completely different without losing our consistent identity.” “We’re a large company with a start-up mentality.”  This is, of course, </a:t>
+            </a:r>
+            <a:r>
+              <a:rPr lang="en-US" baseline="0" dirty="0" err="1"/>
+              <a:t>horsefeathers</a:t>
+            </a:r>
+            <a:r>
+              <a:rPr lang="en-US" baseline="0" dirty="0"/>
+              <a:t>, codswallop, and balderdash. </a:t>
+            </a:r>
+          </a:p>
+          <a:p>
+            <a:endParaRPr lang="en-US" baseline="0" dirty="0"/>
+          </a:p>
+          <a:p>
+            <a:r>
+              <a:rPr lang="en-US" baseline="0" dirty="0"/>
+              <a:t>That’s the Didactic at work – we stretch familiar language over the change and pretend nothing has changed because they way we TALK ABOUT IT is consistent. This is pointing to a butterfly and saying it still a caterpillar, up to and including the refusal to accept the fact of the insect flying right before our eyes, because caterpillars don’t fly.</a:t>
+            </a:r>
+          </a:p>
+          <a:p>
+            <a:endParaRPr lang="en-US" baseline="0" dirty="0"/>
+          </a:p>
+          <a:p>
+            <a:r>
+              <a:rPr lang="en-US" baseline="0" dirty="0"/>
+              <a:t>In the didactic (propaganda) we apply “Agile” names to “Waterfall” processes, and declare ourselves “Agile.” We apply the “words” in the vocabulary of an “</a:t>
+            </a:r>
+            <a:r>
+              <a:rPr lang="en-US" baseline="0" dirty="0" err="1"/>
+              <a:t>holocracy</a:t>
+            </a:r>
+            <a:r>
+              <a:rPr lang="en-US" baseline="0" dirty="0"/>
+              <a:t>” to an “red / amber / orange” organization and call it “evolved.” This is a </a:t>
+            </a:r>
+            <a:r>
+              <a:rPr lang="en-US" baseline="0" dirty="0" err="1"/>
+              <a:t>holocracy</a:t>
+            </a:r>
+            <a:r>
+              <a:rPr lang="en-US" baseline="0" dirty="0"/>
+              <a:t> where a single individual can move people in and out of circles or change out the lead links at whim. This is the continuous integration environment with stage gates and funding approvals following stakeholder review meetings.</a:t>
+            </a:r>
+            <a:br>
+              <a:rPr lang="en-US" baseline="0" dirty="0"/>
+            </a:br>
+            <a:br>
+              <a:rPr lang="en-US" baseline="0" dirty="0"/>
+            </a:br>
+            <a:r>
+              <a:rPr lang="en-US" baseline="0" dirty="0"/>
+              <a:t>This is the “magic” of renaming something in the effort to change belief instead of reality.</a:t>
+            </a:r>
+            <a:br>
+              <a:rPr lang="en-US" baseline="0" dirty="0"/>
+            </a:br>
+            <a:br>
+              <a:rPr lang="en-US" baseline="0" dirty="0"/>
+            </a:br>
+            <a:r>
+              <a:rPr lang="en-US" baseline="0" dirty="0"/>
+              <a:t>The Grotesque/Monastic organization does the same thing, but in the opposite way. Here, a company culture has either evolved out of its institutions (we’ve outgrown ourselves) or these institutions have stopped working properly (e.g. we’re not making a profit).</a:t>
+            </a:r>
+          </a:p>
+          <a:p>
+            <a:endParaRPr lang="en-US" baseline="0" dirty="0"/>
+          </a:p>
+          <a:p>
+            <a:r>
+              <a:rPr lang="en-US" baseline="0" dirty="0"/>
+              <a:t>Rather than adapt, the Grotesque/Monastic organization changes the goal from a real goal (money, profitability) to a “misdirected goal.” They shift from saying “we’re here to make money,” to “being true to ourselves.” The pragmatic thing to do when result when something isn’t working is to do something different that will work; the Grotesque/Monastic approach is to keep changing the definition of the goal until what you are doing delivers it. While the company is losing money and will face certain collapse unless they change, they nevertheless believe themselves to be successful because they are “a revolution in style,” or “a modern vision to a old problem.”</a:t>
+            </a:r>
+            <a:br>
+              <a:rPr lang="en-US" baseline="0" dirty="0"/>
+            </a:br>
+            <a:br>
+              <a:rPr lang="en-US" baseline="0" dirty="0"/>
+            </a:br>
+            <a:r>
+              <a:rPr lang="en-US" baseline="0" dirty="0"/>
+              <a:t>This is going to a restaurant, ordering from the menu, and instead of getting a meal having the waiter cut that item out of the menu and hand it to you – at which point you declare it delicious and satisfying.</a:t>
+            </a:r>
+          </a:p>
+          <a:p>
+            <a:endParaRPr lang="en-US" baseline="0" dirty="0"/>
+          </a:p>
+          <a:p>
+            <a:r>
+              <a:rPr lang="en-US" baseline="0" dirty="0"/>
+              <a:t>This is very difficult to fix.</a:t>
+            </a:r>
+          </a:p>
+          <a:p>
+            <a:endParaRPr lang="en-US" baseline="0" dirty="0"/>
+          </a:p>
+          <a:p>
+            <a:r>
+              <a:rPr lang="en-US" baseline="0" dirty="0"/>
+              <a:t>Running away is often the most rational response.</a:t>
+            </a:r>
+            <a:endParaRPr lang="en-US" dirty="0"/>
           </a:p>
         </p:txBody>
       </p:sp>
@@ -1803,7 +1746,7 @@
           <a:p>
             <a:fld id="{C9E2978F-8024-E64D-83E0-279BF5168A0A}" type="slidenum">
               <a:rPr lang="en-US" smtClean="0"/>
-              <a:t>37</a:t>
+              <a:t>35</a:t>
             </a:fld>
             <a:endParaRPr lang="en-US"/>
           </a:p>
@@ -1812,7 +1755,7 @@
     </p:spTree>
     <p:extLst>
       <p:ext uri="{BB962C8B-B14F-4D97-AF65-F5344CB8AC3E}">
-        <p14:creationId xmlns:p14="http://schemas.microsoft.com/office/powerpoint/2010/main" val="1782591598"/>
+        <p14:creationId xmlns:p14="http://schemas.microsoft.com/office/powerpoint/2010/main" val="2187332044"/>
       </p:ext>
     </p:extLst>
   </p:cSld>
@@ -1868,11 +1811,11 @@
           <a:p>
             <a:r>
               <a:rPr lang="en-US" dirty="0"/>
-              <a:t>Here’s an example</a:t>
+              <a:t>If you are going to stay and fight – or if you are an</a:t>
             </a:r>
             <a:r>
               <a:rPr lang="en-US" baseline="0" dirty="0"/>
-              <a:t> of where knowing something about Grammar is actually quite useful when trying to figure out of you agree with or understanding something. </a:t>
+              <a:t> enterprise transition consultant – you are mostly concerned with Business and Transformation mastery. </a:t>
             </a:r>
           </a:p>
           <a:p>
@@ -1880,856 +1823,51 @@
           </a:p>
           <a:p>
             <a:r>
-              <a:rPr lang="en-US" b="1" baseline="0" dirty="0"/>
-              <a:t>LQLH</a:t>
-            </a:r>
-          </a:p>
-          <a:p>
-            <a:r>
-              <a:rPr lang="en-US" b="1" dirty="0">
-                <a:effectLst/>
-              </a:rPr>
-              <a:t>Upper-Left</a:t>
-            </a:r>
-            <a:r>
-              <a:rPr lang="en-US" dirty="0">
-                <a:effectLst/>
-              </a:rPr>
-              <a:t> (UL)</a:t>
-            </a:r>
-            <a:r>
-              <a:rPr lang="en-US" baseline="0" dirty="0">
-                <a:effectLst/>
-              </a:rPr>
-              <a:t> - </a:t>
-            </a:r>
-            <a:r>
-              <a:rPr lang="en-US" dirty="0">
-                <a:effectLst/>
-              </a:rPr>
-              <a:t>"I“</a:t>
-            </a:r>
-            <a:r>
-              <a:rPr lang="en-US" baseline="0" dirty="0">
-                <a:effectLst/>
-              </a:rPr>
-              <a:t> | </a:t>
-            </a:r>
-            <a:r>
-              <a:rPr lang="en-US" dirty="0">
-                <a:effectLst/>
-              </a:rPr>
-              <a:t>Interior Individual</a:t>
-            </a:r>
-            <a:r>
-              <a:rPr lang="en-US" baseline="0" dirty="0">
-                <a:effectLst/>
-              </a:rPr>
-              <a:t> | </a:t>
-            </a:r>
-            <a:r>
-              <a:rPr lang="en-US" sz="1200" u="none" strike="noStrike" kern="1200" dirty="0">
-                <a:solidFill>
-                  <a:schemeClr val="tx1"/>
-                </a:solidFill>
-                <a:effectLst/>
-                <a:latin typeface="+mn-lt"/>
-                <a:ea typeface="+mn-ea"/>
-                <a:cs typeface="+mn-cs"/>
-                <a:hlinkClick r:id="rId3" tooltip="Intentional"/>
-              </a:rPr>
-              <a:t>Intentional</a:t>
-            </a:r>
-            <a:r>
-              <a:rPr lang="en-US" sz="1200" u="none" strike="noStrike" kern="1200" baseline="0" dirty="0">
-                <a:solidFill>
-                  <a:schemeClr val="tx1"/>
-                </a:solidFill>
-                <a:effectLst/>
-                <a:latin typeface="+mn-lt"/>
-                <a:ea typeface="+mn-ea"/>
-                <a:cs typeface="+mn-cs"/>
-              </a:rPr>
-              <a:t> | </a:t>
-            </a:r>
-            <a:r>
-              <a:rPr lang="en-US" dirty="0">
-                <a:effectLst/>
-              </a:rPr>
-              <a:t>e.g. </a:t>
-            </a:r>
-            <a:r>
-              <a:rPr lang="en-US" sz="1200" u="none" strike="noStrike" kern="1200" dirty="0">
-                <a:solidFill>
-                  <a:schemeClr val="tx1"/>
-                </a:solidFill>
-                <a:effectLst/>
-                <a:latin typeface="+mn-lt"/>
-                <a:ea typeface="+mn-ea"/>
-                <a:cs typeface="+mn-cs"/>
-                <a:hlinkClick r:id="rId4" tooltip="Sigmund Freud"/>
-              </a:rPr>
-              <a:t>Freud</a:t>
-            </a:r>
-            <a:endParaRPr lang="en-US" dirty="0">
-              <a:effectLst/>
-            </a:endParaRPr>
-          </a:p>
-          <a:p>
-            <a:r>
-              <a:rPr lang="en-US" b="1" dirty="0">
-                <a:effectLst/>
-              </a:rPr>
-              <a:t>Upper-Right</a:t>
-            </a:r>
-            <a:r>
-              <a:rPr lang="en-US" dirty="0">
-                <a:effectLst/>
-              </a:rPr>
-              <a:t> (UR) - "It“ | Exterior Individual</a:t>
-            </a:r>
-            <a:r>
-              <a:rPr lang="en-US" baseline="0" dirty="0">
-                <a:effectLst/>
-              </a:rPr>
-              <a:t> | </a:t>
-            </a:r>
-            <a:r>
-              <a:rPr lang="en-US" sz="1200" u="none" strike="noStrike" kern="1200" dirty="0">
-                <a:solidFill>
-                  <a:schemeClr val="tx1"/>
-                </a:solidFill>
-                <a:effectLst/>
-                <a:latin typeface="+mn-lt"/>
-                <a:ea typeface="+mn-ea"/>
-                <a:cs typeface="+mn-cs"/>
-                <a:hlinkClick r:id="rId5" tooltip="Behavioral"/>
-              </a:rPr>
-              <a:t>Behavioral</a:t>
-            </a:r>
-            <a:r>
-              <a:rPr lang="en-US" sz="1200" u="none" strike="noStrike" kern="1200" baseline="0" dirty="0">
-                <a:solidFill>
-                  <a:schemeClr val="tx1"/>
-                </a:solidFill>
-                <a:effectLst/>
-                <a:latin typeface="+mn-lt"/>
-                <a:ea typeface="+mn-ea"/>
-                <a:cs typeface="+mn-cs"/>
-              </a:rPr>
-              <a:t> | </a:t>
-            </a:r>
-            <a:r>
-              <a:rPr lang="en-US" dirty="0">
-                <a:effectLst/>
-              </a:rPr>
-              <a:t>e.g. </a:t>
-            </a:r>
-            <a:r>
-              <a:rPr lang="en-US" sz="1200" u="none" strike="noStrike" kern="1200" dirty="0">
-                <a:solidFill>
-                  <a:schemeClr val="tx1"/>
-                </a:solidFill>
-                <a:effectLst/>
-                <a:latin typeface="+mn-lt"/>
-                <a:ea typeface="+mn-ea"/>
-                <a:cs typeface="+mn-cs"/>
-                <a:hlinkClick r:id="rId6" tooltip="B.F. Skinner"/>
-              </a:rPr>
-              <a:t>Skinner</a:t>
-            </a:r>
-            <a:endParaRPr lang="en-US" dirty="0">
-              <a:effectLst/>
-            </a:endParaRPr>
-          </a:p>
-          <a:p>
-            <a:r>
-              <a:rPr lang="en-US" b="1" dirty="0">
-                <a:effectLst/>
-              </a:rPr>
-              <a:t>Lower-Left</a:t>
-            </a:r>
-            <a:r>
-              <a:rPr lang="en-US" dirty="0">
-                <a:effectLst/>
-              </a:rPr>
-              <a:t> (LL)</a:t>
-            </a:r>
-            <a:r>
-              <a:rPr lang="en-US" baseline="0" dirty="0">
-                <a:effectLst/>
-              </a:rPr>
-              <a:t> | </a:t>
-            </a:r>
-            <a:r>
-              <a:rPr lang="en-US" dirty="0">
-                <a:effectLst/>
-              </a:rPr>
-              <a:t>"We“</a:t>
-            </a:r>
-            <a:r>
-              <a:rPr lang="en-US" baseline="0" dirty="0">
-                <a:effectLst/>
-              </a:rPr>
-              <a:t> | </a:t>
-            </a:r>
-            <a:r>
-              <a:rPr lang="en-US" dirty="0">
-                <a:effectLst/>
-              </a:rPr>
-              <a:t>Interior Collective</a:t>
-            </a:r>
-            <a:r>
-              <a:rPr lang="en-US" baseline="0" dirty="0">
-                <a:effectLst/>
-              </a:rPr>
-              <a:t> | </a:t>
-            </a:r>
-            <a:r>
-              <a:rPr lang="en-US" sz="1200" u="none" strike="noStrike" kern="1200" dirty="0">
-                <a:solidFill>
-                  <a:schemeClr val="tx1"/>
-                </a:solidFill>
-                <a:effectLst/>
-                <a:latin typeface="+mn-lt"/>
-                <a:ea typeface="+mn-ea"/>
-                <a:cs typeface="+mn-cs"/>
-                <a:hlinkClick r:id="rId7" tooltip="Cultural"/>
-              </a:rPr>
-              <a:t>Cultural</a:t>
-            </a:r>
-            <a:r>
-              <a:rPr lang="en-US" sz="1200" u="none" strike="noStrike" kern="1200" baseline="0" dirty="0">
-                <a:solidFill>
-                  <a:schemeClr val="tx1"/>
-                </a:solidFill>
-                <a:effectLst/>
-                <a:latin typeface="+mn-lt"/>
-                <a:ea typeface="+mn-ea"/>
-                <a:cs typeface="+mn-cs"/>
-              </a:rPr>
-              <a:t> | </a:t>
-            </a:r>
-            <a:r>
-              <a:rPr lang="en-US" dirty="0">
-                <a:effectLst/>
-              </a:rPr>
-              <a:t>e.g. </a:t>
-            </a:r>
-            <a:r>
-              <a:rPr lang="en-US" sz="1200" u="none" strike="noStrike" kern="1200" dirty="0" err="1">
-                <a:solidFill>
-                  <a:schemeClr val="tx1"/>
-                </a:solidFill>
-                <a:effectLst/>
-                <a:latin typeface="+mn-lt"/>
-                <a:ea typeface="+mn-ea"/>
-                <a:cs typeface="+mn-cs"/>
-                <a:hlinkClick r:id="rId8" tooltip="Hans-Georg Gadamer"/>
-              </a:rPr>
-              <a:t>Gadamer</a:t>
-            </a:r>
-            <a:endParaRPr lang="en-US" dirty="0">
-              <a:effectLst/>
-            </a:endParaRPr>
-          </a:p>
-          <a:p>
-            <a:r>
-              <a:rPr lang="en-US" b="1" dirty="0">
-                <a:effectLst/>
-              </a:rPr>
-              <a:t>Lower-Right</a:t>
-            </a:r>
-            <a:r>
-              <a:rPr lang="en-US" dirty="0">
-                <a:effectLst/>
-              </a:rPr>
-              <a:t> (LR)</a:t>
-            </a:r>
-            <a:r>
-              <a:rPr lang="en-US" baseline="0" dirty="0">
-                <a:effectLst/>
-              </a:rPr>
-              <a:t> | </a:t>
-            </a:r>
-            <a:r>
-              <a:rPr lang="en-US" dirty="0">
-                <a:effectLst/>
-              </a:rPr>
-              <a:t>"Its“</a:t>
-            </a:r>
-            <a:r>
-              <a:rPr lang="en-US" baseline="0" dirty="0">
-                <a:effectLst/>
-              </a:rPr>
-              <a:t> | </a:t>
-            </a:r>
-            <a:r>
-              <a:rPr lang="en-US" dirty="0">
-                <a:effectLst/>
-              </a:rPr>
-              <a:t>Exterior Collective</a:t>
-            </a:r>
-            <a:r>
-              <a:rPr lang="en-US" baseline="0" dirty="0">
-                <a:effectLst/>
-              </a:rPr>
-              <a:t> | </a:t>
-            </a:r>
-            <a:r>
-              <a:rPr lang="en-US" sz="1200" u="none" strike="noStrike" kern="1200" dirty="0">
-                <a:solidFill>
-                  <a:schemeClr val="tx1"/>
-                </a:solidFill>
-                <a:effectLst/>
-                <a:latin typeface="+mn-lt"/>
-                <a:ea typeface="+mn-ea"/>
-                <a:cs typeface="+mn-cs"/>
-                <a:hlinkClick r:id="rId9" tooltip="Social"/>
-              </a:rPr>
-              <a:t>Social</a:t>
-            </a:r>
-            <a:r>
-              <a:rPr lang="en-US" sz="1200" u="none" strike="noStrike" kern="1200" baseline="0" dirty="0">
-                <a:solidFill>
-                  <a:schemeClr val="tx1"/>
-                </a:solidFill>
-                <a:effectLst/>
-                <a:latin typeface="+mn-lt"/>
-                <a:ea typeface="+mn-ea"/>
-                <a:cs typeface="+mn-cs"/>
-              </a:rPr>
-              <a:t> | </a:t>
-            </a:r>
-            <a:r>
-              <a:rPr lang="en-US" dirty="0">
-                <a:effectLst/>
-              </a:rPr>
-              <a:t>e.g. </a:t>
-            </a:r>
-            <a:r>
-              <a:rPr lang="en-US" sz="1200" u="none" strike="noStrike" kern="1200" dirty="0">
-                <a:solidFill>
-                  <a:schemeClr val="tx1"/>
-                </a:solidFill>
-                <a:effectLst/>
-                <a:latin typeface="+mn-lt"/>
-                <a:ea typeface="+mn-ea"/>
-                <a:cs typeface="+mn-cs"/>
-                <a:hlinkClick r:id="rId10" tooltip="Karl Marx"/>
-              </a:rPr>
-              <a:t>Marx</a:t>
-            </a:r>
-            <a:endParaRPr lang="en-US" dirty="0">
-              <a:effectLst/>
-            </a:endParaRPr>
-          </a:p>
-          <a:p>
-            <a:endParaRPr lang="en-US" dirty="0"/>
-          </a:p>
-          <a:p>
-            <a:r>
-              <a:rPr lang="en-US" b="1" i="0" dirty="0">
-                <a:effectLst/>
-              </a:rPr>
-              <a:t>Theory</a:t>
-            </a:r>
-            <a:r>
-              <a:rPr lang="en-US" b="1" i="0" baseline="0" dirty="0">
-                <a:effectLst/>
-              </a:rPr>
-              <a:t> of Truthfulness</a:t>
+              <a:rPr lang="en-US" baseline="0" dirty="0"/>
+              <a:t>First, the business has lost sight of what it is about: being profitable. </a:t>
+            </a:r>
+          </a:p>
+          <a:p>
+            <a:endParaRPr lang="en-US" baseline="0" dirty="0"/>
+          </a:p>
+          <a:p>
+            <a:r>
+              <a:rPr lang="en-US" baseline="0" dirty="0"/>
+              <a:t>In the case of Cisco, the leadership of the company laid off some 30,000 people in a roughly three-year period between 2014 and 2016. During this period, the HR culture promoted the organization as a family that valued employee retention above all else – the phrase often heard was, “we want Cisco to be the company you retire from.” One finds it difficult to rationalize this statement against 30,000 individuals restructured (though some of these people may have been offered early retirement, which is a gray area, I admit). </a:t>
             </a:r>
             <a:br>
-              <a:rPr lang="en-US" i="1" dirty="0">
-                <a:effectLst/>
-              </a:rPr>
+              <a:rPr lang="en-US" baseline="0" dirty="0"/>
             </a:br>
-            <a:r>
-              <a:rPr lang="en-US" i="1" dirty="0" err="1">
-                <a:effectLst/>
-              </a:rPr>
-              <a:t>InteriorExteriorIndividual</a:t>
-            </a:r>
-            <a:r>
-              <a:rPr lang="en-US" dirty="0" err="1">
-                <a:effectLst/>
-              </a:rPr>
-              <a:t>Standard</a:t>
-            </a:r>
-            <a:r>
-              <a:rPr lang="en-US" dirty="0">
-                <a:effectLst/>
-              </a:rPr>
-              <a:t>: </a:t>
-            </a:r>
-            <a:r>
-              <a:rPr lang="en-US" i="1" dirty="0">
-                <a:effectLst/>
-              </a:rPr>
-              <a:t>Truthfulness</a:t>
-            </a:r>
             <a:br>
-              <a:rPr lang="en-US" i="1" dirty="0">
-                <a:effectLst/>
-              </a:rPr>
+              <a:rPr lang="en-US" baseline="0" dirty="0"/>
             </a:br>
             <a:r>
-              <a:rPr lang="en-US" i="1" dirty="0">
-                <a:effectLst/>
-              </a:rPr>
-              <a:t>(</a:t>
-            </a:r>
-            <a:r>
-              <a:rPr lang="en-US" sz="1200" i="1" u="none" strike="noStrike" kern="1200" dirty="0">
-                <a:solidFill>
-                  <a:schemeClr val="tx1"/>
-                </a:solidFill>
-                <a:effectLst/>
-                <a:latin typeface="+mn-lt"/>
-                <a:ea typeface="+mn-ea"/>
-                <a:cs typeface="+mn-cs"/>
-                <a:hlinkClick r:id="rId11" tooltip="First-person narrative"/>
-              </a:rPr>
-              <a:t>1st person</a:t>
-            </a:r>
-            <a:r>
-              <a:rPr lang="en-US" i="1" dirty="0">
-                <a:effectLst/>
-              </a:rPr>
-              <a:t>)</a:t>
-            </a:r>
-            <a:br>
-              <a:rPr lang="en-US" dirty="0">
-                <a:effectLst/>
-              </a:rPr>
-            </a:br>
-            <a:r>
-              <a:rPr lang="en-US" dirty="0">
-                <a:effectLst/>
-              </a:rPr>
-              <a:t>(</a:t>
-            </a:r>
-            <a:r>
-              <a:rPr lang="en-US" sz="1200" u="none" strike="noStrike" kern="1200" dirty="0">
-                <a:solidFill>
-                  <a:schemeClr val="tx1"/>
-                </a:solidFill>
-                <a:effectLst/>
-                <a:latin typeface="+mn-lt"/>
-                <a:ea typeface="+mn-ea"/>
-                <a:cs typeface="+mn-cs"/>
-                <a:hlinkClick r:id="rId12" tooltip="Sincerity"/>
-              </a:rPr>
-              <a:t>sincerity</a:t>
-            </a:r>
-            <a:r>
-              <a:rPr lang="en-US" dirty="0">
-                <a:effectLst/>
-              </a:rPr>
-              <a:t>, </a:t>
-            </a:r>
-            <a:r>
-              <a:rPr lang="en-US" sz="1200" u="none" strike="noStrike" kern="1200" dirty="0">
-                <a:solidFill>
-                  <a:schemeClr val="tx1"/>
-                </a:solidFill>
-                <a:effectLst/>
-                <a:latin typeface="+mn-lt"/>
-                <a:ea typeface="+mn-ea"/>
-                <a:cs typeface="+mn-cs"/>
-                <a:hlinkClick r:id="rId13" tooltip="Integrity"/>
-              </a:rPr>
-              <a:t>integrity</a:t>
-            </a:r>
-            <a:r>
-              <a:rPr lang="en-US" dirty="0">
-                <a:effectLst/>
-              </a:rPr>
-              <a:t>, </a:t>
-            </a:r>
-            <a:r>
-              <a:rPr lang="en-US" sz="1200" u="none" strike="noStrike" kern="1200" dirty="0">
-                <a:solidFill>
-                  <a:schemeClr val="tx1"/>
-                </a:solidFill>
-                <a:effectLst/>
-                <a:latin typeface="+mn-lt"/>
-                <a:ea typeface="+mn-ea"/>
-                <a:cs typeface="+mn-cs"/>
-                <a:hlinkClick r:id="rId14" tooltip="Trustworthiness"/>
-              </a:rPr>
-              <a:t>trustworthiness</a:t>
-            </a:r>
-            <a:r>
-              <a:rPr lang="en-US" dirty="0">
-                <a:effectLst/>
-              </a:rPr>
-              <a:t>)</a:t>
-            </a:r>
-          </a:p>
-          <a:p>
-            <a:endParaRPr lang="en-US" dirty="0">
-              <a:effectLst/>
-            </a:endParaRPr>
-          </a:p>
-          <a:p>
-            <a:r>
-              <a:rPr lang="en-US" dirty="0">
-                <a:effectLst/>
-              </a:rPr>
-              <a:t>Standard: </a:t>
-            </a:r>
-            <a:r>
-              <a:rPr lang="en-US" i="1" dirty="0">
-                <a:effectLst/>
-              </a:rPr>
-              <a:t>Truth</a:t>
-            </a:r>
-            <a:br>
-              <a:rPr lang="en-US" i="1" dirty="0">
-                <a:effectLst/>
-              </a:rPr>
-            </a:br>
-            <a:r>
-              <a:rPr lang="en-US" i="1" dirty="0">
-                <a:effectLst/>
-              </a:rPr>
-              <a:t>(</a:t>
-            </a:r>
-            <a:r>
-              <a:rPr lang="en-US" sz="1200" i="1" u="none" strike="noStrike" kern="1200" dirty="0">
-                <a:solidFill>
-                  <a:schemeClr val="tx1"/>
-                </a:solidFill>
-                <a:effectLst/>
-                <a:latin typeface="+mn-lt"/>
-                <a:ea typeface="+mn-ea"/>
-                <a:cs typeface="+mn-cs"/>
-                <a:hlinkClick r:id="rId15" tooltip="Third-person narrative"/>
-              </a:rPr>
-              <a:t>3rd person</a:t>
-            </a:r>
-            <a:r>
-              <a:rPr lang="en-US" i="1" dirty="0">
-                <a:effectLst/>
-              </a:rPr>
-              <a:t>)</a:t>
-            </a:r>
-            <a:br>
-              <a:rPr lang="en-US" dirty="0">
-                <a:effectLst/>
-              </a:rPr>
-            </a:br>
-            <a:r>
-              <a:rPr lang="en-US" dirty="0">
-                <a:effectLst/>
-              </a:rPr>
-              <a:t>(</a:t>
-            </a:r>
-            <a:r>
-              <a:rPr lang="en-US" sz="1200" u="none" strike="noStrike" kern="1200" dirty="0">
-                <a:solidFill>
-                  <a:schemeClr val="tx1"/>
-                </a:solidFill>
-                <a:effectLst/>
-                <a:latin typeface="+mn-lt"/>
-                <a:ea typeface="+mn-ea"/>
-                <a:cs typeface="+mn-cs"/>
-                <a:hlinkClick r:id="rId16" tooltip="Communication"/>
-              </a:rPr>
-              <a:t>correspondence</a:t>
-            </a:r>
-            <a:r>
-              <a:rPr lang="en-US" dirty="0">
-                <a:effectLst/>
-              </a:rPr>
-              <a:t>,</a:t>
-            </a:r>
-            <a:br>
-              <a:rPr lang="en-US" dirty="0">
-                <a:effectLst/>
-              </a:rPr>
-            </a:br>
-            <a:r>
-              <a:rPr lang="en-US" sz="1200" u="none" strike="noStrike" kern="1200" dirty="0">
-                <a:solidFill>
-                  <a:schemeClr val="tx1"/>
-                </a:solidFill>
-                <a:effectLst/>
-                <a:latin typeface="+mn-lt"/>
-                <a:ea typeface="+mn-ea"/>
-                <a:cs typeface="+mn-cs"/>
-                <a:hlinkClick r:id="rId17" tooltip="Mental representation"/>
-              </a:rPr>
-              <a:t>representation</a:t>
-            </a:r>
-            <a:r>
-              <a:rPr lang="en-US" dirty="0">
-                <a:effectLst/>
-              </a:rPr>
-              <a:t>, </a:t>
-            </a:r>
-            <a:r>
-              <a:rPr lang="en-US" sz="1200" u="none" strike="noStrike" kern="1200" dirty="0">
-                <a:solidFill>
-                  <a:schemeClr val="tx1"/>
-                </a:solidFill>
-                <a:effectLst/>
-                <a:latin typeface="+mn-lt"/>
-                <a:ea typeface="+mn-ea"/>
-                <a:cs typeface="+mn-cs"/>
-                <a:hlinkClick r:id="rId18" tooltip="Propositional"/>
-              </a:rPr>
-              <a:t>propositional</a:t>
-            </a:r>
-            <a:r>
-              <a:rPr lang="en-US" dirty="0">
-                <a:effectLst/>
-              </a:rPr>
-              <a:t>)</a:t>
-            </a:r>
-          </a:p>
-          <a:p>
-            <a:endParaRPr lang="en-US" i="1" dirty="0">
-              <a:effectLst/>
-            </a:endParaRPr>
-          </a:p>
-          <a:p>
-            <a:r>
-              <a:rPr lang="en-US" i="1" dirty="0" err="1">
-                <a:effectLst/>
-              </a:rPr>
-              <a:t>Collective</a:t>
-            </a:r>
-            <a:r>
-              <a:rPr lang="en-US" dirty="0" err="1">
-                <a:effectLst/>
-              </a:rPr>
-              <a:t>Standard</a:t>
-            </a:r>
-            <a:r>
-              <a:rPr lang="en-US" dirty="0">
-                <a:effectLst/>
-              </a:rPr>
-              <a:t>: </a:t>
-            </a:r>
-            <a:r>
-              <a:rPr lang="en-US" i="1" dirty="0">
-                <a:effectLst/>
-              </a:rPr>
-              <a:t>Justness</a:t>
-            </a:r>
-            <a:br>
-              <a:rPr lang="en-US" i="1" dirty="0">
-                <a:effectLst/>
-              </a:rPr>
-            </a:br>
-            <a:r>
-              <a:rPr lang="en-US" i="1" dirty="0">
-                <a:effectLst/>
-              </a:rPr>
-              <a:t>(</a:t>
-            </a:r>
-            <a:r>
-              <a:rPr lang="en-US" sz="1200" i="1" u="none" strike="noStrike" kern="1200" dirty="0">
-                <a:solidFill>
-                  <a:schemeClr val="tx1"/>
-                </a:solidFill>
-                <a:effectLst/>
-                <a:latin typeface="+mn-lt"/>
-                <a:ea typeface="+mn-ea"/>
-                <a:cs typeface="+mn-cs"/>
-                <a:hlinkClick r:id="rId19" tooltip="Second-person narrative"/>
-              </a:rPr>
-              <a:t>2nd person</a:t>
-            </a:r>
-            <a:r>
-              <a:rPr lang="en-US" i="1" dirty="0">
-                <a:effectLst/>
-              </a:rPr>
-              <a:t>)  IN</a:t>
-            </a:r>
-            <a:r>
-              <a:rPr lang="en-US" i="1" baseline="0" dirty="0">
-                <a:effectLst/>
-              </a:rPr>
-              <a:t> AQAL – this is “we” which is 1</a:t>
-            </a:r>
-            <a:r>
-              <a:rPr lang="en-US" i="1" baseline="30000" dirty="0">
-                <a:effectLst/>
-              </a:rPr>
-              <a:t>st</a:t>
-            </a:r>
-            <a:r>
-              <a:rPr lang="en-US" i="1" baseline="0" dirty="0">
-                <a:effectLst/>
-              </a:rPr>
-              <a:t> Person Plural, not 2</a:t>
-            </a:r>
-            <a:r>
-              <a:rPr lang="en-US" i="1" baseline="30000" dirty="0">
-                <a:effectLst/>
-              </a:rPr>
-              <a:t>nd</a:t>
-            </a:r>
-            <a:r>
-              <a:rPr lang="en-US" i="1" baseline="0" dirty="0">
-                <a:effectLst/>
-              </a:rPr>
-              <a:t> Person</a:t>
-            </a:r>
-            <a:br>
-              <a:rPr lang="en-US" dirty="0">
-                <a:effectLst/>
-              </a:rPr>
-            </a:br>
-            <a:r>
-              <a:rPr lang="en-US" dirty="0">
-                <a:effectLst/>
-              </a:rPr>
-              <a:t> (cultural fit, </a:t>
-            </a:r>
-            <a:r>
-              <a:rPr lang="en-US" sz="1200" u="none" strike="noStrike" kern="1200" dirty="0">
-                <a:solidFill>
-                  <a:schemeClr val="tx1"/>
-                </a:solidFill>
-                <a:effectLst/>
-                <a:latin typeface="+mn-lt"/>
-                <a:ea typeface="+mn-ea"/>
-                <a:cs typeface="+mn-cs"/>
-                <a:hlinkClick r:id="rId20" tooltip="wikt:rightness"/>
-              </a:rPr>
-              <a:t>rightness</a:t>
-            </a:r>
-            <a:r>
-              <a:rPr lang="en-US" dirty="0">
-                <a:effectLst/>
-              </a:rPr>
-              <a:t>,</a:t>
-            </a:r>
-            <a:br>
-              <a:rPr lang="en-US" dirty="0">
-                <a:effectLst/>
-              </a:rPr>
-            </a:br>
-            <a:r>
-              <a:rPr lang="en-US" dirty="0">
-                <a:effectLst/>
-              </a:rPr>
-              <a:t>mutual understanding)</a:t>
-            </a:r>
-          </a:p>
-          <a:p>
-            <a:endParaRPr lang="en-US" dirty="0">
-              <a:effectLst/>
-            </a:endParaRPr>
-          </a:p>
-          <a:p>
-            <a:r>
-              <a:rPr lang="en-US" dirty="0">
-                <a:effectLst/>
-              </a:rPr>
-              <a:t>Standard: </a:t>
-            </a:r>
-            <a:r>
-              <a:rPr lang="en-US" i="1" dirty="0">
-                <a:effectLst/>
-              </a:rPr>
-              <a:t>Functional fit</a:t>
-            </a:r>
-            <a:br>
-              <a:rPr lang="en-US" i="1" dirty="0">
-                <a:effectLst/>
-              </a:rPr>
-            </a:br>
-            <a:r>
-              <a:rPr lang="en-US" i="1" dirty="0">
-                <a:effectLst/>
-              </a:rPr>
-              <a:t>(3rd person)</a:t>
-            </a:r>
-            <a:br>
-              <a:rPr lang="en-US" dirty="0">
-                <a:effectLst/>
-              </a:rPr>
-            </a:br>
-            <a:r>
-              <a:rPr lang="en-US" dirty="0">
-                <a:effectLst/>
-              </a:rPr>
-              <a:t>(</a:t>
-            </a:r>
-            <a:r>
-              <a:rPr lang="en-US" sz="1200" u="none" strike="noStrike" kern="1200" dirty="0">
-                <a:solidFill>
-                  <a:schemeClr val="tx1"/>
-                </a:solidFill>
-                <a:effectLst/>
-                <a:latin typeface="+mn-lt"/>
-                <a:ea typeface="+mn-ea"/>
-                <a:cs typeface="+mn-cs"/>
-                <a:hlinkClick r:id="rId21" tooltip="Systems theory"/>
-              </a:rPr>
-              <a:t>systems theory</a:t>
-            </a:r>
-            <a:r>
-              <a:rPr lang="en-US" dirty="0">
-                <a:effectLst/>
-              </a:rPr>
-              <a:t> web,</a:t>
-            </a:r>
-            <a:br>
-              <a:rPr lang="en-US" dirty="0">
-                <a:effectLst/>
-              </a:rPr>
-            </a:br>
-            <a:r>
-              <a:rPr lang="en-US" sz="1200" u="none" strike="noStrike" kern="1200" dirty="0">
-                <a:solidFill>
-                  <a:schemeClr val="tx1"/>
-                </a:solidFill>
-                <a:effectLst/>
-                <a:latin typeface="+mn-lt"/>
-                <a:ea typeface="+mn-ea"/>
-                <a:cs typeface="+mn-cs"/>
-                <a:hlinkClick r:id="rId22" tooltip="Structural functionalism"/>
-              </a:rPr>
-              <a:t>Structural functionalism</a:t>
-            </a:r>
-            <a:r>
-              <a:rPr lang="en-US" dirty="0">
-                <a:effectLst/>
-              </a:rPr>
-              <a:t>,</a:t>
-            </a:r>
-            <a:br>
-              <a:rPr lang="en-US" dirty="0">
-                <a:effectLst/>
-              </a:rPr>
-            </a:br>
-            <a:r>
-              <a:rPr lang="en-US" sz="1200" u="none" strike="noStrike" kern="1200" dirty="0">
-                <a:solidFill>
-                  <a:schemeClr val="tx1"/>
-                </a:solidFill>
-                <a:effectLst/>
-                <a:latin typeface="+mn-lt"/>
-                <a:ea typeface="+mn-ea"/>
-                <a:cs typeface="+mn-cs"/>
-                <a:hlinkClick r:id="rId23" tooltip="Social systems"/>
-              </a:rPr>
-              <a:t>social systems</a:t>
-            </a:r>
-            <a:r>
-              <a:rPr lang="en-US" dirty="0">
-                <a:effectLst/>
-              </a:rPr>
-              <a:t> mesh)</a:t>
-            </a:r>
-            <a:endParaRPr lang="en-US" dirty="0"/>
+              <a:rPr lang="en-US" baseline="0" dirty="0"/>
+              <a:t>The reason that Cisco restructured so many workers, of course, was to stay profitable – to meet quarterly expectations from Wall Street and to reposition the work force to products and services that they thought would sell better than others. That was the truth of the matter. The propaganda of the matter is that they valued employees as family members. I’m not sure many were fooled. </a:t>
+            </a:r>
+          </a:p>
+          <a:p>
+            <a:endParaRPr lang="en-US" baseline="0" dirty="0"/>
+          </a:p>
+          <a:p>
+            <a:r>
+              <a:rPr lang="en-US" baseline="0" dirty="0"/>
+              <a:t>To be clear, I am not saying Cisco is good or bad. I’m only pointing out that Cisco worked very hard to believe it was one thing while it made choices that were in many ways completely inconsistent. Cisco has market cap of 161.33 B (as of 9/18), up from 89.04 B in Q1 of 1998.  Arguably, they’re doing something right. They might as well embrace it.</a:t>
+            </a:r>
+          </a:p>
+          <a:p>
+            <a:endParaRPr lang="en-US" baseline="0" dirty="0"/>
+          </a:p>
+          <a:p>
+            <a:r>
+              <a:rPr lang="en-US" baseline="0" dirty="0"/>
+              <a:t>Instead, they embraced </a:t>
+            </a:r>
+            <a:r>
+              <a:rPr lang="en-US" baseline="0"/>
+              <a:t>the didactic.</a:t>
+            </a:r>
+            <a:endParaRPr lang="en-US" baseline="0" dirty="0"/>
           </a:p>
         </p:txBody>
       </p:sp>
@@ -2750,7 +1888,7 @@
           <a:p>
             <a:fld id="{C9E2978F-8024-E64D-83E0-279BF5168A0A}" type="slidenum">
               <a:rPr lang="en-US" smtClean="0"/>
-              <a:t>39</a:t>
+              <a:t>36</a:t>
             </a:fld>
             <a:endParaRPr lang="en-US"/>
           </a:p>
@@ -2759,7 +1897,7 @@
     </p:spTree>
     <p:extLst>
       <p:ext uri="{BB962C8B-B14F-4D97-AF65-F5344CB8AC3E}">
-        <p14:creationId xmlns:p14="http://schemas.microsoft.com/office/powerpoint/2010/main" val="3200910869"/>
+        <p14:creationId xmlns:p14="http://schemas.microsoft.com/office/powerpoint/2010/main" val="1782591598"/>
       </p:ext>
     </p:extLst>
   </p:cSld>
@@ -2815,137 +1953,8 @@
           <a:p>
             <a:r>
               <a:rPr lang="en-US" dirty="0"/>
-              <a:t>Here’s an example of where knowing</a:t>
-            </a:r>
-            <a:r>
-              <a:rPr lang="en-US" baseline="0" dirty="0"/>
-              <a:t> a bit about tropes can help you determine if you and understand and agree with something new:</a:t>
-            </a:r>
-          </a:p>
-          <a:p>
-            <a:endParaRPr lang="en-US" baseline="0" dirty="0"/>
-          </a:p>
-          <a:p>
-            <a:r>
-              <a:rPr lang="en-US" baseline="0" dirty="0" err="1"/>
-              <a:t>Laloux</a:t>
-            </a:r>
-            <a:r>
-              <a:rPr lang="en-US" baseline="0" dirty="0"/>
-              <a:t> uses an extended metaphor of the color spectrum to place the evolution of an organization. Not listed here is the “infra-red,” or proto-organizational conditions (e.g. natural state, pre-organization, state of nature). This metaphor doesn’t convey anything other than “position.” He has to add a metaphor to his metaphor, to explain how an organization is like red, and red is like a wolf pack. You have to wonder a bit why he didn’t “wolf pack” from the state: what is the value to calling it red, in your opinion?</a:t>
-            </a:r>
-          </a:p>
-          <a:p>
-            <a:endParaRPr lang="en-US" baseline="0" dirty="0"/>
-          </a:p>
-          <a:p>
-            <a:r>
-              <a:rPr lang="en-US" baseline="0" dirty="0"/>
-              <a:t>In my opinion, and these are often matters of judgement requiring justification and explanation before they can be agreed to, </a:t>
-            </a:r>
-            <a:r>
-              <a:rPr lang="en-US" baseline="0" dirty="0" err="1"/>
-              <a:t>Laloux</a:t>
-            </a:r>
-            <a:r>
-              <a:rPr lang="en-US" baseline="0" dirty="0"/>
-              <a:t> confuses metaphor with synecdoche in the Green and Teal organization. For seventeen years, I worked for a company that said, “we are a family,” where “family” is used as a nominative predicate. They forgot it was first a metaphor (“our company is like a family,” skipped synecdoche, “We are a family unit,” and jumped straight into abstraction, “we are family.” </a:t>
-            </a:r>
-            <a:br>
-              <a:rPr lang="en-US" baseline="0" dirty="0"/>
-            </a:br>
-            <a:br>
-              <a:rPr lang="en-US" baseline="0" dirty="0"/>
-            </a:br>
-            <a:r>
-              <a:rPr lang="en-US" baseline="0" dirty="0"/>
-              <a:t>This made we want ask that particular leader, “exactly where in the hell did you grow up?”</a:t>
-            </a:r>
-          </a:p>
-          <a:p>
-            <a:endParaRPr lang="en-US" baseline="0" dirty="0"/>
-          </a:p>
-          <a:p>
-            <a:r>
-              <a:rPr lang="en-US" baseline="0" dirty="0" err="1"/>
-              <a:t>Laloux</a:t>
-            </a:r>
-            <a:r>
-              <a:rPr lang="en-US" baseline="0" dirty="0"/>
-              <a:t> suggest one of the pitfalls </a:t>
-            </a:r>
-            <a:r>
-              <a:rPr lang="en-US" baseline="0" dirty="0" err="1"/>
-              <a:t>fo</a:t>
-            </a:r>
-            <a:r>
-              <a:rPr lang="en-US" baseline="0" dirty="0"/>
-              <a:t> the family organization metaphor is the questionable advisedness of family roles and relationships.</a:t>
-            </a:r>
-            <a:br>
-              <a:rPr lang="en-US" baseline="0" dirty="0"/>
-            </a:br>
-            <a:br>
-              <a:rPr lang="en-US" baseline="0" dirty="0"/>
-            </a:br>
-            <a:r>
-              <a:rPr lang="en-US" baseline="0" dirty="0"/>
-              <a:t>I question the notion at all.</a:t>
-            </a:r>
-            <a:br>
-              <a:rPr lang="en-US" baseline="0" dirty="0"/>
-            </a:br>
-            <a:br>
-              <a:rPr lang="en-US" baseline="0" dirty="0"/>
-            </a:br>
-            <a:r>
-              <a:rPr lang="en-US" baseline="0" dirty="0"/>
-              <a:t>If your work organization is a family, then you have a family the hired you into it, pays you to stay in it, demands you be productive as a condition of continued members, and regularly throws members of the family out on the street when it becomes economical advisable to satisfy the owners of the family that the P/E ratio of the family is within investor expectations. </a:t>
-            </a:r>
-            <a:br>
-              <a:rPr lang="en-US" baseline="0" dirty="0"/>
-            </a:br>
-            <a:br>
-              <a:rPr lang="en-US" baseline="0" dirty="0"/>
-            </a:br>
-            <a:r>
-              <a:rPr lang="en-US" baseline="0" dirty="0"/>
-              <a:t>The problem with this idea is not, essentially, the family roles and relationships, but rather that it is complete nonsense – whether it used figuratively (as metaphor or synecdoche) or literally (as nominative predicate of the verb). </a:t>
-            </a:r>
-          </a:p>
-          <a:p>
-            <a:endParaRPr lang="en-US" baseline="0" dirty="0"/>
-          </a:p>
-          <a:p>
-            <a:r>
-              <a:rPr lang="en-US" baseline="0" dirty="0" err="1"/>
-              <a:t>Laloux</a:t>
-            </a:r>
-            <a:r>
-              <a:rPr lang="en-US" baseline="0" dirty="0"/>
-              <a:t> is seeking a metaphor to describe an organization based on inter-personal relationships that transcend defined authorities or functional roles. Family work most closely, if we are thinking of group of animals – suggesting he’d do as well selecting “pod (of whales),” “pride (of lions),” “school (of fish),” or “murder (of crows).” When we place “family,” in an array that also contains “pod,” “pride,” “school” and “murder,” we are left wondering if the metaphor couldn’t be improved somehow.</a:t>
-            </a:r>
-            <a:br>
-              <a:rPr lang="en-US" baseline="0" dirty="0"/>
-            </a:br>
-            <a:br>
-              <a:rPr lang="en-US" baseline="0" dirty="0"/>
-            </a:br>
-            <a:r>
-              <a:rPr lang="en-US" baseline="0" dirty="0"/>
-              <a:t>This isn’t just “splitting hairs: “ these tropes cue up the actions that we select. If we say “Green is like a family, “ and “green” is in no important respects like a family, we have the wrong understanding of what “green” organizations actually are.</a:t>
-            </a:r>
-            <a:br>
-              <a:rPr lang="en-US" baseline="0" dirty="0"/>
-            </a:br>
-            <a:br>
-              <a:rPr lang="en-US" baseline="0" dirty="0"/>
-            </a:br>
-            <a:r>
-              <a:rPr lang="en-US" baseline="0" dirty="0"/>
-              <a:t>Worse still, I can think of one organizational model that actually is like a family, but I don’t think we want to aspire to this model as an evolutionary advance beyond “Orange.”  Show me a Green organization that is like a family, and I will show you organized crime (e.g. the Mafia). </a:t>
-            </a:r>
-            <a:endParaRPr lang="en-US" dirty="0"/>
+              <a:t>Alternative Titles</a:t>
+            </a:r>
           </a:p>
         </p:txBody>
       </p:sp>
@@ -2966,7 +1975,7 @@
           <a:p>
             <a:fld id="{C9E2978F-8024-E64D-83E0-279BF5168A0A}" type="slidenum">
               <a:rPr lang="en-US" smtClean="0"/>
-              <a:t>40</a:t>
+              <a:t>38</a:t>
             </a:fld>
             <a:endParaRPr lang="en-US"/>
           </a:p>
@@ -2975,7 +1984,7 @@
     </p:spTree>
     <p:extLst>
       <p:ext uri="{BB962C8B-B14F-4D97-AF65-F5344CB8AC3E}">
-        <p14:creationId xmlns:p14="http://schemas.microsoft.com/office/powerpoint/2010/main" val="3779570528"/>
+        <p14:creationId xmlns:p14="http://schemas.microsoft.com/office/powerpoint/2010/main" val="573206542"/>
       </p:ext>
     </p:extLst>
   </p:cSld>
@@ -3031,56 +2040,866 @@
           <a:p>
             <a:r>
               <a:rPr lang="en-US" dirty="0"/>
-              <a:t>I think Alistair Cockburn</a:t>
+              <a:t>Here’s an example</a:t>
             </a:r>
             <a:r>
               <a:rPr lang="en-US" baseline="0" dirty="0"/>
-              <a:t> is still working all of this out.</a:t>
+              <a:t> of where knowing something about Grammar is actually quite useful when trying to figure out of you agree with or understanding something. </a:t>
+            </a:r>
+          </a:p>
+          <a:p>
+            <a:endParaRPr lang="en-US" baseline="0" dirty="0"/>
+          </a:p>
+          <a:p>
+            <a:r>
+              <a:rPr lang="en-US" b="1" baseline="0" dirty="0"/>
+              <a:t>LQLH</a:t>
+            </a:r>
+          </a:p>
+          <a:p>
+            <a:r>
+              <a:rPr lang="en-US" b="1" dirty="0">
+                <a:effectLst/>
+              </a:rPr>
+              <a:t>Upper-Left</a:t>
+            </a:r>
+            <a:r>
+              <a:rPr lang="en-US" dirty="0">
+                <a:effectLst/>
+              </a:rPr>
+              <a:t> (UL)</a:t>
+            </a:r>
+            <a:r>
+              <a:rPr lang="en-US" baseline="0" dirty="0">
+                <a:effectLst/>
+              </a:rPr>
+              <a:t> - </a:t>
+            </a:r>
+            <a:r>
+              <a:rPr lang="en-US" dirty="0">
+                <a:effectLst/>
+              </a:rPr>
+              <a:t>"I“</a:t>
+            </a:r>
+            <a:r>
+              <a:rPr lang="en-US" baseline="0" dirty="0">
+                <a:effectLst/>
+              </a:rPr>
+              <a:t> | </a:t>
+            </a:r>
+            <a:r>
+              <a:rPr lang="en-US" dirty="0">
+                <a:effectLst/>
+              </a:rPr>
+              <a:t>Interior Individual</a:t>
+            </a:r>
+            <a:r>
+              <a:rPr lang="en-US" baseline="0" dirty="0">
+                <a:effectLst/>
+              </a:rPr>
+              <a:t> | </a:t>
+            </a:r>
+            <a:r>
+              <a:rPr lang="en-US" sz="1200" u="none" strike="noStrike" kern="1200" dirty="0">
+                <a:solidFill>
+                  <a:schemeClr val="tx1"/>
+                </a:solidFill>
+                <a:effectLst/>
+                <a:latin typeface="+mn-lt"/>
+                <a:ea typeface="+mn-ea"/>
+                <a:cs typeface="+mn-cs"/>
+                <a:hlinkClick r:id="rId3" tooltip="Intentional"/>
+              </a:rPr>
+              <a:t>Intentional</a:t>
+            </a:r>
+            <a:r>
+              <a:rPr lang="en-US" sz="1200" u="none" strike="noStrike" kern="1200" baseline="0" dirty="0">
+                <a:solidFill>
+                  <a:schemeClr val="tx1"/>
+                </a:solidFill>
+                <a:effectLst/>
+                <a:latin typeface="+mn-lt"/>
+                <a:ea typeface="+mn-ea"/>
+                <a:cs typeface="+mn-cs"/>
+              </a:rPr>
+              <a:t> | </a:t>
+            </a:r>
+            <a:r>
+              <a:rPr lang="en-US" dirty="0">
+                <a:effectLst/>
+              </a:rPr>
+              <a:t>e.g. </a:t>
+            </a:r>
+            <a:r>
+              <a:rPr lang="en-US" sz="1200" u="none" strike="noStrike" kern="1200" dirty="0">
+                <a:solidFill>
+                  <a:schemeClr val="tx1"/>
+                </a:solidFill>
+                <a:effectLst/>
+                <a:latin typeface="+mn-lt"/>
+                <a:ea typeface="+mn-ea"/>
+                <a:cs typeface="+mn-cs"/>
+                <a:hlinkClick r:id="rId4" tooltip="Sigmund Freud"/>
+              </a:rPr>
+              <a:t>Freud</a:t>
+            </a:r>
+            <a:endParaRPr lang="en-US" dirty="0">
+              <a:effectLst/>
+            </a:endParaRPr>
+          </a:p>
+          <a:p>
+            <a:r>
+              <a:rPr lang="en-US" b="1" dirty="0">
+                <a:effectLst/>
+              </a:rPr>
+              <a:t>Upper-Right</a:t>
+            </a:r>
+            <a:r>
+              <a:rPr lang="en-US" dirty="0">
+                <a:effectLst/>
+              </a:rPr>
+              <a:t> (UR) - "It“ | Exterior Individual</a:t>
+            </a:r>
+            <a:r>
+              <a:rPr lang="en-US" baseline="0" dirty="0">
+                <a:effectLst/>
+              </a:rPr>
+              <a:t> | </a:t>
+            </a:r>
+            <a:r>
+              <a:rPr lang="en-US" sz="1200" u="none" strike="noStrike" kern="1200" dirty="0">
+                <a:solidFill>
+                  <a:schemeClr val="tx1"/>
+                </a:solidFill>
+                <a:effectLst/>
+                <a:latin typeface="+mn-lt"/>
+                <a:ea typeface="+mn-ea"/>
+                <a:cs typeface="+mn-cs"/>
+                <a:hlinkClick r:id="rId5" tooltip="Behavioral"/>
+              </a:rPr>
+              <a:t>Behavioral</a:t>
+            </a:r>
+            <a:r>
+              <a:rPr lang="en-US" sz="1200" u="none" strike="noStrike" kern="1200" baseline="0" dirty="0">
+                <a:solidFill>
+                  <a:schemeClr val="tx1"/>
+                </a:solidFill>
+                <a:effectLst/>
+                <a:latin typeface="+mn-lt"/>
+                <a:ea typeface="+mn-ea"/>
+                <a:cs typeface="+mn-cs"/>
+              </a:rPr>
+              <a:t> | </a:t>
+            </a:r>
+            <a:r>
+              <a:rPr lang="en-US" dirty="0">
+                <a:effectLst/>
+              </a:rPr>
+              <a:t>e.g. </a:t>
+            </a:r>
+            <a:r>
+              <a:rPr lang="en-US" sz="1200" u="none" strike="noStrike" kern="1200" dirty="0">
+                <a:solidFill>
+                  <a:schemeClr val="tx1"/>
+                </a:solidFill>
+                <a:effectLst/>
+                <a:latin typeface="+mn-lt"/>
+                <a:ea typeface="+mn-ea"/>
+                <a:cs typeface="+mn-cs"/>
+                <a:hlinkClick r:id="rId6" tooltip="B.F. Skinner"/>
+              </a:rPr>
+              <a:t>Skinner</a:t>
+            </a:r>
+            <a:endParaRPr lang="en-US" dirty="0">
+              <a:effectLst/>
+            </a:endParaRPr>
+          </a:p>
+          <a:p>
+            <a:r>
+              <a:rPr lang="en-US" b="1" dirty="0">
+                <a:effectLst/>
+              </a:rPr>
+              <a:t>Lower-Left</a:t>
+            </a:r>
+            <a:r>
+              <a:rPr lang="en-US" dirty="0">
+                <a:effectLst/>
+              </a:rPr>
+              <a:t> (LL)</a:t>
+            </a:r>
+            <a:r>
+              <a:rPr lang="en-US" baseline="0" dirty="0">
+                <a:effectLst/>
+              </a:rPr>
+              <a:t> | </a:t>
+            </a:r>
+            <a:r>
+              <a:rPr lang="en-US" dirty="0">
+                <a:effectLst/>
+              </a:rPr>
+              <a:t>"We“</a:t>
+            </a:r>
+            <a:r>
+              <a:rPr lang="en-US" baseline="0" dirty="0">
+                <a:effectLst/>
+              </a:rPr>
+              <a:t> | </a:t>
+            </a:r>
+            <a:r>
+              <a:rPr lang="en-US" dirty="0">
+                <a:effectLst/>
+              </a:rPr>
+              <a:t>Interior Collective</a:t>
+            </a:r>
+            <a:r>
+              <a:rPr lang="en-US" baseline="0" dirty="0">
+                <a:effectLst/>
+              </a:rPr>
+              <a:t> | </a:t>
+            </a:r>
+            <a:r>
+              <a:rPr lang="en-US" sz="1200" u="none" strike="noStrike" kern="1200" dirty="0">
+                <a:solidFill>
+                  <a:schemeClr val="tx1"/>
+                </a:solidFill>
+                <a:effectLst/>
+                <a:latin typeface="+mn-lt"/>
+                <a:ea typeface="+mn-ea"/>
+                <a:cs typeface="+mn-cs"/>
+                <a:hlinkClick r:id="rId7" tooltip="Cultural"/>
+              </a:rPr>
+              <a:t>Cultural</a:t>
+            </a:r>
+            <a:r>
+              <a:rPr lang="en-US" sz="1200" u="none" strike="noStrike" kern="1200" baseline="0" dirty="0">
+                <a:solidFill>
+                  <a:schemeClr val="tx1"/>
+                </a:solidFill>
+                <a:effectLst/>
+                <a:latin typeface="+mn-lt"/>
+                <a:ea typeface="+mn-ea"/>
+                <a:cs typeface="+mn-cs"/>
+              </a:rPr>
+              <a:t> | </a:t>
+            </a:r>
+            <a:r>
+              <a:rPr lang="en-US" dirty="0">
+                <a:effectLst/>
+              </a:rPr>
+              <a:t>e.g. </a:t>
+            </a:r>
+            <a:r>
+              <a:rPr lang="en-US" sz="1200" u="none" strike="noStrike" kern="1200" dirty="0" err="1">
+                <a:solidFill>
+                  <a:schemeClr val="tx1"/>
+                </a:solidFill>
+                <a:effectLst/>
+                <a:latin typeface="+mn-lt"/>
+                <a:ea typeface="+mn-ea"/>
+                <a:cs typeface="+mn-cs"/>
+                <a:hlinkClick r:id="rId8" tooltip="Hans-Georg Gadamer"/>
+              </a:rPr>
+              <a:t>Gadamer</a:t>
+            </a:r>
+            <a:endParaRPr lang="en-US" dirty="0">
+              <a:effectLst/>
+            </a:endParaRPr>
+          </a:p>
+          <a:p>
+            <a:r>
+              <a:rPr lang="en-US" b="1" dirty="0">
+                <a:effectLst/>
+              </a:rPr>
+              <a:t>Lower-Right</a:t>
+            </a:r>
+            <a:r>
+              <a:rPr lang="en-US" dirty="0">
+                <a:effectLst/>
+              </a:rPr>
+              <a:t> (LR)</a:t>
+            </a:r>
+            <a:r>
+              <a:rPr lang="en-US" baseline="0" dirty="0">
+                <a:effectLst/>
+              </a:rPr>
+              <a:t> | </a:t>
+            </a:r>
+            <a:r>
+              <a:rPr lang="en-US" dirty="0">
+                <a:effectLst/>
+              </a:rPr>
+              <a:t>"Its“</a:t>
+            </a:r>
+            <a:r>
+              <a:rPr lang="en-US" baseline="0" dirty="0">
+                <a:effectLst/>
+              </a:rPr>
+              <a:t> | </a:t>
+            </a:r>
+            <a:r>
+              <a:rPr lang="en-US" dirty="0">
+                <a:effectLst/>
+              </a:rPr>
+              <a:t>Exterior Collective</a:t>
+            </a:r>
+            <a:r>
+              <a:rPr lang="en-US" baseline="0" dirty="0">
+                <a:effectLst/>
+              </a:rPr>
+              <a:t> | </a:t>
+            </a:r>
+            <a:r>
+              <a:rPr lang="en-US" sz="1200" u="none" strike="noStrike" kern="1200" dirty="0">
+                <a:solidFill>
+                  <a:schemeClr val="tx1"/>
+                </a:solidFill>
+                <a:effectLst/>
+                <a:latin typeface="+mn-lt"/>
+                <a:ea typeface="+mn-ea"/>
+                <a:cs typeface="+mn-cs"/>
+                <a:hlinkClick r:id="rId9" tooltip="Social"/>
+              </a:rPr>
+              <a:t>Social</a:t>
+            </a:r>
+            <a:r>
+              <a:rPr lang="en-US" sz="1200" u="none" strike="noStrike" kern="1200" baseline="0" dirty="0">
+                <a:solidFill>
+                  <a:schemeClr val="tx1"/>
+                </a:solidFill>
+                <a:effectLst/>
+                <a:latin typeface="+mn-lt"/>
+                <a:ea typeface="+mn-ea"/>
+                <a:cs typeface="+mn-cs"/>
+              </a:rPr>
+              <a:t> | </a:t>
+            </a:r>
+            <a:r>
+              <a:rPr lang="en-US" dirty="0">
+                <a:effectLst/>
+              </a:rPr>
+              <a:t>e.g. </a:t>
+            </a:r>
+            <a:r>
+              <a:rPr lang="en-US" sz="1200" u="none" strike="noStrike" kern="1200" dirty="0">
+                <a:solidFill>
+                  <a:schemeClr val="tx1"/>
+                </a:solidFill>
+                <a:effectLst/>
+                <a:latin typeface="+mn-lt"/>
+                <a:ea typeface="+mn-ea"/>
+                <a:cs typeface="+mn-cs"/>
+                <a:hlinkClick r:id="rId10" tooltip="Karl Marx"/>
+              </a:rPr>
+              <a:t>Marx</a:t>
+            </a:r>
+            <a:endParaRPr lang="en-US" dirty="0">
+              <a:effectLst/>
+            </a:endParaRPr>
+          </a:p>
+          <a:p>
+            <a:endParaRPr lang="en-US" dirty="0"/>
+          </a:p>
+          <a:p>
+            <a:r>
+              <a:rPr lang="en-US" b="1" i="0" dirty="0">
+                <a:effectLst/>
+              </a:rPr>
+              <a:t>Theory</a:t>
+            </a:r>
+            <a:r>
+              <a:rPr lang="en-US" b="1" i="0" baseline="0" dirty="0">
+                <a:effectLst/>
+              </a:rPr>
+              <a:t> of Truthfulness</a:t>
             </a:r>
             <a:br>
-              <a:rPr lang="en-US" baseline="0" dirty="0"/>
+              <a:rPr lang="en-US" i="1" dirty="0">
+                <a:effectLst/>
+              </a:rPr>
             </a:br>
+            <a:r>
+              <a:rPr lang="en-US" i="1" dirty="0" err="1">
+                <a:effectLst/>
+              </a:rPr>
+              <a:t>InteriorExteriorIndividual</a:t>
+            </a:r>
+            <a:r>
+              <a:rPr lang="en-US" dirty="0" err="1">
+                <a:effectLst/>
+              </a:rPr>
+              <a:t>Standard</a:t>
+            </a:r>
+            <a:r>
+              <a:rPr lang="en-US" dirty="0">
+                <a:effectLst/>
+              </a:rPr>
+              <a:t>: </a:t>
+            </a:r>
+            <a:r>
+              <a:rPr lang="en-US" i="1" dirty="0">
+                <a:effectLst/>
+              </a:rPr>
+              <a:t>Truthfulness</a:t>
+            </a:r>
             <a:br>
-              <a:rPr lang="en-US" baseline="0" dirty="0"/>
+              <a:rPr lang="en-US" i="1" dirty="0">
+                <a:effectLst/>
+              </a:rPr>
             </a:br>
             <a:r>
-              <a:rPr lang="en-US" baseline="0" dirty="0"/>
-              <a:t>In the notion of “Shu,” “Ha” and “</a:t>
-            </a:r>
-            <a:r>
-              <a:rPr lang="en-US" baseline="0" dirty="0" err="1"/>
-              <a:t>Ri</a:t>
-            </a:r>
-            <a:r>
-              <a:rPr lang="en-US" baseline="0" dirty="0"/>
-              <a:t>” the “Heart of Agile “ is about as </a:t>
-            </a:r>
-            <a:r>
-              <a:rPr lang="en-US" baseline="0" dirty="0" err="1"/>
-              <a:t>Ri</a:t>
-            </a:r>
-            <a:r>
-              <a:rPr lang="en-US" baseline="0" dirty="0"/>
-              <a:t> as you can get. For those starting on the Agile path, it’s probably not the best way to start thinking about Agile practices, mostly I think because it requires an Agile attitude to precede the Agile practice.</a:t>
-            </a:r>
-          </a:p>
-          <a:p>
-            <a:endParaRPr lang="en-US" baseline="0" dirty="0"/>
-          </a:p>
-          <a:p>
-            <a:r>
-              <a:rPr lang="en-US" baseline="0" dirty="0"/>
-              <a:t>In “Shu” the practice precedes a deeper understanding of “why” Agile. The “Wax On! Wax Off!” of “Shu” enables the team to get increasing adept at “Doing” Agile before they have a powerful Agile understanding or Agile Attitude. </a:t>
+              <a:rPr lang="en-US" i="1" dirty="0">
+                <a:effectLst/>
+              </a:rPr>
+              <a:t>(</a:t>
+            </a:r>
+            <a:r>
+              <a:rPr lang="en-US" sz="1200" i="1" u="none" strike="noStrike" kern="1200" dirty="0">
+                <a:solidFill>
+                  <a:schemeClr val="tx1"/>
+                </a:solidFill>
+                <a:effectLst/>
+                <a:latin typeface="+mn-lt"/>
+                <a:ea typeface="+mn-ea"/>
+                <a:cs typeface="+mn-cs"/>
+                <a:hlinkClick r:id="rId11" tooltip="First-person narrative"/>
+              </a:rPr>
+              <a:t>1st person</a:t>
+            </a:r>
+            <a:r>
+              <a:rPr lang="en-US" i="1" dirty="0">
+                <a:effectLst/>
+              </a:rPr>
+              <a:t>)</a:t>
             </a:r>
             <a:br>
-              <a:rPr lang="en-US" baseline="0" dirty="0"/>
+              <a:rPr lang="en-US" dirty="0">
+                <a:effectLst/>
+              </a:rPr>
             </a:br>
+            <a:r>
+              <a:rPr lang="en-US" dirty="0">
+                <a:effectLst/>
+              </a:rPr>
+              <a:t>(</a:t>
+            </a:r>
+            <a:r>
+              <a:rPr lang="en-US" sz="1200" u="none" strike="noStrike" kern="1200" dirty="0">
+                <a:solidFill>
+                  <a:schemeClr val="tx1"/>
+                </a:solidFill>
+                <a:effectLst/>
+                <a:latin typeface="+mn-lt"/>
+                <a:ea typeface="+mn-ea"/>
+                <a:cs typeface="+mn-cs"/>
+                <a:hlinkClick r:id="rId12" tooltip="Sincerity"/>
+              </a:rPr>
+              <a:t>sincerity</a:t>
+            </a:r>
+            <a:r>
+              <a:rPr lang="en-US" dirty="0">
+                <a:effectLst/>
+              </a:rPr>
+              <a:t>, </a:t>
+            </a:r>
+            <a:r>
+              <a:rPr lang="en-US" sz="1200" u="none" strike="noStrike" kern="1200" dirty="0">
+                <a:solidFill>
+                  <a:schemeClr val="tx1"/>
+                </a:solidFill>
+                <a:effectLst/>
+                <a:latin typeface="+mn-lt"/>
+                <a:ea typeface="+mn-ea"/>
+                <a:cs typeface="+mn-cs"/>
+                <a:hlinkClick r:id="rId13" tooltip="Integrity"/>
+              </a:rPr>
+              <a:t>integrity</a:t>
+            </a:r>
+            <a:r>
+              <a:rPr lang="en-US" dirty="0">
+                <a:effectLst/>
+              </a:rPr>
+              <a:t>, </a:t>
+            </a:r>
+            <a:r>
+              <a:rPr lang="en-US" sz="1200" u="none" strike="noStrike" kern="1200" dirty="0">
+                <a:solidFill>
+                  <a:schemeClr val="tx1"/>
+                </a:solidFill>
+                <a:effectLst/>
+                <a:latin typeface="+mn-lt"/>
+                <a:ea typeface="+mn-ea"/>
+                <a:cs typeface="+mn-cs"/>
+                <a:hlinkClick r:id="rId14" tooltip="Trustworthiness"/>
+              </a:rPr>
+              <a:t>trustworthiness</a:t>
+            </a:r>
+            <a:r>
+              <a:rPr lang="en-US" dirty="0">
+                <a:effectLst/>
+              </a:rPr>
+              <a:t>)</a:t>
+            </a:r>
+          </a:p>
+          <a:p>
+            <a:endParaRPr lang="en-US" dirty="0">
+              <a:effectLst/>
+            </a:endParaRPr>
+          </a:p>
+          <a:p>
+            <a:r>
+              <a:rPr lang="en-US" dirty="0">
+                <a:effectLst/>
+              </a:rPr>
+              <a:t>Standard: </a:t>
+            </a:r>
+            <a:r>
+              <a:rPr lang="en-US" i="1" dirty="0">
+                <a:effectLst/>
+              </a:rPr>
+              <a:t>Truth</a:t>
+            </a:r>
             <a:br>
-              <a:rPr lang="en-US" baseline="0" dirty="0"/>
+              <a:rPr lang="en-US" i="1" dirty="0">
+                <a:effectLst/>
+              </a:rPr>
             </a:br>
             <a:r>
-              <a:rPr lang="en-US" baseline="0" dirty="0"/>
-              <a:t>Without this practiced understanding, the result of starting with this diagram is likely to be… weird.  </a:t>
+              <a:rPr lang="en-US" i="1" dirty="0">
+                <a:effectLst/>
+              </a:rPr>
+              <a:t>(</a:t>
+            </a:r>
+            <a:r>
+              <a:rPr lang="en-US" sz="1200" i="1" u="none" strike="noStrike" kern="1200" dirty="0">
+                <a:solidFill>
+                  <a:schemeClr val="tx1"/>
+                </a:solidFill>
+                <a:effectLst/>
+                <a:latin typeface="+mn-lt"/>
+                <a:ea typeface="+mn-ea"/>
+                <a:cs typeface="+mn-cs"/>
+                <a:hlinkClick r:id="rId15" tooltip="Third-person narrative"/>
+              </a:rPr>
+              <a:t>3rd person</a:t>
+            </a:r>
+            <a:r>
+              <a:rPr lang="en-US" i="1" dirty="0">
+                <a:effectLst/>
+              </a:rPr>
+              <a:t>)</a:t>
+            </a:r>
+            <a:br>
+              <a:rPr lang="en-US" dirty="0">
+                <a:effectLst/>
+              </a:rPr>
+            </a:br>
+            <a:r>
+              <a:rPr lang="en-US" dirty="0">
+                <a:effectLst/>
+              </a:rPr>
+              <a:t>(</a:t>
+            </a:r>
+            <a:r>
+              <a:rPr lang="en-US" sz="1200" u="none" strike="noStrike" kern="1200" dirty="0">
+                <a:solidFill>
+                  <a:schemeClr val="tx1"/>
+                </a:solidFill>
+                <a:effectLst/>
+                <a:latin typeface="+mn-lt"/>
+                <a:ea typeface="+mn-ea"/>
+                <a:cs typeface="+mn-cs"/>
+                <a:hlinkClick r:id="rId16" tooltip="Communication"/>
+              </a:rPr>
+              <a:t>correspondence</a:t>
+            </a:r>
+            <a:r>
+              <a:rPr lang="en-US" dirty="0">
+                <a:effectLst/>
+              </a:rPr>
+              <a:t>,</a:t>
+            </a:r>
+            <a:br>
+              <a:rPr lang="en-US" dirty="0">
+                <a:effectLst/>
+              </a:rPr>
+            </a:br>
+            <a:r>
+              <a:rPr lang="en-US" sz="1200" u="none" strike="noStrike" kern="1200" dirty="0">
+                <a:solidFill>
+                  <a:schemeClr val="tx1"/>
+                </a:solidFill>
+                <a:effectLst/>
+                <a:latin typeface="+mn-lt"/>
+                <a:ea typeface="+mn-ea"/>
+                <a:cs typeface="+mn-cs"/>
+                <a:hlinkClick r:id="rId17" tooltip="Mental representation"/>
+              </a:rPr>
+              <a:t>representation</a:t>
+            </a:r>
+            <a:r>
+              <a:rPr lang="en-US" dirty="0">
+                <a:effectLst/>
+              </a:rPr>
+              <a:t>, </a:t>
+            </a:r>
+            <a:r>
+              <a:rPr lang="en-US" sz="1200" u="none" strike="noStrike" kern="1200" dirty="0">
+                <a:solidFill>
+                  <a:schemeClr val="tx1"/>
+                </a:solidFill>
+                <a:effectLst/>
+                <a:latin typeface="+mn-lt"/>
+                <a:ea typeface="+mn-ea"/>
+                <a:cs typeface="+mn-cs"/>
+                <a:hlinkClick r:id="rId18" tooltip="Propositional"/>
+              </a:rPr>
+              <a:t>propositional</a:t>
+            </a:r>
+            <a:r>
+              <a:rPr lang="en-US" dirty="0">
+                <a:effectLst/>
+              </a:rPr>
+              <a:t>)</a:t>
+            </a:r>
+          </a:p>
+          <a:p>
+            <a:endParaRPr lang="en-US" i="1" dirty="0">
+              <a:effectLst/>
+            </a:endParaRPr>
+          </a:p>
+          <a:p>
+            <a:r>
+              <a:rPr lang="en-US" i="1" dirty="0" err="1">
+                <a:effectLst/>
+              </a:rPr>
+              <a:t>Collective</a:t>
+            </a:r>
+            <a:r>
+              <a:rPr lang="en-US" dirty="0" err="1">
+                <a:effectLst/>
+              </a:rPr>
+              <a:t>Standard</a:t>
+            </a:r>
+            <a:r>
+              <a:rPr lang="en-US" dirty="0">
+                <a:effectLst/>
+              </a:rPr>
+              <a:t>: </a:t>
+            </a:r>
+            <a:r>
+              <a:rPr lang="en-US" i="1" dirty="0">
+                <a:effectLst/>
+              </a:rPr>
+              <a:t>Justness</a:t>
+            </a:r>
+            <a:br>
+              <a:rPr lang="en-US" i="1" dirty="0">
+                <a:effectLst/>
+              </a:rPr>
+            </a:br>
+            <a:r>
+              <a:rPr lang="en-US" i="1" dirty="0">
+                <a:effectLst/>
+              </a:rPr>
+              <a:t>(</a:t>
+            </a:r>
+            <a:r>
+              <a:rPr lang="en-US" sz="1200" i="1" u="none" strike="noStrike" kern="1200" dirty="0">
+                <a:solidFill>
+                  <a:schemeClr val="tx1"/>
+                </a:solidFill>
+                <a:effectLst/>
+                <a:latin typeface="+mn-lt"/>
+                <a:ea typeface="+mn-ea"/>
+                <a:cs typeface="+mn-cs"/>
+                <a:hlinkClick r:id="rId19" tooltip="Second-person narrative"/>
+              </a:rPr>
+              <a:t>2nd person</a:t>
+            </a:r>
+            <a:r>
+              <a:rPr lang="en-US" i="1" dirty="0">
+                <a:effectLst/>
+              </a:rPr>
+              <a:t>)  IN</a:t>
+            </a:r>
+            <a:r>
+              <a:rPr lang="en-US" i="1" baseline="0" dirty="0">
+                <a:effectLst/>
+              </a:rPr>
+              <a:t> AQAL – this is “we” which is 1</a:t>
+            </a:r>
+            <a:r>
+              <a:rPr lang="en-US" i="1" baseline="30000" dirty="0">
+                <a:effectLst/>
+              </a:rPr>
+              <a:t>st</a:t>
+            </a:r>
+            <a:r>
+              <a:rPr lang="en-US" i="1" baseline="0" dirty="0">
+                <a:effectLst/>
+              </a:rPr>
+              <a:t> Person Plural, not 2</a:t>
+            </a:r>
+            <a:r>
+              <a:rPr lang="en-US" i="1" baseline="30000" dirty="0">
+                <a:effectLst/>
+              </a:rPr>
+              <a:t>nd</a:t>
+            </a:r>
+            <a:r>
+              <a:rPr lang="en-US" i="1" baseline="0" dirty="0">
+                <a:effectLst/>
+              </a:rPr>
+              <a:t> Person</a:t>
+            </a:r>
+            <a:br>
+              <a:rPr lang="en-US" dirty="0">
+                <a:effectLst/>
+              </a:rPr>
+            </a:br>
+            <a:r>
+              <a:rPr lang="en-US" dirty="0">
+                <a:effectLst/>
+              </a:rPr>
+              <a:t> (cultural fit, </a:t>
+            </a:r>
+            <a:r>
+              <a:rPr lang="en-US" sz="1200" u="none" strike="noStrike" kern="1200" dirty="0">
+                <a:solidFill>
+                  <a:schemeClr val="tx1"/>
+                </a:solidFill>
+                <a:effectLst/>
+                <a:latin typeface="+mn-lt"/>
+                <a:ea typeface="+mn-ea"/>
+                <a:cs typeface="+mn-cs"/>
+                <a:hlinkClick r:id="rId20" tooltip="wikt:rightness"/>
+              </a:rPr>
+              <a:t>rightness</a:t>
+            </a:r>
+            <a:r>
+              <a:rPr lang="en-US" dirty="0">
+                <a:effectLst/>
+              </a:rPr>
+              <a:t>,</a:t>
+            </a:r>
+            <a:br>
+              <a:rPr lang="en-US" dirty="0">
+                <a:effectLst/>
+              </a:rPr>
+            </a:br>
+            <a:r>
+              <a:rPr lang="en-US" dirty="0">
+                <a:effectLst/>
+              </a:rPr>
+              <a:t>mutual understanding)</a:t>
+            </a:r>
+          </a:p>
+          <a:p>
+            <a:endParaRPr lang="en-US" dirty="0">
+              <a:effectLst/>
+            </a:endParaRPr>
+          </a:p>
+          <a:p>
+            <a:r>
+              <a:rPr lang="en-US" dirty="0">
+                <a:effectLst/>
+              </a:rPr>
+              <a:t>Standard: </a:t>
+            </a:r>
+            <a:r>
+              <a:rPr lang="en-US" i="1" dirty="0">
+                <a:effectLst/>
+              </a:rPr>
+              <a:t>Functional fit</a:t>
+            </a:r>
+            <a:br>
+              <a:rPr lang="en-US" i="1" dirty="0">
+                <a:effectLst/>
+              </a:rPr>
+            </a:br>
+            <a:r>
+              <a:rPr lang="en-US" i="1" dirty="0">
+                <a:effectLst/>
+              </a:rPr>
+              <a:t>(3rd person)</a:t>
+            </a:r>
+            <a:br>
+              <a:rPr lang="en-US" dirty="0">
+                <a:effectLst/>
+              </a:rPr>
+            </a:br>
+            <a:r>
+              <a:rPr lang="en-US" dirty="0">
+                <a:effectLst/>
+              </a:rPr>
+              <a:t>(</a:t>
+            </a:r>
+            <a:r>
+              <a:rPr lang="en-US" sz="1200" u="none" strike="noStrike" kern="1200" dirty="0">
+                <a:solidFill>
+                  <a:schemeClr val="tx1"/>
+                </a:solidFill>
+                <a:effectLst/>
+                <a:latin typeface="+mn-lt"/>
+                <a:ea typeface="+mn-ea"/>
+                <a:cs typeface="+mn-cs"/>
+                <a:hlinkClick r:id="rId21" tooltip="Systems theory"/>
+              </a:rPr>
+              <a:t>systems theory</a:t>
+            </a:r>
+            <a:r>
+              <a:rPr lang="en-US" dirty="0">
+                <a:effectLst/>
+              </a:rPr>
+              <a:t> web,</a:t>
+            </a:r>
+            <a:br>
+              <a:rPr lang="en-US" dirty="0">
+                <a:effectLst/>
+              </a:rPr>
+            </a:br>
+            <a:r>
+              <a:rPr lang="en-US" sz="1200" u="none" strike="noStrike" kern="1200" dirty="0">
+                <a:solidFill>
+                  <a:schemeClr val="tx1"/>
+                </a:solidFill>
+                <a:effectLst/>
+                <a:latin typeface="+mn-lt"/>
+                <a:ea typeface="+mn-ea"/>
+                <a:cs typeface="+mn-cs"/>
+                <a:hlinkClick r:id="rId22" tooltip="Structural functionalism"/>
+              </a:rPr>
+              <a:t>Structural functionalism</a:t>
+            </a:r>
+            <a:r>
+              <a:rPr lang="en-US" dirty="0">
+                <a:effectLst/>
+              </a:rPr>
+              <a:t>,</a:t>
+            </a:r>
+            <a:br>
+              <a:rPr lang="en-US" dirty="0">
+                <a:effectLst/>
+              </a:rPr>
+            </a:br>
+            <a:r>
+              <a:rPr lang="en-US" sz="1200" u="none" strike="noStrike" kern="1200" dirty="0">
+                <a:solidFill>
+                  <a:schemeClr val="tx1"/>
+                </a:solidFill>
+                <a:effectLst/>
+                <a:latin typeface="+mn-lt"/>
+                <a:ea typeface="+mn-ea"/>
+                <a:cs typeface="+mn-cs"/>
+                <a:hlinkClick r:id="rId23" tooltip="Social systems"/>
+              </a:rPr>
+              <a:t>social systems</a:t>
+            </a:r>
+            <a:r>
+              <a:rPr lang="en-US" dirty="0">
+                <a:effectLst/>
+              </a:rPr>
+              <a:t> mesh)</a:t>
             </a:r>
             <a:endParaRPr lang="en-US" dirty="0"/>
           </a:p>
@@ -3103,7 +2922,7 @@
           <a:p>
             <a:fld id="{C9E2978F-8024-E64D-83E0-279BF5168A0A}" type="slidenum">
               <a:rPr lang="en-US" smtClean="0"/>
-              <a:t>41</a:t>
+              <a:t>40</a:t>
             </a:fld>
             <a:endParaRPr lang="en-US"/>
           </a:p>
@@ -3112,7 +2931,7 @@
     </p:spTree>
     <p:extLst>
       <p:ext uri="{BB962C8B-B14F-4D97-AF65-F5344CB8AC3E}">
-        <p14:creationId xmlns:p14="http://schemas.microsoft.com/office/powerpoint/2010/main" val="4102384734"/>
+        <p14:creationId xmlns:p14="http://schemas.microsoft.com/office/powerpoint/2010/main" val="3200910869"/>
       </p:ext>
     </p:extLst>
   </p:cSld>
@@ -3262,7 +3081,7 @@
           <a:p>
             <a:fld id="{C9E2978F-8024-E64D-83E0-279BF5168A0A}" type="slidenum">
               <a:rPr lang="en-US" smtClean="0"/>
-              <a:t>5</a:t>
+              <a:t>4</a:t>
             </a:fld>
             <a:endParaRPr lang="en-US"/>
           </a:p>
@@ -3272,6 +3091,359 @@
     <p:extLst>
       <p:ext uri="{BB962C8B-B14F-4D97-AF65-F5344CB8AC3E}">
         <p14:creationId xmlns:p14="http://schemas.microsoft.com/office/powerpoint/2010/main" val="2738478017"/>
+      </p:ext>
+    </p:extLst>
+  </p:cSld>
+  <p:clrMapOvr>
+    <a:masterClrMapping/>
+  </p:clrMapOvr>
+</p:notes>
+</file>
+
+<file path=ppt/notesSlides/notesSlide20.xml><?xml version="1.0" encoding="utf-8"?>
+<p:notes xmlns:a="http://schemas.openxmlformats.org/drawingml/2006/main" xmlns:r="http://schemas.openxmlformats.org/officeDocument/2006/relationships" xmlns:p="http://schemas.openxmlformats.org/presentationml/2006/main">
+  <p:cSld>
+    <p:spTree>
+      <p:nvGrpSpPr>
+        <p:cNvPr id="1" name=""/>
+        <p:cNvGrpSpPr/>
+        <p:nvPr/>
+      </p:nvGrpSpPr>
+      <p:grpSpPr>
+        <a:xfrm>
+          <a:off x="0" y="0"/>
+          <a:ext cx="0" cy="0"/>
+          <a:chOff x="0" y="0"/>
+          <a:chExt cx="0" cy="0"/>
+        </a:xfrm>
+      </p:grpSpPr>
+      <p:sp>
+        <p:nvSpPr>
+          <p:cNvPr id="2" name="Slide Image Placeholder 1"/>
+          <p:cNvSpPr>
+            <a:spLocks noGrp="1" noRot="1" noChangeAspect="1"/>
+          </p:cNvSpPr>
+          <p:nvPr>
+            <p:ph type="sldImg"/>
+          </p:nvPr>
+        </p:nvSpPr>
+        <p:spPr/>
+      </p:sp>
+      <p:sp>
+        <p:nvSpPr>
+          <p:cNvPr id="3" name="Notes Placeholder 2"/>
+          <p:cNvSpPr>
+            <a:spLocks noGrp="1"/>
+          </p:cNvSpPr>
+          <p:nvPr>
+            <p:ph type="body" idx="1"/>
+          </p:nvPr>
+        </p:nvSpPr>
+        <p:spPr/>
+        <p:txBody>
+          <a:bodyPr/>
+          <a:lstStyle/>
+          <a:p>
+            <a:r>
+              <a:rPr lang="en-US" dirty="0"/>
+              <a:t>Here’s an example of where knowing</a:t>
+            </a:r>
+            <a:r>
+              <a:rPr lang="en-US" baseline="0" dirty="0"/>
+              <a:t> a bit about tropes can help you determine if you and understand and agree with something new:</a:t>
+            </a:r>
+          </a:p>
+          <a:p>
+            <a:endParaRPr lang="en-US" baseline="0" dirty="0"/>
+          </a:p>
+          <a:p>
+            <a:r>
+              <a:rPr lang="en-US" baseline="0" dirty="0" err="1"/>
+              <a:t>Laloux</a:t>
+            </a:r>
+            <a:r>
+              <a:rPr lang="en-US" baseline="0" dirty="0"/>
+              <a:t> uses an extended metaphor of the color spectrum to place the evolution of an organization. Not listed here is the “infra-red,” or proto-organizational conditions (e.g. natural state, pre-organization, state of nature). This metaphor doesn’t convey anything other than “position.” He has to add a metaphor to his metaphor, to explain how an organization is like red, and red is like a wolf pack. You have to wonder a bit why he didn’t “wolf pack” from the state: what is the value to calling it red, in your opinion?</a:t>
+            </a:r>
+          </a:p>
+          <a:p>
+            <a:endParaRPr lang="en-US" baseline="0" dirty="0"/>
+          </a:p>
+          <a:p>
+            <a:r>
+              <a:rPr lang="en-US" baseline="0" dirty="0"/>
+              <a:t>In my opinion, and these are often matters of judgement requiring justification and explanation before they can be agreed to, </a:t>
+            </a:r>
+            <a:r>
+              <a:rPr lang="en-US" baseline="0" dirty="0" err="1"/>
+              <a:t>Laloux</a:t>
+            </a:r>
+            <a:r>
+              <a:rPr lang="en-US" baseline="0" dirty="0"/>
+              <a:t> confuses metaphor with synecdoche in the Green and Teal organization. For seventeen years, I worked for a company that said, “we are a family,” where “family” is used as a nominative predicate. They forgot it was first a metaphor (“our company is like a family,” skipped synecdoche, “We are a family unit,” and jumped straight into abstraction, “we are family.” </a:t>
+            </a:r>
+            <a:br>
+              <a:rPr lang="en-US" baseline="0" dirty="0"/>
+            </a:br>
+            <a:br>
+              <a:rPr lang="en-US" baseline="0" dirty="0"/>
+            </a:br>
+            <a:r>
+              <a:rPr lang="en-US" baseline="0" dirty="0"/>
+              <a:t>This made we want ask that particular leader, “exactly where in the hell did you grow up?”</a:t>
+            </a:r>
+          </a:p>
+          <a:p>
+            <a:endParaRPr lang="en-US" baseline="0" dirty="0"/>
+          </a:p>
+          <a:p>
+            <a:r>
+              <a:rPr lang="en-US" baseline="0" dirty="0" err="1"/>
+              <a:t>Laloux</a:t>
+            </a:r>
+            <a:r>
+              <a:rPr lang="en-US" baseline="0" dirty="0"/>
+              <a:t> suggest one of the pitfalls </a:t>
+            </a:r>
+            <a:r>
+              <a:rPr lang="en-US" baseline="0" dirty="0" err="1"/>
+              <a:t>fo</a:t>
+            </a:r>
+            <a:r>
+              <a:rPr lang="en-US" baseline="0" dirty="0"/>
+              <a:t> the family organization metaphor is the questionable advisedness of family roles and relationships.</a:t>
+            </a:r>
+            <a:br>
+              <a:rPr lang="en-US" baseline="0" dirty="0"/>
+            </a:br>
+            <a:br>
+              <a:rPr lang="en-US" baseline="0" dirty="0"/>
+            </a:br>
+            <a:r>
+              <a:rPr lang="en-US" baseline="0" dirty="0"/>
+              <a:t>I question the notion at all.</a:t>
+            </a:r>
+            <a:br>
+              <a:rPr lang="en-US" baseline="0" dirty="0"/>
+            </a:br>
+            <a:br>
+              <a:rPr lang="en-US" baseline="0" dirty="0"/>
+            </a:br>
+            <a:r>
+              <a:rPr lang="en-US" baseline="0" dirty="0"/>
+              <a:t>If your work organization is a family, then you have a family the hired you into it, pays you to stay in it, demands you be productive as a condition of continued members, and regularly throws members of the family out on the street when it becomes economical advisable to satisfy the owners of the family that the P/E ratio of the family is within investor expectations. </a:t>
+            </a:r>
+            <a:br>
+              <a:rPr lang="en-US" baseline="0" dirty="0"/>
+            </a:br>
+            <a:br>
+              <a:rPr lang="en-US" baseline="0" dirty="0"/>
+            </a:br>
+            <a:r>
+              <a:rPr lang="en-US" baseline="0" dirty="0"/>
+              <a:t>The problem with this idea is not, essentially, the family roles and relationships, but rather that it is complete nonsense – whether it used figuratively (as metaphor or synecdoche) or literally (as nominative predicate of the verb). </a:t>
+            </a:r>
+          </a:p>
+          <a:p>
+            <a:endParaRPr lang="en-US" baseline="0" dirty="0"/>
+          </a:p>
+          <a:p>
+            <a:r>
+              <a:rPr lang="en-US" baseline="0" dirty="0" err="1"/>
+              <a:t>Laloux</a:t>
+            </a:r>
+            <a:r>
+              <a:rPr lang="en-US" baseline="0" dirty="0"/>
+              <a:t> is seeking a metaphor to describe an organization based on inter-personal relationships that transcend defined authorities or functional roles. Family work most closely, if we are thinking of group of animals – suggesting he’d do as well selecting “pod (of whales),” “pride (of lions),” “school (of fish),” or “murder (of crows).” When we place “family,” in an array that also contains “pod,” “pride,” “school” and “murder,” we are left wondering if the metaphor couldn’t be improved somehow.</a:t>
+            </a:r>
+            <a:br>
+              <a:rPr lang="en-US" baseline="0" dirty="0"/>
+            </a:br>
+            <a:br>
+              <a:rPr lang="en-US" baseline="0" dirty="0"/>
+            </a:br>
+            <a:r>
+              <a:rPr lang="en-US" baseline="0" dirty="0"/>
+              <a:t>This isn’t just “splitting hairs: “ these tropes cue up the actions that we select. If we say “Green is like a family, “ and “green” is in no important respects like a family, we have the wrong understanding of what “green” organizations actually are.</a:t>
+            </a:r>
+            <a:br>
+              <a:rPr lang="en-US" baseline="0" dirty="0"/>
+            </a:br>
+            <a:br>
+              <a:rPr lang="en-US" baseline="0" dirty="0"/>
+            </a:br>
+            <a:r>
+              <a:rPr lang="en-US" baseline="0" dirty="0"/>
+              <a:t>Worse still, I can think of one organizational model that actually is like a family, but I don’t think we want to aspire to this model as an evolutionary advance beyond “Orange.”  Show me a Green organization that is like a family, and I will show you organized crime (e.g. the Mafia). </a:t>
+            </a:r>
+            <a:endParaRPr lang="en-US" dirty="0"/>
+          </a:p>
+        </p:txBody>
+      </p:sp>
+      <p:sp>
+        <p:nvSpPr>
+          <p:cNvPr id="4" name="Slide Number Placeholder 3"/>
+          <p:cNvSpPr>
+            <a:spLocks noGrp="1"/>
+          </p:cNvSpPr>
+          <p:nvPr>
+            <p:ph type="sldNum" sz="quarter" idx="10"/>
+          </p:nvPr>
+        </p:nvSpPr>
+        <p:spPr/>
+        <p:txBody>
+          <a:bodyPr/>
+          <a:lstStyle/>
+          <a:p>
+            <a:fld id="{C9E2978F-8024-E64D-83E0-279BF5168A0A}" type="slidenum">
+              <a:rPr lang="en-US" smtClean="0"/>
+              <a:t>41</a:t>
+            </a:fld>
+            <a:endParaRPr lang="en-US"/>
+          </a:p>
+        </p:txBody>
+      </p:sp>
+    </p:spTree>
+    <p:extLst>
+      <p:ext uri="{BB962C8B-B14F-4D97-AF65-F5344CB8AC3E}">
+        <p14:creationId xmlns:p14="http://schemas.microsoft.com/office/powerpoint/2010/main" val="3779570528"/>
+      </p:ext>
+    </p:extLst>
+  </p:cSld>
+  <p:clrMapOvr>
+    <a:masterClrMapping/>
+  </p:clrMapOvr>
+</p:notes>
+</file>
+
+<file path=ppt/notesSlides/notesSlide21.xml><?xml version="1.0" encoding="utf-8"?>
+<p:notes xmlns:a="http://schemas.openxmlformats.org/drawingml/2006/main" xmlns:r="http://schemas.openxmlformats.org/officeDocument/2006/relationships" xmlns:p="http://schemas.openxmlformats.org/presentationml/2006/main">
+  <p:cSld>
+    <p:spTree>
+      <p:nvGrpSpPr>
+        <p:cNvPr id="1" name=""/>
+        <p:cNvGrpSpPr/>
+        <p:nvPr/>
+      </p:nvGrpSpPr>
+      <p:grpSpPr>
+        <a:xfrm>
+          <a:off x="0" y="0"/>
+          <a:ext cx="0" cy="0"/>
+          <a:chOff x="0" y="0"/>
+          <a:chExt cx="0" cy="0"/>
+        </a:xfrm>
+      </p:grpSpPr>
+      <p:sp>
+        <p:nvSpPr>
+          <p:cNvPr id="2" name="Slide Image Placeholder 1"/>
+          <p:cNvSpPr>
+            <a:spLocks noGrp="1" noRot="1" noChangeAspect="1"/>
+          </p:cNvSpPr>
+          <p:nvPr>
+            <p:ph type="sldImg"/>
+          </p:nvPr>
+        </p:nvSpPr>
+        <p:spPr/>
+      </p:sp>
+      <p:sp>
+        <p:nvSpPr>
+          <p:cNvPr id="3" name="Notes Placeholder 2"/>
+          <p:cNvSpPr>
+            <a:spLocks noGrp="1"/>
+          </p:cNvSpPr>
+          <p:nvPr>
+            <p:ph type="body" idx="1"/>
+          </p:nvPr>
+        </p:nvSpPr>
+        <p:spPr/>
+        <p:txBody>
+          <a:bodyPr/>
+          <a:lstStyle/>
+          <a:p>
+            <a:r>
+              <a:rPr lang="en-US" dirty="0"/>
+              <a:t>I think Alistair Cockburn</a:t>
+            </a:r>
+            <a:r>
+              <a:rPr lang="en-US" baseline="0" dirty="0"/>
+              <a:t> is still working all of this out.</a:t>
+            </a:r>
+            <a:br>
+              <a:rPr lang="en-US" baseline="0" dirty="0"/>
+            </a:br>
+            <a:br>
+              <a:rPr lang="en-US" baseline="0" dirty="0"/>
+            </a:br>
+            <a:r>
+              <a:rPr lang="en-US" baseline="0" dirty="0"/>
+              <a:t>In the notion of “Shu,” “Ha” and “</a:t>
+            </a:r>
+            <a:r>
+              <a:rPr lang="en-US" baseline="0" dirty="0" err="1"/>
+              <a:t>Ri</a:t>
+            </a:r>
+            <a:r>
+              <a:rPr lang="en-US" baseline="0" dirty="0"/>
+              <a:t>” the “Heart of Agile “ is about as </a:t>
+            </a:r>
+            <a:r>
+              <a:rPr lang="en-US" baseline="0" dirty="0" err="1"/>
+              <a:t>Ri</a:t>
+            </a:r>
+            <a:r>
+              <a:rPr lang="en-US" baseline="0" dirty="0"/>
+              <a:t> as you can get. For those starting on the Agile path, it’s probably not the best way to start thinking about Agile practices, mostly I think because it requires an Agile attitude to precede the Agile practice.</a:t>
+            </a:r>
+          </a:p>
+          <a:p>
+            <a:endParaRPr lang="en-US" baseline="0" dirty="0"/>
+          </a:p>
+          <a:p>
+            <a:r>
+              <a:rPr lang="en-US" baseline="0" dirty="0"/>
+              <a:t>In “Shu” the practice precedes a deeper understanding of “why” Agile. The “Wax On! Wax Off!” of “Shu” enables the team to get increasing adept at “Doing” Agile before they have a powerful Agile understanding or Agile Attitude. </a:t>
+            </a:r>
+            <a:br>
+              <a:rPr lang="en-US" baseline="0" dirty="0"/>
+            </a:br>
+            <a:br>
+              <a:rPr lang="en-US" baseline="0" dirty="0"/>
+            </a:br>
+            <a:r>
+              <a:rPr lang="en-US" baseline="0" dirty="0"/>
+              <a:t>Without this practiced understanding, the result of starting with this diagram is likely to be… weird.  </a:t>
+            </a:r>
+            <a:endParaRPr lang="en-US" dirty="0"/>
+          </a:p>
+        </p:txBody>
+      </p:sp>
+      <p:sp>
+        <p:nvSpPr>
+          <p:cNvPr id="4" name="Slide Number Placeholder 3"/>
+          <p:cNvSpPr>
+            <a:spLocks noGrp="1"/>
+          </p:cNvSpPr>
+          <p:nvPr>
+            <p:ph type="sldNum" sz="quarter" idx="10"/>
+          </p:nvPr>
+        </p:nvSpPr>
+        <p:spPr/>
+        <p:txBody>
+          <a:bodyPr/>
+          <a:lstStyle/>
+          <a:p>
+            <a:fld id="{C9E2978F-8024-E64D-83E0-279BF5168A0A}" type="slidenum">
+              <a:rPr lang="en-US" smtClean="0"/>
+              <a:t>42</a:t>
+            </a:fld>
+            <a:endParaRPr lang="en-US"/>
+          </a:p>
+        </p:txBody>
+      </p:sp>
+    </p:spTree>
+    <p:extLst>
+      <p:ext uri="{BB962C8B-B14F-4D97-AF65-F5344CB8AC3E}">
+        <p14:creationId xmlns:p14="http://schemas.microsoft.com/office/powerpoint/2010/main" val="4102384734"/>
       </p:ext>
     </p:extLst>
   </p:cSld>
@@ -3473,7 +3645,7 @@
           <a:p>
             <a:fld id="{C9E2978F-8024-E64D-83E0-279BF5168A0A}" type="slidenum">
               <a:rPr lang="en-US" smtClean="0"/>
-              <a:t>6</a:t>
+              <a:t>5</a:t>
             </a:fld>
             <a:endParaRPr lang="en-US"/>
           </a:p>
@@ -3615,7 +3787,7 @@
           <a:p>
             <a:fld id="{C9E2978F-8024-E64D-83E0-279BF5168A0A}" type="slidenum">
               <a:rPr lang="en-US" smtClean="0"/>
-              <a:t>7</a:t>
+              <a:t>6</a:t>
             </a:fld>
             <a:endParaRPr lang="en-US"/>
           </a:p>
@@ -3757,7 +3929,7 @@
           <a:p>
             <a:fld id="{C9E2978F-8024-E64D-83E0-279BF5168A0A}" type="slidenum">
               <a:rPr lang="en-US" smtClean="0"/>
-              <a:t>8</a:t>
+              <a:t>7</a:t>
             </a:fld>
             <a:endParaRPr lang="en-US"/>
           </a:p>
@@ -3867,7 +4039,7 @@
           <a:p>
             <a:fld id="{C9E2978F-8024-E64D-83E0-279BF5168A0A}" type="slidenum">
               <a:rPr lang="en-US" smtClean="0"/>
-              <a:t>9</a:t>
+              <a:t>8</a:t>
             </a:fld>
             <a:endParaRPr lang="en-US"/>
           </a:p>
@@ -4096,7 +4268,7 @@
           <a:p>
             <a:fld id="{C9E2978F-8024-E64D-83E0-279BF5168A0A}" type="slidenum">
               <a:rPr lang="en-US" smtClean="0"/>
-              <a:t>10</a:t>
+              <a:t>9</a:t>
             </a:fld>
             <a:endParaRPr lang="en-US"/>
           </a:p>
@@ -4438,7 +4610,7 @@
           <a:p>
             <a:fld id="{C9E2978F-8024-E64D-83E0-279BF5168A0A}" type="slidenum">
               <a:rPr lang="en-US" smtClean="0"/>
-              <a:t>11</a:t>
+              <a:t>10</a:t>
             </a:fld>
             <a:endParaRPr lang="en-US"/>
           </a:p>
@@ -4552,7 +4724,7 @@
           <a:p>
             <a:fld id="{C9E2978F-8024-E64D-83E0-279BF5168A0A}" type="slidenum">
               <a:rPr lang="en-US" smtClean="0"/>
-              <a:t>12</a:t>
+              <a:t>11</a:t>
             </a:fld>
             <a:endParaRPr lang="en-US"/>
           </a:p>
@@ -7399,7 +7571,7 @@
         <p:spPr/>
         <p:txBody>
           <a:bodyPr>
-            <a:normAutofit lnSpcReduction="10000"/>
+            <a:normAutofit/>
           </a:bodyPr>
           <a:lstStyle/>
           <a:p>
@@ -7422,20 +7594,8 @@
           </a:p>
           <a:p>
             <a:r>
-              <a:rPr lang="en-US" dirty="0"/>
-              <a:t>(</a:t>
-            </a:r>
-            <a:r>
-              <a:rPr lang="en-US" dirty="0">
-                <a:solidFill>
-                  <a:srgbClr val="FF0000"/>
-                </a:solidFill>
-              </a:rPr>
-              <a:t>Fix me</a:t>
-            </a:r>
-            <a:r>
-              <a:rPr lang="en-US" dirty="0"/>
-              <a:t>) http://github/me</a:t>
+              <a:rPr lang="en-US" sz="1400" dirty="0"/>
+              <a:t>https://github.com/ccurley/presos/blob/master/Agile%20Attitudes.v2.pptx</a:t>
             </a:r>
           </a:p>
         </p:txBody>
@@ -7476,351 +7636,6 @@
 </file>
 
 <file path=ppt/slides/slide10.xml><?xml version="1.0" encoding="utf-8"?>
-<p:sld xmlns:a="http://schemas.openxmlformats.org/drawingml/2006/main" xmlns:r="http://schemas.openxmlformats.org/officeDocument/2006/relationships" xmlns:p="http://schemas.openxmlformats.org/presentationml/2006/main">
-  <p:cSld>
-    <p:spTree>
-      <p:nvGrpSpPr>
-        <p:cNvPr id="1" name=""/>
-        <p:cNvGrpSpPr/>
-        <p:nvPr/>
-      </p:nvGrpSpPr>
-      <p:grpSpPr>
-        <a:xfrm>
-          <a:off x="0" y="0"/>
-          <a:ext cx="0" cy="0"/>
-          <a:chOff x="0" y="0"/>
-          <a:chExt cx="0" cy="0"/>
-        </a:xfrm>
-      </p:grpSpPr>
-      <p:sp>
-        <p:nvSpPr>
-          <p:cNvPr id="2" name="Rectangle 1"/>
-          <p:cNvSpPr/>
-          <p:nvPr/>
-        </p:nvSpPr>
-        <p:spPr>
-          <a:xfrm>
-            <a:off x="3456059" y="1248048"/>
-            <a:ext cx="5697394" cy="584775"/>
-          </a:xfrm>
-          <a:prstGeom prst="rect">
-            <a:avLst/>
-          </a:prstGeom>
-        </p:spPr>
-        <p:txBody>
-          <a:bodyPr wrap="none">
-            <a:spAutoFit/>
-          </a:bodyPr>
-          <a:lstStyle/>
-          <a:p>
-            <a:r>
-              <a:rPr lang="en-US" sz="3200" b="1" dirty="0">
-                <a:effectLst/>
-                <a:latin typeface="ArialMT" charset="0"/>
-                <a:ea typeface="ArialMT" charset="0"/>
-              </a:rPr>
-              <a:t>ƒ(metaphor): compare(A, B)</a:t>
-            </a:r>
-            <a:r>
-              <a:rPr lang="en-US" sz="3200" dirty="0">
-                <a:effectLst/>
-              </a:rPr>
-              <a:t> </a:t>
-            </a:r>
-            <a:endParaRPr lang="en-US" sz="3200" dirty="0"/>
-          </a:p>
-        </p:txBody>
-      </p:sp>
-      <p:sp>
-        <p:nvSpPr>
-          <p:cNvPr id="3" name="Rectangle 2"/>
-          <p:cNvSpPr/>
-          <p:nvPr/>
-        </p:nvSpPr>
-        <p:spPr>
-          <a:xfrm>
-            <a:off x="2766736" y="2412892"/>
-            <a:ext cx="7076040" cy="584775"/>
-          </a:xfrm>
-          <a:prstGeom prst="rect">
-            <a:avLst/>
-          </a:prstGeom>
-        </p:spPr>
-        <p:txBody>
-          <a:bodyPr wrap="none">
-            <a:spAutoFit/>
-          </a:bodyPr>
-          <a:lstStyle/>
-          <a:p>
-            <a:r>
-              <a:rPr lang="en-US" sz="3200" b="1" dirty="0">
-                <a:effectLst/>
-                <a:latin typeface="ArialMT" charset="0"/>
-                <a:ea typeface="ArialMT" charset="0"/>
-              </a:rPr>
-              <a:t>ƒ(metonymy): reduce(A </a:t>
-            </a:r>
-            <a:r>
-              <a:rPr lang="en-US" sz="3200" b="1" dirty="0">
-                <a:effectLst/>
-                <a:latin typeface="ArialMT" charset="0"/>
-                <a:ea typeface="ArialMT" charset="0"/>
-                <a:cs typeface="ArialMT" charset="0"/>
-                <a:sym typeface="Symbol" charset="2"/>
-              </a:rPr>
-              <a:t></a:t>
-            </a:r>
-            <a:r>
-              <a:rPr lang="en-US" sz="3200" b="1" dirty="0">
-                <a:effectLst/>
-                <a:latin typeface="ArialMT" charset="0"/>
-                <a:ea typeface="ArialMT" charset="0"/>
-              </a:rPr>
-              <a:t> {a ∈ A})</a:t>
-            </a:r>
-            <a:r>
-              <a:rPr lang="en-US" sz="3200" dirty="0">
-                <a:effectLst/>
-              </a:rPr>
-              <a:t> </a:t>
-            </a:r>
-            <a:endParaRPr lang="en-US" sz="3200" dirty="0"/>
-          </a:p>
-        </p:txBody>
-      </p:sp>
-      <p:sp>
-        <p:nvSpPr>
-          <p:cNvPr id="4" name="Rectangle 3"/>
-          <p:cNvSpPr/>
-          <p:nvPr/>
-        </p:nvSpPr>
-        <p:spPr>
-          <a:xfrm>
-            <a:off x="2111108" y="3577736"/>
-            <a:ext cx="8387296" cy="584775"/>
-          </a:xfrm>
-          <a:prstGeom prst="rect">
-            <a:avLst/>
-          </a:prstGeom>
-        </p:spPr>
-        <p:txBody>
-          <a:bodyPr wrap="none">
-            <a:spAutoFit/>
-          </a:bodyPr>
-          <a:lstStyle/>
-          <a:p>
-            <a:r>
-              <a:rPr lang="en-US" sz="3200" b="1" dirty="0">
-                <a:effectLst/>
-                <a:latin typeface="ArialMT" charset="0"/>
-                <a:ea typeface="ArialMT" charset="0"/>
-              </a:rPr>
-              <a:t>ƒ</a:t>
-            </a:r>
-            <a:r>
-              <a:rPr lang="en-US" sz="3200" b="1" kern="50" dirty="0">
-                <a:effectLst/>
-                <a:latin typeface="ArialMT" charset="0"/>
-                <a:ea typeface="ArialMT" charset="0"/>
-              </a:rPr>
-              <a:t>(synecdoche): substitute(A</a:t>
-            </a:r>
-            <a:r>
-              <a:rPr lang="en-US" sz="3200" b="1" dirty="0">
-                <a:effectLst/>
-                <a:latin typeface="ArialMT" charset="0"/>
-                <a:ea typeface="ArialMT" charset="0"/>
-              </a:rPr>
-              <a:t> </a:t>
-            </a:r>
-            <a:r>
-              <a:rPr lang="en-US" sz="3200" b="1" dirty="0">
-                <a:effectLst/>
-                <a:latin typeface="ArialMT" charset="0"/>
-                <a:ea typeface="ArialMT" charset="0"/>
-                <a:cs typeface="ArialMT" charset="0"/>
-                <a:sym typeface="Symbol" charset="2"/>
-              </a:rPr>
-              <a:t></a:t>
-            </a:r>
-            <a:r>
-              <a:rPr lang="en-US" sz="3200" b="1" dirty="0">
-                <a:effectLst/>
-                <a:latin typeface="ArialMT" charset="0"/>
-                <a:ea typeface="ArialMT" charset="0"/>
-              </a:rPr>
-              <a:t> </a:t>
-            </a:r>
-            <a:r>
-              <a:rPr lang="en-US" sz="3200" b="1" kern="50" dirty="0">
-                <a:effectLst/>
-                <a:latin typeface="ArialMT" charset="0"/>
-                <a:ea typeface="ArialMT" charset="0"/>
-              </a:rPr>
-              <a:t>B | B</a:t>
-            </a:r>
-            <a:r>
-              <a:rPr lang="en-US" sz="3200" b="1" dirty="0">
-                <a:effectLst/>
-                <a:latin typeface="ArialMT" charset="0"/>
-                <a:ea typeface="ArialMT" charset="0"/>
-              </a:rPr>
-              <a:t> </a:t>
-            </a:r>
-            <a:r>
-              <a:rPr lang="en-US" sz="3200" b="1" dirty="0">
-                <a:effectLst/>
-                <a:latin typeface="ArialMT" charset="0"/>
-                <a:ea typeface="ArialMT" charset="0"/>
-                <a:cs typeface="ArialMT" charset="0"/>
-                <a:sym typeface="Symbol" charset="2"/>
-              </a:rPr>
-              <a:t></a:t>
-            </a:r>
-            <a:r>
-              <a:rPr lang="en-US" sz="3200" b="1" dirty="0">
-                <a:effectLst/>
-                <a:latin typeface="ArialMT" charset="0"/>
-                <a:ea typeface="ArialMT" charset="0"/>
-              </a:rPr>
-              <a:t> </a:t>
-            </a:r>
-            <a:r>
-              <a:rPr lang="en-US" sz="3200" b="1" kern="50" dirty="0">
-                <a:effectLst/>
-                <a:latin typeface="ArialMT" charset="0"/>
-                <a:ea typeface="ArialMT" charset="0"/>
-              </a:rPr>
-              <a:t>A)</a:t>
-            </a:r>
-            <a:r>
-              <a:rPr lang="en-US" sz="3200" dirty="0">
-                <a:effectLst/>
-              </a:rPr>
-              <a:t> </a:t>
-            </a:r>
-            <a:endParaRPr lang="en-US" sz="3200" dirty="0"/>
-          </a:p>
-        </p:txBody>
-      </p:sp>
-      <p:sp>
-        <p:nvSpPr>
-          <p:cNvPr id="5" name="Rectangle 4"/>
-          <p:cNvSpPr/>
-          <p:nvPr/>
-        </p:nvSpPr>
-        <p:spPr>
-          <a:xfrm>
-            <a:off x="3231639" y="4742580"/>
-            <a:ext cx="6146234" cy="584775"/>
-          </a:xfrm>
-          <a:prstGeom prst="rect">
-            <a:avLst/>
-          </a:prstGeom>
-        </p:spPr>
-        <p:txBody>
-          <a:bodyPr wrap="none">
-            <a:spAutoFit/>
-          </a:bodyPr>
-          <a:lstStyle/>
-          <a:p>
-            <a:r>
-              <a:rPr lang="en-US" sz="3200" b="1" dirty="0">
-                <a:effectLst/>
-                <a:latin typeface="ArialMT" charset="0"/>
-                <a:ea typeface="ArialMT" charset="0"/>
-              </a:rPr>
-              <a:t>ƒ</a:t>
-            </a:r>
-            <a:r>
-              <a:rPr lang="en-US" sz="3200" b="1" kern="50" dirty="0">
-                <a:effectLst/>
-                <a:latin typeface="ArialMT" charset="0"/>
-                <a:ea typeface="ArialMT" charset="0"/>
-              </a:rPr>
-              <a:t>(irony): synthesize(A, B)</a:t>
-            </a:r>
-            <a:r>
-              <a:rPr lang="en-US" sz="3200" b="1" dirty="0">
-                <a:effectLst/>
-                <a:latin typeface="ArialMT" charset="0"/>
-                <a:ea typeface="ArialMT" charset="0"/>
-              </a:rPr>
-              <a:t> </a:t>
-            </a:r>
-            <a:r>
-              <a:rPr lang="en-US" sz="3200" b="1" dirty="0">
-                <a:effectLst/>
-                <a:latin typeface="ArialMT" charset="0"/>
-                <a:ea typeface="ArialMT" charset="0"/>
-                <a:cs typeface="ArialMT" charset="0"/>
-                <a:sym typeface="Symbol" charset="2"/>
-              </a:rPr>
-              <a:t></a:t>
-            </a:r>
-            <a:r>
-              <a:rPr lang="en-US" sz="3200" b="1" dirty="0">
-                <a:effectLst/>
-                <a:latin typeface="ArialMT" charset="0"/>
-                <a:ea typeface="ArialMT" charset="0"/>
-              </a:rPr>
-              <a:t> </a:t>
-            </a:r>
-            <a:r>
-              <a:rPr lang="en-US" sz="3200" b="1" kern="50" dirty="0">
-                <a:effectLst/>
-                <a:latin typeface="ArialMT" charset="0"/>
-                <a:ea typeface="ArialMT" charset="0"/>
-              </a:rPr>
-              <a:t>C</a:t>
-            </a:r>
-            <a:r>
-              <a:rPr lang="en-US" sz="3200" dirty="0">
-                <a:effectLst/>
-              </a:rPr>
-              <a:t> </a:t>
-            </a:r>
-            <a:endParaRPr lang="en-US" sz="3200" dirty="0"/>
-          </a:p>
-        </p:txBody>
-      </p:sp>
-      <p:sp>
-        <p:nvSpPr>
-          <p:cNvPr id="6" name="Footer Placeholder 5"/>
-          <p:cNvSpPr>
-            <a:spLocks noGrp="1"/>
-          </p:cNvSpPr>
-          <p:nvPr>
-            <p:ph type="ftr" sz="quarter" idx="11"/>
-          </p:nvPr>
-        </p:nvSpPr>
-        <p:spPr/>
-        <p:txBody>
-          <a:bodyPr/>
-          <a:lstStyle/>
-          <a:p>
-            <a:r>
-              <a:rPr lang="en-US"/>
-              <a:t>Ⓒ 2017 Christopher Curley</a:t>
-            </a:r>
-            <a:endParaRPr lang="en-US" dirty="0"/>
-          </a:p>
-        </p:txBody>
-      </p:sp>
-    </p:spTree>
-    <p:extLst>
-      <p:ext uri="{BB962C8B-B14F-4D97-AF65-F5344CB8AC3E}">
-        <p14:creationId xmlns:p14="http://schemas.microsoft.com/office/powerpoint/2010/main" val="734848043"/>
-      </p:ext>
-    </p:extLst>
-  </p:cSld>
-  <p:clrMapOvr>
-    <a:masterClrMapping/>
-  </p:clrMapOvr>
-</p:sld>
-</file>
-
-<file path=ppt/slides/slide11.xml><?xml version="1.0" encoding="utf-8"?>
 <p:sld xmlns:a="http://schemas.openxmlformats.org/drawingml/2006/main" xmlns:r="http://schemas.openxmlformats.org/officeDocument/2006/relationships" xmlns:p="http://schemas.openxmlformats.org/presentationml/2006/main">
   <p:cSld>
     <p:spTree>
@@ -9428,7 +9243,7 @@
 </p:sld>
 </file>
 
-<file path=ppt/slides/slide12.xml><?xml version="1.0" encoding="utf-8"?>
+<file path=ppt/slides/slide11.xml><?xml version="1.0" encoding="utf-8"?>
 <p:sld xmlns:a="http://schemas.openxmlformats.org/drawingml/2006/main" xmlns:r="http://schemas.openxmlformats.org/officeDocument/2006/relationships" xmlns:p="http://schemas.openxmlformats.org/presentationml/2006/main">
   <p:cSld>
     <p:spTree>
@@ -10200,7 +10015,7 @@
 </p:sld>
 </file>
 
-<file path=ppt/slides/slide13.xml><?xml version="1.0" encoding="utf-8"?>
+<file path=ppt/slides/slide12.xml><?xml version="1.0" encoding="utf-8"?>
 <p:sld xmlns:a="http://schemas.openxmlformats.org/drawingml/2006/main" xmlns:r="http://schemas.openxmlformats.org/officeDocument/2006/relationships" xmlns:p="http://schemas.openxmlformats.org/presentationml/2006/main">
   <p:cSld>
     <p:spTree>
@@ -10282,7 +10097,7 @@
 </p:sld>
 </file>
 
-<file path=ppt/slides/slide14.xml><?xml version="1.0" encoding="utf-8"?>
+<file path=ppt/slides/slide13.xml><?xml version="1.0" encoding="utf-8"?>
 <p:sld xmlns:a="http://schemas.openxmlformats.org/drawingml/2006/main" xmlns:r="http://schemas.openxmlformats.org/officeDocument/2006/relationships" xmlns:p="http://schemas.openxmlformats.org/presentationml/2006/main">
   <p:cSld>
     <p:spTree>
@@ -10406,7 +10221,7 @@
 </p:sld>
 </file>
 
-<file path=ppt/slides/slide15.xml><?xml version="1.0" encoding="utf-8"?>
+<file path=ppt/slides/slide14.xml><?xml version="1.0" encoding="utf-8"?>
 <p:sld xmlns:a="http://schemas.openxmlformats.org/drawingml/2006/main" xmlns:r="http://schemas.openxmlformats.org/officeDocument/2006/relationships" xmlns:p="http://schemas.openxmlformats.org/presentationml/2006/main">
   <p:cSld>
     <p:spTree>
@@ -10954,7 +10769,7 @@
 </p:sld>
 </file>
 
-<file path=ppt/slides/slide16.xml><?xml version="1.0" encoding="utf-8"?>
+<file path=ppt/slides/slide15.xml><?xml version="1.0" encoding="utf-8"?>
 <p:sld xmlns:a="http://schemas.openxmlformats.org/drawingml/2006/main" xmlns:r="http://schemas.openxmlformats.org/officeDocument/2006/relationships" xmlns:p="http://schemas.openxmlformats.org/presentationml/2006/main">
   <p:cSld>
     <p:spTree>
@@ -11078,7 +10893,7 @@
 </p:sld>
 </file>
 
-<file path=ppt/slides/slide17.xml><?xml version="1.0" encoding="utf-8"?>
+<file path=ppt/slides/slide16.xml><?xml version="1.0" encoding="utf-8"?>
 <p:sld xmlns:a="http://schemas.openxmlformats.org/drawingml/2006/main" xmlns:r="http://schemas.openxmlformats.org/officeDocument/2006/relationships" xmlns:p="http://schemas.openxmlformats.org/presentationml/2006/main">
   <p:cSld>
     <p:spTree>
@@ -11395,7 +11210,7 @@
 </p:sld>
 </file>
 
-<file path=ppt/slides/slide18.xml><?xml version="1.0" encoding="utf-8"?>
+<file path=ppt/slides/slide17.xml><?xml version="1.0" encoding="utf-8"?>
 <p:sld xmlns:a="http://schemas.openxmlformats.org/drawingml/2006/main" xmlns:r="http://schemas.openxmlformats.org/officeDocument/2006/relationships" xmlns:p="http://schemas.openxmlformats.org/presentationml/2006/main">
   <p:cSld>
     <p:spTree>
@@ -11661,7 +11476,7 @@
 </p:sld>
 </file>
 
-<file path=ppt/slides/slide19.xml><?xml version="1.0" encoding="utf-8"?>
+<file path=ppt/slides/slide18.xml><?xml version="1.0" encoding="utf-8"?>
 <p:sld xmlns:a="http://schemas.openxmlformats.org/drawingml/2006/main" xmlns:r="http://schemas.openxmlformats.org/officeDocument/2006/relationships" xmlns:p="http://schemas.openxmlformats.org/presentationml/2006/main">
   <p:cSld>
     <p:spTree>
@@ -11784,140 +11599,7 @@
 </p:sld>
 </file>
 
-<file path=ppt/slides/slide2.xml><?xml version="1.0" encoding="utf-8"?>
-<p:sld xmlns:a="http://schemas.openxmlformats.org/drawingml/2006/main" xmlns:r="http://schemas.openxmlformats.org/officeDocument/2006/relationships" xmlns:p="http://schemas.openxmlformats.org/presentationml/2006/main">
-  <p:cSld>
-    <p:spTree>
-      <p:nvGrpSpPr>
-        <p:cNvPr id="1" name=""/>
-        <p:cNvGrpSpPr/>
-        <p:nvPr/>
-      </p:nvGrpSpPr>
-      <p:grpSpPr>
-        <a:xfrm>
-          <a:off x="0" y="0"/>
-          <a:ext cx="0" cy="0"/>
-          <a:chOff x="0" y="0"/>
-          <a:chExt cx="0" cy="0"/>
-        </a:xfrm>
-      </p:grpSpPr>
-      <p:sp>
-        <p:nvSpPr>
-          <p:cNvPr id="2" name="Title 1"/>
-          <p:cNvSpPr>
-            <a:spLocks noGrp="1"/>
-          </p:cNvSpPr>
-          <p:nvPr>
-            <p:ph type="ctrTitle"/>
-          </p:nvPr>
-        </p:nvSpPr>
-        <p:spPr/>
-        <p:txBody>
-          <a:bodyPr>
-            <a:noAutofit/>
-          </a:bodyPr>
-          <a:lstStyle/>
-          <a:p>
-            <a:r>
-              <a:rPr lang="en-US" sz="3600" b="1" i="1" dirty="0"/>
-              <a:t>All That Stuff in High School English Class That You Thought Was Really Stupid and That You’d Never Use Outside the Classroom…. Yeah, That Stuff Is Really Important</a:t>
-            </a:r>
-          </a:p>
-        </p:txBody>
-      </p:sp>
-      <p:sp>
-        <p:nvSpPr>
-          <p:cNvPr id="3" name="Subtitle 2"/>
-          <p:cNvSpPr>
-            <a:spLocks noGrp="1"/>
-          </p:cNvSpPr>
-          <p:nvPr>
-            <p:ph type="subTitle" idx="1"/>
-          </p:nvPr>
-        </p:nvSpPr>
-        <p:spPr/>
-        <p:txBody>
-          <a:bodyPr>
-            <a:normAutofit lnSpcReduction="10000"/>
-          </a:bodyPr>
-          <a:lstStyle/>
-          <a:p>
-            <a:r>
-              <a:rPr lang="en-US" dirty="0"/>
-              <a:t>Christopher Curley</a:t>
-            </a:r>
-          </a:p>
-          <a:p>
-            <a:r>
-              <a:rPr lang="en-US" dirty="0"/>
-              <a:t>Red Hat Agile Day</a:t>
-            </a:r>
-          </a:p>
-          <a:p>
-            <a:r>
-              <a:rPr lang="en-US" dirty="0"/>
-              <a:t>12 October 2017</a:t>
-            </a:r>
-          </a:p>
-          <a:p>
-            <a:r>
-              <a:rPr lang="en-US" dirty="0"/>
-              <a:t>(</a:t>
-            </a:r>
-            <a:r>
-              <a:rPr lang="en-US" dirty="0">
-                <a:solidFill>
-                  <a:srgbClr val="FF0000"/>
-                </a:solidFill>
-              </a:rPr>
-              <a:t>Fix me</a:t>
-            </a:r>
-            <a:r>
-              <a:rPr lang="en-US" dirty="0"/>
-              <a:t>) http://github/me</a:t>
-            </a:r>
-          </a:p>
-          <a:p>
-            <a:endParaRPr lang="en-US" dirty="0"/>
-          </a:p>
-        </p:txBody>
-      </p:sp>
-      <p:sp>
-        <p:nvSpPr>
-          <p:cNvPr id="4" name="Footer Placeholder 3"/>
-          <p:cNvSpPr>
-            <a:spLocks noGrp="1"/>
-          </p:cNvSpPr>
-          <p:nvPr>
-            <p:ph type="ftr" sz="quarter" idx="11"/>
-          </p:nvPr>
-        </p:nvSpPr>
-        <p:spPr/>
-        <p:txBody>
-          <a:bodyPr/>
-          <a:lstStyle/>
-          <a:p>
-            <a:r>
-              <a:rPr lang="en-US"/>
-              <a:t>Ⓒ 2017 Christopher Curley</a:t>
-            </a:r>
-          </a:p>
-        </p:txBody>
-      </p:sp>
-    </p:spTree>
-    <p:extLst>
-      <p:ext uri="{BB962C8B-B14F-4D97-AF65-F5344CB8AC3E}">
-        <p14:creationId xmlns:p14="http://schemas.microsoft.com/office/powerpoint/2010/main" val="4180746458"/>
-      </p:ext>
-    </p:extLst>
-  </p:cSld>
-  <p:clrMapOvr>
-    <a:masterClrMapping/>
-  </p:clrMapOvr>
-</p:sld>
-</file>
-
-<file path=ppt/slides/slide20.xml><?xml version="1.0" encoding="utf-8"?>
+<file path=ppt/slides/slide19.xml><?xml version="1.0" encoding="utf-8"?>
 <p:sld xmlns:a="http://schemas.openxmlformats.org/drawingml/2006/main" xmlns:r="http://schemas.openxmlformats.org/officeDocument/2006/relationships" xmlns:p="http://schemas.openxmlformats.org/presentationml/2006/main">
   <p:cSld>
     <p:spTree>
@@ -12359,7 +12041,209 @@
 </p:sld>
 </file>
 
-<file path=ppt/slides/slide21.xml><?xml version="1.0" encoding="utf-8"?>
+<file path=ppt/slides/slide2.xml><?xml version="1.0" encoding="utf-8"?>
+<p:sld xmlns:a="http://schemas.openxmlformats.org/drawingml/2006/main" xmlns:r="http://schemas.openxmlformats.org/officeDocument/2006/relationships" xmlns:p="http://schemas.openxmlformats.org/presentationml/2006/main">
+  <p:cSld>
+    <p:spTree>
+      <p:nvGrpSpPr>
+        <p:cNvPr id="1" name=""/>
+        <p:cNvGrpSpPr/>
+        <p:nvPr/>
+      </p:nvGrpSpPr>
+      <p:grpSpPr>
+        <a:xfrm>
+          <a:off x="0" y="0"/>
+          <a:ext cx="0" cy="0"/>
+          <a:chOff x="0" y="0"/>
+          <a:chExt cx="0" cy="0"/>
+        </a:xfrm>
+      </p:grpSpPr>
+      <p:sp>
+        <p:nvSpPr>
+          <p:cNvPr id="2" name="Rectangle 1"/>
+          <p:cNvSpPr/>
+          <p:nvPr/>
+        </p:nvSpPr>
+        <p:spPr>
+          <a:xfrm>
+            <a:off x="3048000" y="1249942"/>
+            <a:ext cx="6096000" cy="4358116"/>
+          </a:xfrm>
+          <a:prstGeom prst="rect">
+            <a:avLst/>
+          </a:prstGeom>
+        </p:spPr>
+        <p:txBody>
+          <a:bodyPr>
+            <a:spAutoFit/>
+          </a:bodyPr>
+          <a:lstStyle/>
+          <a:p>
+            <a:pPr marL="457200" marR="0">
+              <a:lnSpc>
+                <a:spcPct val="120000"/>
+              </a:lnSpc>
+              <a:spcBef>
+                <a:spcPts val="0"/>
+              </a:spcBef>
+              <a:spcAft>
+                <a:spcPts val="0"/>
+              </a:spcAft>
+              <a:tabLst>
+                <a:tab pos="355600" algn="l"/>
+                <a:tab pos="711200" algn="l"/>
+                <a:tab pos="1066800" algn="l"/>
+                <a:tab pos="1422400" algn="l"/>
+                <a:tab pos="1778000" algn="l"/>
+                <a:tab pos="2133600" algn="l"/>
+                <a:tab pos="2489200" algn="l"/>
+                <a:tab pos="2844800" algn="l"/>
+                <a:tab pos="3200400" algn="l"/>
+                <a:tab pos="3556000" algn="l"/>
+                <a:tab pos="3911600" algn="l"/>
+                <a:tab pos="4267200" algn="l"/>
+              </a:tabLst>
+            </a:pPr>
+            <a:r>
+              <a:rPr lang="en-US" dirty="0">
+                <a:effectLst/>
+                <a:latin typeface="Cochin" charset="0"/>
+                <a:ea typeface="ArialMT" charset="0"/>
+              </a:rPr>
+              <a:t>"Action by all means. But in a complex world, there are many kinds of action. Action requires programs -- programs require vocabulary. To act wisely, in concert, we use many words. If we use the wrong words, words that divide up the field inadequately, we obey false cues. We must name the friendly and unfriendly functions and relationships in such a way that we are able to do something about them. In naming them, we form our characters, since the names embody attitudes; and implicit in the attitudes are the cues of behavior....</a:t>
+            </a:r>
+            <a:endParaRPr lang="en-US" sz="1200" dirty="0">
+              <a:effectLst/>
+              <a:latin typeface="ArialMT" charset="0"/>
+              <a:ea typeface="ArialMT" charset="0"/>
+            </a:endParaRPr>
+          </a:p>
+          <a:p>
+            <a:pPr marL="457200" marR="0">
+              <a:lnSpc>
+                <a:spcPct val="120000"/>
+              </a:lnSpc>
+              <a:spcBef>
+                <a:spcPts val="0"/>
+              </a:spcBef>
+              <a:spcAft>
+                <a:spcPts val="0"/>
+              </a:spcAft>
+              <a:tabLst>
+                <a:tab pos="355600" algn="l"/>
+                <a:tab pos="711200" algn="l"/>
+                <a:tab pos="1066800" algn="l"/>
+                <a:tab pos="1422400" algn="l"/>
+                <a:tab pos="1778000" algn="l"/>
+                <a:tab pos="2133600" algn="l"/>
+                <a:tab pos="2489200" algn="l"/>
+                <a:tab pos="2844800" algn="l"/>
+                <a:tab pos="3200400" algn="l"/>
+                <a:tab pos="3556000" algn="l"/>
+                <a:tab pos="3911600" algn="l"/>
+                <a:tab pos="4267200" algn="l"/>
+              </a:tabLst>
+            </a:pPr>
+            <a:r>
+              <a:rPr lang="en-US" dirty="0">
+                <a:effectLst/>
+                <a:latin typeface="Cochin" charset="0"/>
+                <a:ea typeface="ArialMT" charset="0"/>
+              </a:rPr>
+              <a:t>...it is an act for you to attempt changing your attitudes, or the attitudes of others."</a:t>
+            </a:r>
+            <a:endParaRPr lang="en-US" sz="1200" dirty="0">
+              <a:effectLst/>
+              <a:latin typeface="ArialMT" charset="0"/>
+              <a:ea typeface="ArialMT" charset="0"/>
+            </a:endParaRPr>
+          </a:p>
+          <a:p>
+            <a:r>
+              <a:rPr lang="en-US" sz="1100" dirty="0">
+                <a:effectLst/>
+                <a:latin typeface="ArialMT" charset="0"/>
+                <a:ea typeface="ArialMT" charset="0"/>
+              </a:rPr>
+              <a:t>.</a:t>
+            </a:r>
+            <a:r>
+              <a:rPr lang="en-US" dirty="0">
+                <a:effectLst/>
+                <a:latin typeface="ArialMT" charset="0"/>
+                <a:ea typeface="ArialMT" charset="0"/>
+              </a:rPr>
+              <a:t> </a:t>
+            </a:r>
+            <a:r>
+              <a:rPr lang="en-US" sz="1100" dirty="0">
+                <a:effectLst/>
+                <a:latin typeface="ArialMT" charset="0"/>
+                <a:ea typeface="ArialMT" charset="0"/>
+              </a:rPr>
+              <a:t>Burke, </a:t>
+            </a:r>
+            <a:r>
+              <a:rPr lang="en-US" sz="1100" i="1" dirty="0">
+                <a:effectLst/>
+                <a:latin typeface="ArialMT" charset="0"/>
+                <a:ea typeface="ArialMT" charset="0"/>
+              </a:rPr>
+              <a:t>Attitudes Toward History</a:t>
+            </a:r>
+            <a:r>
+              <a:rPr lang="en-US" sz="1100" dirty="0">
+                <a:effectLst/>
+                <a:latin typeface="ArialMT" charset="0"/>
+                <a:ea typeface="ArialMT" charset="0"/>
+              </a:rPr>
+              <a:t>, 4.</a:t>
+            </a:r>
+            <a:endParaRPr lang="en-US" sz="1200" dirty="0">
+              <a:effectLst/>
+              <a:latin typeface="ArialMT" charset="0"/>
+              <a:ea typeface="ArialMT" charset="0"/>
+            </a:endParaRPr>
+          </a:p>
+        </p:txBody>
+      </p:sp>
+      <p:sp>
+        <p:nvSpPr>
+          <p:cNvPr id="4" name="Footer Placeholder 3"/>
+          <p:cNvSpPr>
+            <a:spLocks noGrp="1"/>
+          </p:cNvSpPr>
+          <p:nvPr>
+            <p:ph type="ftr" sz="quarter" idx="11"/>
+          </p:nvPr>
+        </p:nvSpPr>
+        <p:spPr/>
+        <p:txBody>
+          <a:bodyPr/>
+          <a:lstStyle/>
+          <a:p>
+            <a:r>
+              <a:rPr lang="en-US"/>
+              <a:t>Ⓒ 2017 Christopher Curley</a:t>
+            </a:r>
+            <a:endParaRPr lang="en-US" dirty="0"/>
+          </a:p>
+        </p:txBody>
+      </p:sp>
+    </p:spTree>
+    <p:extLst>
+      <p:ext uri="{BB962C8B-B14F-4D97-AF65-F5344CB8AC3E}">
+        <p14:creationId xmlns:p14="http://schemas.microsoft.com/office/powerpoint/2010/main" val="2054138420"/>
+      </p:ext>
+    </p:extLst>
+  </p:cSld>
+  <p:clrMapOvr>
+    <a:masterClrMapping/>
+  </p:clrMapOvr>
+</p:sld>
+</file>
+
+<file path=ppt/slides/slide20.xml><?xml version="1.0" encoding="utf-8"?>
 <p:sld xmlns:a="http://schemas.openxmlformats.org/drawingml/2006/main" xmlns:r="http://schemas.openxmlformats.org/officeDocument/2006/relationships" xmlns:p="http://schemas.openxmlformats.org/presentationml/2006/main">
   <p:cSld>
     <p:spTree>
@@ -12666,7 +12550,7 @@
 </p:sld>
 </file>
 
-<file path=ppt/slides/slide22.xml><?xml version="1.0" encoding="utf-8"?>
+<file path=ppt/slides/slide21.xml><?xml version="1.0" encoding="utf-8"?>
 <p:sld xmlns:a="http://schemas.openxmlformats.org/drawingml/2006/main" xmlns:r="http://schemas.openxmlformats.org/officeDocument/2006/relationships" xmlns:p="http://schemas.openxmlformats.org/presentationml/2006/main">
   <p:cSld>
     <p:spTree>
@@ -12789,7 +12673,7 @@
 </p:sld>
 </file>
 
-<file path=ppt/slides/slide23.xml><?xml version="1.0" encoding="utf-8"?>
+<file path=ppt/slides/slide22.xml><?xml version="1.0" encoding="utf-8"?>
 <p:sld xmlns:a="http://schemas.openxmlformats.org/drawingml/2006/main" xmlns:r="http://schemas.openxmlformats.org/officeDocument/2006/relationships" xmlns:p="http://schemas.openxmlformats.org/presentationml/2006/main">
   <p:cSld>
     <p:spTree>
@@ -13106,7 +12990,7 @@
 </p:sld>
 </file>
 
-<file path=ppt/slides/slide24.xml><?xml version="1.0" encoding="utf-8"?>
+<file path=ppt/slides/slide23.xml><?xml version="1.0" encoding="utf-8"?>
 <p:sld xmlns:a="http://schemas.openxmlformats.org/drawingml/2006/main" xmlns:r="http://schemas.openxmlformats.org/officeDocument/2006/relationships" xmlns:p="http://schemas.openxmlformats.org/presentationml/2006/main">
   <p:cSld>
     <p:spTree>
@@ -13489,7 +13373,7 @@
 </p:sld>
 </file>
 
-<file path=ppt/slides/slide25.xml><?xml version="1.0" encoding="utf-8"?>
+<file path=ppt/slides/slide24.xml><?xml version="1.0" encoding="utf-8"?>
 <p:sld xmlns:a="http://schemas.openxmlformats.org/drawingml/2006/main" xmlns:r="http://schemas.openxmlformats.org/officeDocument/2006/relationships" xmlns:p="http://schemas.openxmlformats.org/presentationml/2006/main">
   <p:cSld>
     <p:spTree>
@@ -13613,7 +13497,7 @@
 </p:sld>
 </file>
 
-<file path=ppt/slides/slide26.xml><?xml version="1.0" encoding="utf-8"?>
+<file path=ppt/slides/slide25.xml><?xml version="1.0" encoding="utf-8"?>
 <p:sld xmlns:a="http://schemas.openxmlformats.org/drawingml/2006/main" xmlns:r="http://schemas.openxmlformats.org/officeDocument/2006/relationships" xmlns:p="http://schemas.openxmlformats.org/presentationml/2006/main">
   <p:cSld>
     <p:spTree>
@@ -13926,7 +13810,7 @@
 </p:sld>
 </file>
 
-<file path=ppt/slides/slide27.xml><?xml version="1.0" encoding="utf-8"?>
+<file path=ppt/slides/slide26.xml><?xml version="1.0" encoding="utf-8"?>
 <p:sld xmlns:a="http://schemas.openxmlformats.org/drawingml/2006/main" xmlns:r="http://schemas.openxmlformats.org/officeDocument/2006/relationships" xmlns:p="http://schemas.openxmlformats.org/presentationml/2006/main">
   <p:cSld>
     <p:spTree>
@@ -14166,7 +14050,7 @@
 </p:sld>
 </file>
 
-<file path=ppt/slides/slide28.xml><?xml version="1.0" encoding="utf-8"?>
+<file path=ppt/slides/slide27.xml><?xml version="1.0" encoding="utf-8"?>
 <p:sld xmlns:a="http://schemas.openxmlformats.org/drawingml/2006/main" xmlns:r="http://schemas.openxmlformats.org/officeDocument/2006/relationships" xmlns:p="http://schemas.openxmlformats.org/presentationml/2006/main">
   <p:cSld>
     <p:spTree>
@@ -14290,7 +14174,7 @@
 </p:sld>
 </file>
 
-<file path=ppt/slides/slide29.xml><?xml version="1.0" encoding="utf-8"?>
+<file path=ppt/slides/slide28.xml><?xml version="1.0" encoding="utf-8"?>
 <p:sld xmlns:a="http://schemas.openxmlformats.org/drawingml/2006/main" xmlns:r="http://schemas.openxmlformats.org/officeDocument/2006/relationships" xmlns:p="http://schemas.openxmlformats.org/presentationml/2006/main">
   <p:cSld>
     <p:spTree>
@@ -14682,343 +14566,7 @@
 </p:sld>
 </file>
 
-<file path=ppt/slides/slide3.xml><?xml version="1.0" encoding="utf-8"?>
-<p:sld xmlns:a="http://schemas.openxmlformats.org/drawingml/2006/main" xmlns:r="http://schemas.openxmlformats.org/officeDocument/2006/relationships" xmlns:p="http://schemas.openxmlformats.org/presentationml/2006/main">
-  <p:cSld>
-    <p:spTree>
-      <p:nvGrpSpPr>
-        <p:cNvPr id="1" name=""/>
-        <p:cNvGrpSpPr/>
-        <p:nvPr/>
-      </p:nvGrpSpPr>
-      <p:grpSpPr>
-        <a:xfrm>
-          <a:off x="0" y="0"/>
-          <a:ext cx="0" cy="0"/>
-          <a:chOff x="0" y="0"/>
-          <a:chExt cx="0" cy="0"/>
-        </a:xfrm>
-      </p:grpSpPr>
-      <p:sp>
-        <p:nvSpPr>
-          <p:cNvPr id="2" name="Rectangle 1"/>
-          <p:cNvSpPr/>
-          <p:nvPr/>
-        </p:nvSpPr>
-        <p:spPr>
-          <a:xfrm>
-            <a:off x="3048000" y="1249942"/>
-            <a:ext cx="6096000" cy="4358116"/>
-          </a:xfrm>
-          <a:prstGeom prst="rect">
-            <a:avLst/>
-          </a:prstGeom>
-        </p:spPr>
-        <p:txBody>
-          <a:bodyPr>
-            <a:spAutoFit/>
-          </a:bodyPr>
-          <a:lstStyle/>
-          <a:p>
-            <a:pPr marL="457200" marR="0">
-              <a:lnSpc>
-                <a:spcPct val="120000"/>
-              </a:lnSpc>
-              <a:spcBef>
-                <a:spcPts val="0"/>
-              </a:spcBef>
-              <a:spcAft>
-                <a:spcPts val="0"/>
-              </a:spcAft>
-              <a:tabLst>
-                <a:tab pos="355600" algn="l"/>
-                <a:tab pos="711200" algn="l"/>
-                <a:tab pos="1066800" algn="l"/>
-                <a:tab pos="1422400" algn="l"/>
-                <a:tab pos="1778000" algn="l"/>
-                <a:tab pos="2133600" algn="l"/>
-                <a:tab pos="2489200" algn="l"/>
-                <a:tab pos="2844800" algn="l"/>
-                <a:tab pos="3200400" algn="l"/>
-                <a:tab pos="3556000" algn="l"/>
-                <a:tab pos="3911600" algn="l"/>
-                <a:tab pos="4267200" algn="l"/>
-              </a:tabLst>
-            </a:pPr>
-            <a:r>
-              <a:rPr lang="en-US" dirty="0">
-                <a:effectLst/>
-                <a:latin typeface="Cochin" charset="0"/>
-                <a:ea typeface="ArialMT" charset="0"/>
-              </a:rPr>
-              <a:t>"Action by all means. But in a complex world, there are many kinds of action. Action requires programs -- programs require vocabulary. To act wisely, in concert, we use many words. If we use the wrong words, words that divide up the field inadequately, we obey false cues. We must name the friendly and unfriendly functions and relationships in such a way that we are able to do something about them. In naming them, we form our characters, since the names embody attitudes; and implicit in the attitudes are the cues of behavior....</a:t>
-            </a:r>
-            <a:endParaRPr lang="en-US" sz="1200" dirty="0">
-              <a:effectLst/>
-              <a:latin typeface="ArialMT" charset="0"/>
-              <a:ea typeface="ArialMT" charset="0"/>
-            </a:endParaRPr>
-          </a:p>
-          <a:p>
-            <a:pPr marL="457200" marR="0">
-              <a:lnSpc>
-                <a:spcPct val="120000"/>
-              </a:lnSpc>
-              <a:spcBef>
-                <a:spcPts val="0"/>
-              </a:spcBef>
-              <a:spcAft>
-                <a:spcPts val="0"/>
-              </a:spcAft>
-              <a:tabLst>
-                <a:tab pos="355600" algn="l"/>
-                <a:tab pos="711200" algn="l"/>
-                <a:tab pos="1066800" algn="l"/>
-                <a:tab pos="1422400" algn="l"/>
-                <a:tab pos="1778000" algn="l"/>
-                <a:tab pos="2133600" algn="l"/>
-                <a:tab pos="2489200" algn="l"/>
-                <a:tab pos="2844800" algn="l"/>
-                <a:tab pos="3200400" algn="l"/>
-                <a:tab pos="3556000" algn="l"/>
-                <a:tab pos="3911600" algn="l"/>
-                <a:tab pos="4267200" algn="l"/>
-              </a:tabLst>
-            </a:pPr>
-            <a:r>
-              <a:rPr lang="en-US" dirty="0">
-                <a:effectLst/>
-                <a:latin typeface="Cochin" charset="0"/>
-                <a:ea typeface="ArialMT" charset="0"/>
-              </a:rPr>
-              <a:t>...it is an act for you to attempt changing your attitudes, or the attitudes of others."</a:t>
-            </a:r>
-            <a:endParaRPr lang="en-US" sz="1200" dirty="0">
-              <a:effectLst/>
-              <a:latin typeface="ArialMT" charset="0"/>
-              <a:ea typeface="ArialMT" charset="0"/>
-            </a:endParaRPr>
-          </a:p>
-          <a:p>
-            <a:r>
-              <a:rPr lang="en-US" sz="1100" dirty="0">
-                <a:effectLst/>
-                <a:latin typeface="ArialMT" charset="0"/>
-                <a:ea typeface="ArialMT" charset="0"/>
-              </a:rPr>
-              <a:t>.</a:t>
-            </a:r>
-            <a:r>
-              <a:rPr lang="en-US" dirty="0">
-                <a:effectLst/>
-                <a:latin typeface="ArialMT" charset="0"/>
-                <a:ea typeface="ArialMT" charset="0"/>
-              </a:rPr>
-              <a:t> </a:t>
-            </a:r>
-            <a:r>
-              <a:rPr lang="en-US" sz="1100" dirty="0">
-                <a:effectLst/>
-                <a:latin typeface="ArialMT" charset="0"/>
-                <a:ea typeface="ArialMT" charset="0"/>
-              </a:rPr>
-              <a:t>Burke, </a:t>
-            </a:r>
-            <a:r>
-              <a:rPr lang="en-US" sz="1100" i="1" dirty="0">
-                <a:effectLst/>
-                <a:latin typeface="ArialMT" charset="0"/>
-                <a:ea typeface="ArialMT" charset="0"/>
-              </a:rPr>
-              <a:t>Attitudes Toward History</a:t>
-            </a:r>
-            <a:r>
-              <a:rPr lang="en-US" sz="1100" dirty="0">
-                <a:effectLst/>
-                <a:latin typeface="ArialMT" charset="0"/>
-                <a:ea typeface="ArialMT" charset="0"/>
-              </a:rPr>
-              <a:t>, 4.</a:t>
-            </a:r>
-            <a:endParaRPr lang="en-US" sz="1200" dirty="0">
-              <a:effectLst/>
-              <a:latin typeface="ArialMT" charset="0"/>
-              <a:ea typeface="ArialMT" charset="0"/>
-            </a:endParaRPr>
-          </a:p>
-        </p:txBody>
-      </p:sp>
-      <p:sp>
-        <p:nvSpPr>
-          <p:cNvPr id="4" name="Footer Placeholder 3"/>
-          <p:cNvSpPr>
-            <a:spLocks noGrp="1"/>
-          </p:cNvSpPr>
-          <p:nvPr>
-            <p:ph type="ftr" sz="quarter" idx="11"/>
-          </p:nvPr>
-        </p:nvSpPr>
-        <p:spPr/>
-        <p:txBody>
-          <a:bodyPr/>
-          <a:lstStyle/>
-          <a:p>
-            <a:r>
-              <a:rPr lang="en-US"/>
-              <a:t>Ⓒ 2017 Christopher Curley</a:t>
-            </a:r>
-            <a:endParaRPr lang="en-US" dirty="0"/>
-          </a:p>
-        </p:txBody>
-      </p:sp>
-    </p:spTree>
-    <p:extLst>
-      <p:ext uri="{BB962C8B-B14F-4D97-AF65-F5344CB8AC3E}">
-        <p14:creationId xmlns:p14="http://schemas.microsoft.com/office/powerpoint/2010/main" val="2054138420"/>
-      </p:ext>
-    </p:extLst>
-  </p:cSld>
-  <p:clrMapOvr>
-    <a:masterClrMapping/>
-  </p:clrMapOvr>
-  <p:timing>
-    <p:tnLst>
-      <p:par>
-        <p:cTn id="1" dur="indefinite" restart="never" nodeType="tmRoot">
-          <p:childTnLst>
-            <p:seq concurrent="1" nextAc="seek">
-              <p:cTn id="2" dur="indefinite" nodeType="mainSeq">
-                <p:childTnLst>
-                  <p:par>
-                    <p:cTn id="3" fill="hold">
-                      <p:stCondLst>
-                        <p:cond delay="indefinite"/>
-                      </p:stCondLst>
-                      <p:childTnLst>
-                        <p:par>
-                          <p:cTn id="4" fill="hold">
-                            <p:stCondLst>
-                              <p:cond delay="0"/>
-                            </p:stCondLst>
-                            <p:childTnLst>
-                              <p:par>
-                                <p:cTn id="5" presetID="26" presetClass="emph" presetSubtype="0" fill="hold" nodeType="clickEffect">
-                                  <p:stCondLst>
-                                    <p:cond delay="0"/>
-                                  </p:stCondLst>
-                                  <p:iterate type="wd">
-                                    <p:tmPct val="10000"/>
-                                  </p:iterate>
-                                  <p:childTnLst>
-                                    <p:animEffect transition="out" filter="fade">
-                                      <p:cBhvr>
-                                        <p:cTn id="6" dur="5000" tmFilter="0, 0; .2, .5; .8, .5; 1, 0"/>
-                                        <p:tgtEl>
-                                          <p:spTgt spid="2">
-                                            <p:txEl>
-                                              <p:pRg st="0" end="0"/>
-                                            </p:txEl>
-                                          </p:spTgt>
-                                        </p:tgtEl>
-                                      </p:cBhvr>
-                                    </p:animEffect>
-                                    <p:animScale>
-                                      <p:cBhvr>
-                                        <p:cTn id="7" dur="2500" autoRev="1" fill="hold"/>
-                                        <p:tgtEl>
-                                          <p:spTgt spid="2">
-                                            <p:txEl>
-                                              <p:pRg st="0" end="0"/>
-                                            </p:txEl>
-                                          </p:spTgt>
-                                        </p:tgtEl>
-                                      </p:cBhvr>
-                                      <p:by x="105000" y="105000"/>
-                                    </p:animScale>
-                                  </p:childTnLst>
-                                </p:cTn>
-                              </p:par>
-                            </p:childTnLst>
-                          </p:cTn>
-                        </p:par>
-                      </p:childTnLst>
-                    </p:cTn>
-                  </p:par>
-                  <p:par>
-                    <p:cTn id="8" fill="hold">
-                      <p:stCondLst>
-                        <p:cond delay="indefinite"/>
-                      </p:stCondLst>
-                      <p:childTnLst>
-                        <p:par>
-                          <p:cTn id="9" fill="hold">
-                            <p:stCondLst>
-                              <p:cond delay="0"/>
-                            </p:stCondLst>
-                            <p:childTnLst>
-                              <p:par>
-                                <p:cTn id="10" presetID="1" presetClass="entr" presetSubtype="0" fill="hold" nodeType="clickEffect">
-                                  <p:stCondLst>
-                                    <p:cond delay="0"/>
-                                  </p:stCondLst>
-                                  <p:childTnLst>
-                                    <p:set>
-                                      <p:cBhvr>
-                                        <p:cTn id="11" dur="1" fill="hold">
-                                          <p:stCondLst>
-                                            <p:cond delay="0"/>
-                                          </p:stCondLst>
-                                        </p:cTn>
-                                        <p:tgtEl>
-                                          <p:spTgt spid="2">
-                                            <p:txEl>
-                                              <p:pRg st="1" end="1"/>
-                                            </p:txEl>
-                                          </p:spTgt>
-                                        </p:tgtEl>
-                                        <p:attrNameLst>
-                                          <p:attrName>style.visibility</p:attrName>
-                                        </p:attrNameLst>
-                                      </p:cBhvr>
-                                      <p:to>
-                                        <p:strVal val="visible"/>
-                                      </p:to>
-                                    </p:set>
-                                  </p:childTnLst>
-                                </p:cTn>
-                              </p:par>
-                            </p:childTnLst>
-                          </p:cTn>
-                        </p:par>
-                      </p:childTnLst>
-                    </p:cTn>
-                  </p:par>
-                </p:childTnLst>
-              </p:cTn>
-              <p:prevCondLst>
-                <p:cond evt="onPrev" delay="0">
-                  <p:tgtEl>
-                    <p:sldTgt/>
-                  </p:tgtEl>
-                </p:cond>
-              </p:prevCondLst>
-              <p:nextCondLst>
-                <p:cond evt="onNext" delay="0">
-                  <p:tgtEl>
-                    <p:sldTgt/>
-                  </p:tgtEl>
-                </p:cond>
-              </p:nextCondLst>
-            </p:seq>
-          </p:childTnLst>
-        </p:cTn>
-      </p:par>
-    </p:tnLst>
-  </p:timing>
-</p:sld>
-</file>
-
-<file path=ppt/slides/slide30.xml><?xml version="1.0" encoding="utf-8"?>
+<file path=ppt/slides/slide29.xml><?xml version="1.0" encoding="utf-8"?>
 <p:sld xmlns:a="http://schemas.openxmlformats.org/drawingml/2006/main" xmlns:r="http://schemas.openxmlformats.org/officeDocument/2006/relationships" xmlns:p="http://schemas.openxmlformats.org/presentationml/2006/main">
   <p:cSld>
     <p:spTree>
@@ -15251,7 +14799,89 @@
 </p:sld>
 </file>
 
-<file path=ppt/slides/slide31.xml><?xml version="1.0" encoding="utf-8"?>
+<file path=ppt/slides/slide3.xml><?xml version="1.0" encoding="utf-8"?>
+<p:sld xmlns:a="http://schemas.openxmlformats.org/drawingml/2006/main" xmlns:r="http://schemas.openxmlformats.org/officeDocument/2006/relationships" xmlns:p="http://schemas.openxmlformats.org/presentationml/2006/main">
+  <p:cSld>
+    <p:spTree>
+      <p:nvGrpSpPr>
+        <p:cNvPr id="1" name=""/>
+        <p:cNvGrpSpPr/>
+        <p:nvPr/>
+      </p:nvGrpSpPr>
+      <p:grpSpPr>
+        <a:xfrm>
+          <a:off x="0" y="0"/>
+          <a:ext cx="0" cy="0"/>
+          <a:chOff x="0" y="0"/>
+          <a:chExt cx="0" cy="0"/>
+        </a:xfrm>
+      </p:grpSpPr>
+      <p:sp>
+        <p:nvSpPr>
+          <p:cNvPr id="2" name="Footer Placeholder 1"/>
+          <p:cNvSpPr>
+            <a:spLocks noGrp="1"/>
+          </p:cNvSpPr>
+          <p:nvPr>
+            <p:ph type="ftr" sz="quarter" idx="11"/>
+          </p:nvPr>
+        </p:nvSpPr>
+        <p:spPr/>
+        <p:txBody>
+          <a:bodyPr/>
+          <a:lstStyle/>
+          <a:p>
+            <a:r>
+              <a:rPr lang="en-US"/>
+              <a:t>Ⓒ 2017 Christopher Curley</a:t>
+            </a:r>
+            <a:endParaRPr lang="en-US" dirty="0"/>
+          </a:p>
+        </p:txBody>
+      </p:sp>
+      <p:sp>
+        <p:nvSpPr>
+          <p:cNvPr id="3" name="TextBox 2"/>
+          <p:cNvSpPr txBox="1"/>
+          <p:nvPr/>
+        </p:nvSpPr>
+        <p:spPr>
+          <a:xfrm>
+            <a:off x="3648560" y="2953850"/>
+            <a:ext cx="5152244" cy="646331"/>
+          </a:xfrm>
+          <a:prstGeom prst="rect">
+            <a:avLst/>
+          </a:prstGeom>
+          <a:noFill/>
+        </p:spPr>
+        <p:txBody>
+          <a:bodyPr wrap="none" rtlCol="0">
+            <a:spAutoFit/>
+          </a:bodyPr>
+          <a:lstStyle/>
+          <a:p>
+            <a:r>
+              <a:rPr lang="en-US" sz="3600" dirty="0"/>
+              <a:t>Attitude is Incipient Action</a:t>
+            </a:r>
+          </a:p>
+        </p:txBody>
+      </p:sp>
+    </p:spTree>
+    <p:extLst>
+      <p:ext uri="{BB962C8B-B14F-4D97-AF65-F5344CB8AC3E}">
+        <p14:creationId xmlns:p14="http://schemas.microsoft.com/office/powerpoint/2010/main" val="3735562779"/>
+      </p:ext>
+    </p:extLst>
+  </p:cSld>
+  <p:clrMapOvr>
+    <a:masterClrMapping/>
+  </p:clrMapOvr>
+</p:sld>
+</file>
+
+<file path=ppt/slides/slide30.xml><?xml version="1.0" encoding="utf-8"?>
 <p:sld xmlns:a="http://schemas.openxmlformats.org/drawingml/2006/main" xmlns:r="http://schemas.openxmlformats.org/officeDocument/2006/relationships" xmlns:p="http://schemas.openxmlformats.org/presentationml/2006/main">
   <p:cSld>
     <p:spTree>
@@ -15375,7 +15005,7 @@
 </p:sld>
 </file>
 
-<file path=ppt/slides/slide32.xml><?xml version="1.0" encoding="utf-8"?>
+<file path=ppt/slides/slide31.xml><?xml version="1.0" encoding="utf-8"?>
 <p:sld xmlns:a="http://schemas.openxmlformats.org/drawingml/2006/main" xmlns:r="http://schemas.openxmlformats.org/officeDocument/2006/relationships" xmlns:p="http://schemas.openxmlformats.org/presentationml/2006/main">
   <p:cSld>
     <p:spTree>
@@ -15821,7 +15451,7 @@
 </p:sld>
 </file>
 
-<file path=ppt/slides/slide33.xml><?xml version="1.0" encoding="utf-8"?>
+<file path=ppt/slides/slide32.xml><?xml version="1.0" encoding="utf-8"?>
 <p:sld xmlns:a="http://schemas.openxmlformats.org/drawingml/2006/main" xmlns:r="http://schemas.openxmlformats.org/officeDocument/2006/relationships" xmlns:p="http://schemas.openxmlformats.org/presentationml/2006/main">
   <p:cSld>
     <p:spTree>
@@ -15944,7 +15574,7 @@
 </p:sld>
 </file>
 
-<file path=ppt/slides/slide34.xml><?xml version="1.0" encoding="utf-8"?>
+<file path=ppt/slides/slide33.xml><?xml version="1.0" encoding="utf-8"?>
 <p:sld xmlns:a="http://schemas.openxmlformats.org/drawingml/2006/main" xmlns:r="http://schemas.openxmlformats.org/officeDocument/2006/relationships" xmlns:p="http://schemas.openxmlformats.org/presentationml/2006/main">
   <p:cSld>
     <p:spTree>
@@ -18139,7 +17769,7 @@
 </p:sld>
 </file>
 
-<file path=ppt/slides/slide35.xml><?xml version="1.0" encoding="utf-8"?>
+<file path=ppt/slides/slide34.xml><?xml version="1.0" encoding="utf-8"?>
 <p:sld xmlns:a="http://schemas.openxmlformats.org/drawingml/2006/main" xmlns:r="http://schemas.openxmlformats.org/officeDocument/2006/relationships" xmlns:p="http://schemas.openxmlformats.org/presentationml/2006/main">
   <p:cSld>
     <p:spTree>
@@ -18270,7 +17900,7 @@
 </p:sld>
 </file>
 
-<file path=ppt/slides/slide36.xml><?xml version="1.0" encoding="utf-8"?>
+<file path=ppt/slides/slide35.xml><?xml version="1.0" encoding="utf-8"?>
 <p:sld xmlns:a="http://schemas.openxmlformats.org/drawingml/2006/main" xmlns:r="http://schemas.openxmlformats.org/officeDocument/2006/relationships" xmlns:p="http://schemas.openxmlformats.org/presentationml/2006/main">
   <p:cSld>
     <p:spTree>
@@ -18538,7 +18168,7 @@
 </p:sld>
 </file>
 
-<file path=ppt/slides/slide37.xml><?xml version="1.0" encoding="utf-8"?>
+<file path=ppt/slides/slide36.xml><?xml version="1.0" encoding="utf-8"?>
 <p:sld xmlns:a="http://schemas.openxmlformats.org/drawingml/2006/main" xmlns:r="http://schemas.openxmlformats.org/officeDocument/2006/relationships" xmlns:p="http://schemas.openxmlformats.org/presentationml/2006/main">
   <p:cSld>
     <p:spTree>
@@ -18711,7 +18341,7 @@
 </p:sld>
 </file>
 
-<file path=ppt/slides/slide38.xml><?xml version="1.0" encoding="utf-8"?>
+<file path=ppt/slides/slide37.xml><?xml version="1.0" encoding="utf-8"?>
 <p:sld xmlns:a="http://schemas.openxmlformats.org/drawingml/2006/main" xmlns:r="http://schemas.openxmlformats.org/officeDocument/2006/relationships" xmlns:p="http://schemas.openxmlformats.org/presentationml/2006/main">
   <p:cSld>
     <p:spTree>
@@ -18835,6 +18465,124 @@
 </p:sld>
 </file>
 
+<file path=ppt/slides/slide38.xml><?xml version="1.0" encoding="utf-8"?>
+<p:sld xmlns:a="http://schemas.openxmlformats.org/drawingml/2006/main" xmlns:r="http://schemas.openxmlformats.org/officeDocument/2006/relationships" xmlns:p="http://schemas.openxmlformats.org/presentationml/2006/main">
+  <p:cSld>
+    <p:spTree>
+      <p:nvGrpSpPr>
+        <p:cNvPr id="1" name=""/>
+        <p:cNvGrpSpPr/>
+        <p:nvPr/>
+      </p:nvGrpSpPr>
+      <p:grpSpPr>
+        <a:xfrm>
+          <a:off x="0" y="0"/>
+          <a:ext cx="0" cy="0"/>
+          <a:chOff x="0" y="0"/>
+          <a:chExt cx="0" cy="0"/>
+        </a:xfrm>
+      </p:grpSpPr>
+      <p:sp>
+        <p:nvSpPr>
+          <p:cNvPr id="2" name="Title 1"/>
+          <p:cNvSpPr>
+            <a:spLocks noGrp="1"/>
+          </p:cNvSpPr>
+          <p:nvPr>
+            <p:ph type="ctrTitle"/>
+          </p:nvPr>
+        </p:nvSpPr>
+        <p:spPr/>
+        <p:txBody>
+          <a:bodyPr>
+            <a:noAutofit/>
+          </a:bodyPr>
+          <a:lstStyle/>
+          <a:p>
+            <a:r>
+              <a:rPr lang="en-US" sz="3600" b="1" i="1" dirty="0"/>
+              <a:t>“All That Stuff in High School English Class That You Thought Was Really Stupid and That You’d Never Use Outside the Classroom…. Yeah, That Stuff Is Really Important After All.”</a:t>
+            </a:r>
+          </a:p>
+        </p:txBody>
+      </p:sp>
+      <p:sp>
+        <p:nvSpPr>
+          <p:cNvPr id="3" name="Subtitle 2"/>
+          <p:cNvSpPr>
+            <a:spLocks noGrp="1"/>
+          </p:cNvSpPr>
+          <p:nvPr>
+            <p:ph type="subTitle" idx="1"/>
+          </p:nvPr>
+        </p:nvSpPr>
+        <p:spPr/>
+        <p:txBody>
+          <a:bodyPr>
+            <a:normAutofit lnSpcReduction="10000"/>
+          </a:bodyPr>
+          <a:lstStyle/>
+          <a:p>
+            <a:r>
+              <a:rPr lang="en-US" dirty="0"/>
+              <a:t>Christopher Curley</a:t>
+            </a:r>
+          </a:p>
+          <a:p>
+            <a:r>
+              <a:rPr lang="en-US" dirty="0"/>
+              <a:t>Red Hat Agile Day</a:t>
+            </a:r>
+          </a:p>
+          <a:p>
+            <a:r>
+              <a:rPr lang="en-US" dirty="0"/>
+              <a:t>12 October 2017</a:t>
+            </a:r>
+          </a:p>
+          <a:p>
+            <a:r>
+              <a:rPr lang="en-US" sz="1600" dirty="0"/>
+              <a:t>https://github.com/ccurley/presos/blob/master/Agile%20Attitudes.v2.pptx</a:t>
+            </a:r>
+          </a:p>
+        </p:txBody>
+      </p:sp>
+      <p:sp>
+        <p:nvSpPr>
+          <p:cNvPr id="4" name="Footer Placeholder 3"/>
+          <p:cNvSpPr>
+            <a:spLocks noGrp="1"/>
+          </p:cNvSpPr>
+          <p:nvPr>
+            <p:ph type="ftr" sz="quarter" idx="11"/>
+          </p:nvPr>
+        </p:nvSpPr>
+        <p:spPr/>
+        <p:txBody>
+          <a:bodyPr/>
+          <a:lstStyle/>
+          <a:p>
+            <a:r>
+              <a:rPr lang="en-US"/>
+              <a:t>Ⓒ 2017 Christopher Curley</a:t>
+            </a:r>
+          </a:p>
+        </p:txBody>
+      </p:sp>
+    </p:spTree>
+    <p:extLst>
+      <p:ext uri="{BB962C8B-B14F-4D97-AF65-F5344CB8AC3E}">
+        <p14:creationId xmlns:p14="http://schemas.microsoft.com/office/powerpoint/2010/main" val="4180746458"/>
+      </p:ext>
+    </p:extLst>
+  </p:cSld>
+  <p:clrMapOvr>
+    <a:masterClrMapping/>
+  </p:clrMapOvr>
+</p:sld>
+</file>
+
 <file path=ppt/slides/slide39.xml><?xml version="1.0" encoding="utf-8"?>
 <p:sld xmlns:a="http://schemas.openxmlformats.org/drawingml/2006/main" xmlns:r="http://schemas.openxmlformats.org/officeDocument/2006/relationships" xmlns:p="http://schemas.openxmlformats.org/presentationml/2006/main">
   <p:cSld>
@@ -18854,7 +18602,7 @@
       </p:grpSpPr>
       <p:sp>
         <p:nvSpPr>
-          <p:cNvPr id="2" name="Footer Placeholder 1"/>
+          <p:cNvPr id="4" name="Footer Placeholder 3"/>
           <p:cNvSpPr>
             <a:spLocks noGrp="1"/>
           </p:cNvSpPr>
@@ -18871,181 +18619,376 @@
               <a:rPr lang="en-US"/>
               <a:t>Ⓒ 2017 Christopher Curley</a:t>
             </a:r>
-            <a:endParaRPr lang="en-US" dirty="0"/>
-          </a:p>
-        </p:txBody>
-      </p:sp>
-      <p:pic>
-        <p:nvPicPr>
-          <p:cNvPr id="3" name="Picture 2"/>
-          <p:cNvPicPr>
-            <a:picLocks noChangeAspect="1"/>
-          </p:cNvPicPr>
+          </a:p>
+        </p:txBody>
+      </p:sp>
+      <p:sp>
+        <p:nvSpPr>
+          <p:cNvPr id="5" name="Rectangle 4"/>
+          <p:cNvSpPr/>
           <p:nvPr/>
-        </p:nvPicPr>
-        <p:blipFill>
-          <a:blip r:embed="rId3"/>
-          <a:stretch>
-            <a:fillRect/>
-          </a:stretch>
-        </p:blipFill>
+        </p:nvSpPr>
         <p:spPr>
           <a:xfrm>
-            <a:off x="6121831" y="618210"/>
-            <a:ext cx="5229187" cy="5056797"/>
+            <a:off x="448233" y="725861"/>
+            <a:ext cx="11456896" cy="5355312"/>
           </a:xfrm>
           <a:prstGeom prst="rect">
             <a:avLst/>
           </a:prstGeom>
         </p:spPr>
-      </p:pic>
-      <p:sp>
-        <p:nvSpPr>
-          <p:cNvPr id="4" name="TextBox 3"/>
-          <p:cNvSpPr txBox="1"/>
-          <p:nvPr/>
-        </p:nvSpPr>
-        <p:spPr>
-          <a:xfrm>
-            <a:off x="6540283" y="5675007"/>
-            <a:ext cx="5286133" cy="276999"/>
-          </a:xfrm>
-          <a:prstGeom prst="rect">
-            <a:avLst/>
-          </a:prstGeom>
-          <a:noFill/>
-        </p:spPr>
-        <p:txBody>
-          <a:bodyPr wrap="square" rtlCol="0">
+        <p:txBody>
+          <a:bodyPr wrap="square">
             <a:spAutoFit/>
           </a:bodyPr>
           <a:lstStyle/>
           <a:p>
             <a:r>
-              <a:rPr lang="en-US" sz="1200" dirty="0"/>
-              <a:t>Source: https://www.slideshare.net/AgileNZ/lyssa-adkins-michael-spayd-keynote</a:t>
-            </a:r>
-          </a:p>
-        </p:txBody>
-      </p:sp>
-      <p:sp>
-        <p:nvSpPr>
-          <p:cNvPr id="5" name="TextBox 4"/>
-          <p:cNvSpPr txBox="1"/>
-          <p:nvPr/>
-        </p:nvSpPr>
-        <p:spPr>
-          <a:xfrm>
-            <a:off x="898902" y="618210"/>
-            <a:ext cx="4747531" cy="5016758"/>
-          </a:xfrm>
-          <a:prstGeom prst="rect">
-            <a:avLst/>
-          </a:prstGeom>
-          <a:noFill/>
-        </p:spPr>
-        <p:txBody>
-          <a:bodyPr wrap="square" rtlCol="0">
-            <a:spAutoFit/>
-          </a:bodyPr>
-          <a:lstStyle/>
-          <a:p>
-            <a:r>
-              <a:rPr lang="en-US" sz="2000" dirty="0"/>
-              <a:t>Ken Wilber’s AQAL Diagram</a:t>
-            </a:r>
-          </a:p>
-          <a:p>
-            <a:pPr marL="285750" indent="-285750">
-              <a:buFont typeface="Arial" panose="020B0604020202020204" pitchFamily="34" charset="0"/>
-              <a:buChar char="•"/>
-            </a:pPr>
-            <a:r>
-              <a:rPr lang="en-US" sz="2000" dirty="0"/>
-              <a:t>“I” is the first person personal pronoun</a:t>
-            </a:r>
-          </a:p>
-          <a:p>
-            <a:pPr marL="285750" indent="-285750">
-              <a:buFont typeface="Arial" panose="020B0604020202020204" pitchFamily="34" charset="0"/>
-              <a:buChar char="•"/>
-            </a:pPr>
-            <a:r>
-              <a:rPr lang="en-US" sz="2000" dirty="0"/>
-              <a:t>“We” is the second person personal pronoun</a:t>
-            </a:r>
-          </a:p>
-          <a:p>
-            <a:pPr marL="285750" indent="-285750">
-              <a:buFont typeface="Arial" panose="020B0604020202020204" pitchFamily="34" charset="0"/>
-              <a:buChar char="•"/>
-            </a:pPr>
-            <a:r>
-              <a:rPr lang="en-US" sz="2000" dirty="0"/>
-              <a:t>“It” is the impersonal pronoun uses as a provisional subject</a:t>
-            </a:r>
-          </a:p>
-          <a:p>
-            <a:pPr marL="285750" indent="-285750">
-              <a:buFont typeface="Arial" panose="020B0604020202020204" pitchFamily="34" charset="0"/>
-              <a:buChar char="•"/>
-            </a:pPr>
-            <a:r>
-              <a:rPr lang="en-US" sz="2000" dirty="0"/>
-              <a:t>“Its” is a possessive pronoun (the genitive), which qualifies another noun</a:t>
-            </a:r>
-          </a:p>
-          <a:p>
-            <a:pPr marL="285750" indent="-285750">
-              <a:buFont typeface="Arial" panose="020B0604020202020204" pitchFamily="34" charset="0"/>
-              <a:buChar char="•"/>
-            </a:pPr>
-            <a:endParaRPr lang="en-US" sz="2000" dirty="0"/>
-          </a:p>
-          <a:p>
-            <a:pPr marL="285750" indent="-285750">
-              <a:buFont typeface="Arial" panose="020B0604020202020204" pitchFamily="34" charset="0"/>
-              <a:buChar char="•"/>
-            </a:pPr>
-            <a:endParaRPr lang="en-US" sz="2000" dirty="0"/>
-          </a:p>
-          <a:p>
-            <a:pPr marL="285750" indent="-285750">
-              <a:buFont typeface="Arial" panose="020B0604020202020204" pitchFamily="34" charset="0"/>
-              <a:buChar char="•"/>
-            </a:pPr>
-            <a:endParaRPr lang="en-US" sz="2000" dirty="0"/>
-          </a:p>
-          <a:p>
-            <a:pPr marL="285750" indent="-285750">
-              <a:buFont typeface="Arial" panose="020B0604020202020204" pitchFamily="34" charset="0"/>
-              <a:buChar char="•"/>
-            </a:pPr>
-            <a:endParaRPr lang="en-US" sz="2000" dirty="0"/>
-          </a:p>
-          <a:p>
-            <a:pPr marL="285750" indent="-285750">
-              <a:buFont typeface="Arial" panose="020B0604020202020204" pitchFamily="34" charset="0"/>
-              <a:buChar char="•"/>
-            </a:pPr>
-            <a:endParaRPr lang="en-US" sz="2000" dirty="0"/>
-          </a:p>
-          <a:p>
-            <a:pPr marL="285750" indent="-285750">
-              <a:buFont typeface="Arial" panose="020B0604020202020204" pitchFamily="34" charset="0"/>
-              <a:buChar char="•"/>
-            </a:pPr>
-            <a:r>
-              <a:rPr lang="en-US" sz="2000" dirty="0"/>
-              <a:t>In “Theory of Truth” representation, LL is 2nd Person (You), but in AQAL it’s 1st Person Plural (We)</a:t>
-            </a:r>
+              <a:rPr lang="en-US" dirty="0">
+                <a:solidFill>
+                  <a:srgbClr val="666666"/>
+                </a:solidFill>
+                <a:latin typeface="Play"/>
+              </a:rPr>
+              <a:t>Burke, Kenneth</a:t>
+            </a:r>
+            <a:r>
+              <a:rPr lang="en-US" i="1" dirty="0">
+                <a:solidFill>
+                  <a:srgbClr val="666666"/>
+                </a:solidFill>
+                <a:latin typeface="Play"/>
+              </a:rPr>
+              <a:t>. Attitudes Toward History</a:t>
+            </a:r>
+            <a:r>
+              <a:rPr lang="en-US" dirty="0">
+                <a:solidFill>
+                  <a:srgbClr val="666666"/>
+                </a:solidFill>
+                <a:latin typeface="Play"/>
+              </a:rPr>
+              <a:t>. 2 vols. New York: New Republic, 1937; 2</a:t>
+            </a:r>
+            <a:r>
+              <a:rPr lang="en-US" baseline="30000" dirty="0">
+                <a:solidFill>
+                  <a:srgbClr val="666666"/>
+                </a:solidFill>
+                <a:latin typeface="Play"/>
+              </a:rPr>
+              <a:t>nd</a:t>
+            </a:r>
+            <a:r>
+              <a:rPr lang="en-US" dirty="0">
+                <a:solidFill>
+                  <a:srgbClr val="666666"/>
+                </a:solidFill>
+                <a:latin typeface="Play"/>
+              </a:rPr>
+              <a:t> rev, ed., Los Altos, Calif.: Hermes Publications, 1959; Beacon paperback, Boston: Beacon Press, 1961; 3</a:t>
+            </a:r>
+            <a:r>
+              <a:rPr lang="en-US" baseline="30000" dirty="0">
+                <a:solidFill>
+                  <a:srgbClr val="666666"/>
+                </a:solidFill>
+                <a:latin typeface="Play"/>
+              </a:rPr>
+              <a:t>rd</a:t>
+            </a:r>
+            <a:r>
+              <a:rPr lang="en-US" dirty="0">
+                <a:solidFill>
+                  <a:srgbClr val="666666"/>
+                </a:solidFill>
+                <a:latin typeface="Play"/>
+              </a:rPr>
+              <a:t> rev. ed., Berkeley: University of California Press, 1984. The 1984 edition contains a new afterword, "Attitudes toward History: In Retrospective Prospect.“</a:t>
+            </a:r>
+            <a:br>
+              <a:rPr lang="en-US" dirty="0">
+                <a:solidFill>
+                  <a:srgbClr val="666666"/>
+                </a:solidFill>
+                <a:latin typeface="Play"/>
+              </a:rPr>
+            </a:br>
+            <a:endParaRPr lang="en-US" dirty="0">
+              <a:solidFill>
+                <a:srgbClr val="666666"/>
+              </a:solidFill>
+              <a:latin typeface="Play"/>
+            </a:endParaRPr>
+          </a:p>
+          <a:p>
+            <a:r>
+              <a:rPr lang="en-US" i="1" dirty="0">
+                <a:solidFill>
+                  <a:srgbClr val="666666"/>
+                </a:solidFill>
+                <a:latin typeface="Play"/>
+              </a:rPr>
+              <a:t>… The Philosophy of Literary Form: Studies in Symbolic Action</a:t>
+            </a:r>
+            <a:r>
+              <a:rPr lang="en-US" dirty="0">
+                <a:solidFill>
+                  <a:srgbClr val="666666"/>
+                </a:solidFill>
+                <a:latin typeface="Play"/>
+              </a:rPr>
+              <a:t>. Baton Rouge: Louisiana State University Press, 1941; 2</a:t>
+            </a:r>
+            <a:r>
+              <a:rPr lang="en-US" baseline="30000" dirty="0">
+                <a:solidFill>
+                  <a:srgbClr val="666666"/>
+                </a:solidFill>
+                <a:latin typeface="Play"/>
+              </a:rPr>
+              <a:t>nd</a:t>
+            </a:r>
+            <a:r>
+              <a:rPr lang="en-US" dirty="0">
+                <a:solidFill>
+                  <a:srgbClr val="666666"/>
+                </a:solidFill>
+                <a:latin typeface="Play"/>
+              </a:rPr>
+              <a:t> ed., 1967; rev. abr. ed., Vintage paperback, New York: Vintage Books, 1957; 3</a:t>
+            </a:r>
+            <a:r>
+              <a:rPr lang="en-US" baseline="30000" dirty="0">
+                <a:solidFill>
+                  <a:srgbClr val="666666"/>
+                </a:solidFill>
+                <a:latin typeface="Play"/>
+              </a:rPr>
+              <a:t>rd</a:t>
+            </a:r>
+            <a:r>
+              <a:rPr lang="en-US" dirty="0">
+                <a:solidFill>
+                  <a:srgbClr val="666666"/>
+                </a:solidFill>
+                <a:latin typeface="Play"/>
+              </a:rPr>
+              <a:t> ed., Berkeley: University of California Press, 1973.</a:t>
+            </a:r>
+            <a:br>
+              <a:rPr lang="en-US" dirty="0">
+                <a:solidFill>
+                  <a:srgbClr val="666666"/>
+                </a:solidFill>
+                <a:latin typeface="Play"/>
+              </a:rPr>
+            </a:br>
+            <a:endParaRPr lang="en-US" dirty="0">
+              <a:solidFill>
+                <a:srgbClr val="666666"/>
+              </a:solidFill>
+              <a:latin typeface="Play"/>
+            </a:endParaRPr>
+          </a:p>
+          <a:p>
+            <a:r>
+              <a:rPr lang="en-US" dirty="0">
+                <a:solidFill>
+                  <a:srgbClr val="666666"/>
+                </a:solidFill>
+                <a:latin typeface="Play"/>
+              </a:rPr>
+              <a:t> … </a:t>
+            </a:r>
+            <a:r>
+              <a:rPr lang="en-US" i="1" dirty="0">
+                <a:solidFill>
+                  <a:srgbClr val="666666"/>
+                </a:solidFill>
+                <a:latin typeface="Play"/>
+              </a:rPr>
+              <a:t>A Grammar of Motives, </a:t>
+            </a:r>
+            <a:r>
+              <a:rPr lang="en-US" dirty="0">
+                <a:solidFill>
+                  <a:srgbClr val="666666"/>
+                </a:solidFill>
+                <a:latin typeface="Play"/>
+              </a:rPr>
+              <a:t>New York: Prentice-Hall, 1945; London: Dennis Dobson, 1947; 2</a:t>
+            </a:r>
+            <a:r>
+              <a:rPr lang="en-US" baseline="30000" dirty="0">
+                <a:solidFill>
+                  <a:srgbClr val="666666"/>
+                </a:solidFill>
+                <a:latin typeface="Play"/>
+              </a:rPr>
+              <a:t>nd</a:t>
+            </a:r>
+            <a:r>
+              <a:rPr lang="en-US" dirty="0">
+                <a:solidFill>
+                  <a:srgbClr val="666666"/>
+                </a:solidFill>
+                <a:latin typeface="Play"/>
+              </a:rPr>
+              <a:t> ed., New York: George </a:t>
+            </a:r>
+            <a:r>
+              <a:rPr lang="en-US" dirty="0" err="1">
+                <a:solidFill>
+                  <a:srgbClr val="666666"/>
+                </a:solidFill>
+                <a:latin typeface="Play"/>
+              </a:rPr>
+              <a:t>Braziller</a:t>
+            </a:r>
+            <a:r>
+              <a:rPr lang="en-US" dirty="0">
+                <a:solidFill>
+                  <a:srgbClr val="666666"/>
+                </a:solidFill>
+                <a:latin typeface="Play"/>
+              </a:rPr>
+              <a:t>, 1955; Meridian paperback, Cleveland and New York: World Publishing Company, 1962 (together with </a:t>
+            </a:r>
+            <a:r>
+              <a:rPr lang="en-US" i="1" dirty="0">
+                <a:solidFill>
+                  <a:srgbClr val="666666"/>
+                </a:solidFill>
+                <a:latin typeface="Play"/>
+              </a:rPr>
+              <a:t>A Rhetoric of Motives</a:t>
+            </a:r>
+            <a:r>
+              <a:rPr lang="en-US" dirty="0">
+                <a:solidFill>
+                  <a:srgbClr val="666666"/>
+                </a:solidFill>
+                <a:latin typeface="Play"/>
+              </a:rPr>
+              <a:t>); Berkeley: University of California Press, 1969.</a:t>
+            </a:r>
+          </a:p>
+          <a:p>
+            <a:endParaRPr lang="en-US" i="1" dirty="0">
+              <a:solidFill>
+                <a:srgbClr val="666666"/>
+              </a:solidFill>
+              <a:latin typeface="Play"/>
+            </a:endParaRPr>
+          </a:p>
+          <a:p>
+            <a:r>
+              <a:rPr lang="en-US" i="1" dirty="0">
+                <a:solidFill>
+                  <a:srgbClr val="666666"/>
+                </a:solidFill>
+                <a:latin typeface="Play"/>
+              </a:rPr>
+              <a:t>… A Rhetoric of Motives, </a:t>
+            </a:r>
+            <a:r>
+              <a:rPr lang="en-US" dirty="0">
+                <a:solidFill>
+                  <a:srgbClr val="666666"/>
+                </a:solidFill>
+                <a:latin typeface="Play"/>
+              </a:rPr>
+              <a:t>New York: Prentice-Hall, 1950; 2</a:t>
+            </a:r>
+            <a:r>
+              <a:rPr lang="en-US" baseline="30000" dirty="0">
+                <a:solidFill>
+                  <a:srgbClr val="666666"/>
+                </a:solidFill>
+                <a:latin typeface="Play"/>
+              </a:rPr>
+              <a:t>nd</a:t>
+            </a:r>
+            <a:r>
+              <a:rPr lang="en-US" dirty="0">
+                <a:solidFill>
+                  <a:srgbClr val="666666"/>
+                </a:solidFill>
+                <a:latin typeface="Play"/>
+              </a:rPr>
+              <a:t> ed., New York: George </a:t>
+            </a:r>
+            <a:r>
+              <a:rPr lang="en-US" dirty="0" err="1">
+                <a:solidFill>
+                  <a:srgbClr val="666666"/>
+                </a:solidFill>
+                <a:latin typeface="Play"/>
+              </a:rPr>
+              <a:t>Braziller</a:t>
+            </a:r>
+            <a:r>
+              <a:rPr lang="en-US" dirty="0">
+                <a:solidFill>
+                  <a:srgbClr val="666666"/>
+                </a:solidFill>
+                <a:latin typeface="Play"/>
+              </a:rPr>
+              <a:t>, 1955; Meridian paperback, Cleveland and New York: World Publishing Company, 1962 (together with </a:t>
+            </a:r>
+            <a:r>
+              <a:rPr lang="en-US" i="1" dirty="0">
+                <a:solidFill>
+                  <a:srgbClr val="666666"/>
+                </a:solidFill>
+                <a:latin typeface="Play"/>
+              </a:rPr>
+              <a:t>A Grammar of Motives</a:t>
+            </a:r>
+            <a:r>
+              <a:rPr lang="en-US" dirty="0">
+                <a:solidFill>
+                  <a:srgbClr val="666666"/>
+                </a:solidFill>
+                <a:latin typeface="Play"/>
+              </a:rPr>
+              <a:t>); Berkeley: University of California Press, 1969. </a:t>
+            </a:r>
+          </a:p>
+          <a:p>
+            <a:endParaRPr lang="en-US" b="0" i="0" dirty="0">
+              <a:solidFill>
+                <a:srgbClr val="666666"/>
+              </a:solidFill>
+              <a:effectLst/>
+              <a:latin typeface="Play"/>
+            </a:endParaRPr>
+          </a:p>
+          <a:p>
+            <a:r>
+              <a:rPr lang="en-US" dirty="0">
+                <a:solidFill>
+                  <a:srgbClr val="666666"/>
+                </a:solidFill>
+                <a:latin typeface="Play"/>
+              </a:rPr>
+              <a:t>Spence, Larry D. “The Case Against Teaching,” (https://pdfs.semanticscholar.org/c2b8/4df7c0730434402f53a3a7dd1b0e7b4f841d.pdf)</a:t>
+            </a:r>
+            <a:endParaRPr lang="en-US" b="0" i="0" dirty="0">
+              <a:solidFill>
+                <a:srgbClr val="666666"/>
+              </a:solidFill>
+              <a:effectLst/>
+              <a:latin typeface="Play"/>
+            </a:endParaRPr>
           </a:p>
         </p:txBody>
       </p:sp>
     </p:spTree>
     <p:extLst>
       <p:ext uri="{BB962C8B-B14F-4D97-AF65-F5344CB8AC3E}">
-        <p14:creationId xmlns:p14="http://schemas.microsoft.com/office/powerpoint/2010/main" val="1261887359"/>
+        <p14:creationId xmlns:p14="http://schemas.microsoft.com/office/powerpoint/2010/main" val="3515706749"/>
       </p:ext>
     </p:extLst>
   </p:cSld>
@@ -19103,8 +19046,8 @@
         </p:nvSpPr>
         <p:spPr>
           <a:xfrm>
-            <a:off x="3648560" y="2953850"/>
-            <a:ext cx="5152244" cy="646331"/>
+            <a:off x="1286360" y="2549119"/>
+            <a:ext cx="4734438" cy="461665"/>
           </a:xfrm>
           <a:prstGeom prst="rect">
             <a:avLst/>
@@ -19118,8 +19061,165 @@
           <a:lstStyle/>
           <a:p>
             <a:r>
-              <a:rPr lang="en-US" sz="3600" dirty="0"/>
-              <a:t>Attitude is Incipient Action</a:t>
+              <a:rPr lang="en-US" sz="2400" dirty="0"/>
+              <a:t>Enable teams to act more effectively</a:t>
+            </a:r>
+          </a:p>
+        </p:txBody>
+      </p:sp>
+      <p:sp>
+        <p:nvSpPr>
+          <p:cNvPr id="7" name="TextBox 6"/>
+          <p:cNvSpPr txBox="1"/>
+          <p:nvPr/>
+        </p:nvSpPr>
+        <p:spPr>
+          <a:xfrm>
+            <a:off x="1286360" y="1876975"/>
+            <a:ext cx="9861289" cy="461665"/>
+          </a:xfrm>
+          <a:prstGeom prst="rect">
+            <a:avLst/>
+          </a:prstGeom>
+          <a:noFill/>
+        </p:spPr>
+        <p:txBody>
+          <a:bodyPr wrap="square" rtlCol="0">
+            <a:spAutoFit/>
+          </a:bodyPr>
+          <a:lstStyle/>
+          <a:p>
+            <a:r>
+              <a:rPr lang="en-US" sz="2400" dirty="0"/>
+              <a:t>Enable coaches to detect and influence team attitudes</a:t>
+            </a:r>
+          </a:p>
+        </p:txBody>
+      </p:sp>
+      <p:sp>
+        <p:nvSpPr>
+          <p:cNvPr id="13" name="TextBox 12"/>
+          <p:cNvSpPr txBox="1"/>
+          <p:nvPr/>
+        </p:nvSpPr>
+        <p:spPr>
+          <a:xfrm>
+            <a:off x="1286360" y="3211623"/>
+            <a:ext cx="8360174" cy="461665"/>
+          </a:xfrm>
+          <a:prstGeom prst="rect">
+            <a:avLst/>
+          </a:prstGeom>
+          <a:noFill/>
+        </p:spPr>
+        <p:txBody>
+          <a:bodyPr wrap="none" rtlCol="0">
+            <a:spAutoFit/>
+          </a:bodyPr>
+          <a:lstStyle/>
+          <a:p>
+            <a:r>
+              <a:rPr lang="en-US" sz="2400" dirty="0"/>
+              <a:t>Seldom empower coaches to change attitudes before dysfunction</a:t>
+            </a:r>
+          </a:p>
+        </p:txBody>
+      </p:sp>
+      <p:pic>
+        <p:nvPicPr>
+          <p:cNvPr id="1026" name="Picture 2" descr="Image result for mock turtle"/>
+          <p:cNvPicPr>
+            <a:picLocks noChangeAspect="1" noChangeArrowheads="1"/>
+          </p:cNvPicPr>
+          <p:nvPr/>
+        </p:nvPicPr>
+        <p:blipFill>
+          <a:blip r:embed="rId3">
+            <a:extLst>
+              <a:ext uri="{28A0092B-C50C-407E-A947-70E740481C1C}">
+                <a14:useLocalDpi xmlns:a14="http://schemas.microsoft.com/office/drawing/2010/main" val="0"/>
+              </a:ext>
+            </a:extLst>
+          </a:blip>
+          <a:srcRect/>
+          <a:stretch>
+            <a:fillRect/>
+          </a:stretch>
+        </p:blipFill>
+        <p:spPr bwMode="auto">
+          <a:xfrm>
+            <a:off x="10796439" y="4830883"/>
+            <a:ext cx="1079161" cy="1505146"/>
+          </a:xfrm>
+          <a:prstGeom prst="rect">
+            <a:avLst/>
+          </a:prstGeom>
+          <a:noFill/>
+          <a:extLst>
+            <a:ext uri="{909E8E84-426E-40DD-AFC4-6F175D3DCCD1}">
+              <a14:hiddenFill xmlns:a14="http://schemas.microsoft.com/office/drawing/2010/main">
+                <a:solidFill>
+                  <a:srgbClr val="FFFFFF"/>
+                </a:solidFill>
+              </a14:hiddenFill>
+            </a:ext>
+          </a:extLst>
+        </p:spPr>
+      </p:pic>
+      <p:sp>
+        <p:nvSpPr>
+          <p:cNvPr id="9" name="TextBox 8"/>
+          <p:cNvSpPr txBox="1"/>
+          <p:nvPr/>
+        </p:nvSpPr>
+        <p:spPr>
+          <a:xfrm>
+            <a:off x="1286360" y="3884434"/>
+            <a:ext cx="9614491" cy="461665"/>
+          </a:xfrm>
+          <a:prstGeom prst="rect">
+            <a:avLst/>
+          </a:prstGeom>
+          <a:noFill/>
+        </p:spPr>
+        <p:txBody>
+          <a:bodyPr wrap="none" rtlCol="0">
+            <a:spAutoFit/>
+          </a:bodyPr>
+          <a:lstStyle/>
+          <a:p>
+            <a:r>
+              <a:rPr lang="en-US" sz="2400" dirty="0"/>
+              <a:t>30-45 minutes of presentation, and then we have a choice where to go next</a:t>
+            </a:r>
+          </a:p>
+        </p:txBody>
+      </p:sp>
+      <p:sp>
+        <p:nvSpPr>
+          <p:cNvPr id="10" name="TextBox 9"/>
+          <p:cNvSpPr txBox="1"/>
+          <p:nvPr/>
+        </p:nvSpPr>
+        <p:spPr>
+          <a:xfrm>
+            <a:off x="1286360" y="4556578"/>
+            <a:ext cx="7839518" cy="461665"/>
+          </a:xfrm>
+          <a:prstGeom prst="rect">
+            <a:avLst/>
+          </a:prstGeom>
+          <a:noFill/>
+        </p:spPr>
+        <p:txBody>
+          <a:bodyPr wrap="none" rtlCol="0">
+            <a:spAutoFit/>
+          </a:bodyPr>
+          <a:lstStyle/>
+          <a:p>
+            <a:r>
+              <a:rPr lang="en-US" sz="2400" dirty="0"/>
+              <a:t>There are no action items -  so, be curious and have some fun</a:t>
             </a:r>
           </a:p>
         </p:txBody>
@@ -19127,7 +19227,7 @@
     </p:spTree>
     <p:extLst>
       <p:ext uri="{BB962C8B-B14F-4D97-AF65-F5344CB8AC3E}">
-        <p14:creationId xmlns:p14="http://schemas.microsoft.com/office/powerpoint/2010/main" val="3735562779"/>
+        <p14:creationId xmlns:p14="http://schemas.microsoft.com/office/powerpoint/2010/main" val="402917087"/>
       </p:ext>
     </p:extLst>
   </p:cSld>
@@ -19138,6 +19238,226 @@
 </file>
 
 <file path=ppt/slides/slide40.xml><?xml version="1.0" encoding="utf-8"?>
+<p:sld xmlns:a="http://schemas.openxmlformats.org/drawingml/2006/main" xmlns:r="http://schemas.openxmlformats.org/officeDocument/2006/relationships" xmlns:p="http://schemas.openxmlformats.org/presentationml/2006/main">
+  <p:cSld>
+    <p:spTree>
+      <p:nvGrpSpPr>
+        <p:cNvPr id="1" name=""/>
+        <p:cNvGrpSpPr/>
+        <p:nvPr/>
+      </p:nvGrpSpPr>
+      <p:grpSpPr>
+        <a:xfrm>
+          <a:off x="0" y="0"/>
+          <a:ext cx="0" cy="0"/>
+          <a:chOff x="0" y="0"/>
+          <a:chExt cx="0" cy="0"/>
+        </a:xfrm>
+      </p:grpSpPr>
+      <p:sp>
+        <p:nvSpPr>
+          <p:cNvPr id="2" name="Footer Placeholder 1"/>
+          <p:cNvSpPr>
+            <a:spLocks noGrp="1"/>
+          </p:cNvSpPr>
+          <p:nvPr>
+            <p:ph type="ftr" sz="quarter" idx="11"/>
+          </p:nvPr>
+        </p:nvSpPr>
+        <p:spPr/>
+        <p:txBody>
+          <a:bodyPr/>
+          <a:lstStyle/>
+          <a:p>
+            <a:r>
+              <a:rPr lang="en-US"/>
+              <a:t>Ⓒ 2017 Christopher Curley</a:t>
+            </a:r>
+            <a:endParaRPr lang="en-US" dirty="0"/>
+          </a:p>
+        </p:txBody>
+      </p:sp>
+      <p:pic>
+        <p:nvPicPr>
+          <p:cNvPr id="3" name="Picture 2"/>
+          <p:cNvPicPr>
+            <a:picLocks noChangeAspect="1"/>
+          </p:cNvPicPr>
+          <p:nvPr/>
+        </p:nvPicPr>
+        <p:blipFill>
+          <a:blip r:embed="rId3"/>
+          <a:stretch>
+            <a:fillRect/>
+          </a:stretch>
+        </p:blipFill>
+        <p:spPr>
+          <a:xfrm>
+            <a:off x="6121831" y="618210"/>
+            <a:ext cx="5229187" cy="5056797"/>
+          </a:xfrm>
+          <a:prstGeom prst="rect">
+            <a:avLst/>
+          </a:prstGeom>
+        </p:spPr>
+      </p:pic>
+      <p:sp>
+        <p:nvSpPr>
+          <p:cNvPr id="4" name="TextBox 3"/>
+          <p:cNvSpPr txBox="1"/>
+          <p:nvPr/>
+        </p:nvSpPr>
+        <p:spPr>
+          <a:xfrm>
+            <a:off x="6540283" y="5675007"/>
+            <a:ext cx="5286133" cy="276999"/>
+          </a:xfrm>
+          <a:prstGeom prst="rect">
+            <a:avLst/>
+          </a:prstGeom>
+          <a:noFill/>
+        </p:spPr>
+        <p:txBody>
+          <a:bodyPr wrap="square" rtlCol="0">
+            <a:spAutoFit/>
+          </a:bodyPr>
+          <a:lstStyle/>
+          <a:p>
+            <a:r>
+              <a:rPr lang="en-US" sz="1200" dirty="0"/>
+              <a:t>Source: https://www.slideshare.net/AgileNZ/lyssa-adkins-michael-spayd-keynote</a:t>
+            </a:r>
+          </a:p>
+        </p:txBody>
+      </p:sp>
+      <p:sp>
+        <p:nvSpPr>
+          <p:cNvPr id="5" name="TextBox 4"/>
+          <p:cNvSpPr txBox="1"/>
+          <p:nvPr/>
+        </p:nvSpPr>
+        <p:spPr>
+          <a:xfrm>
+            <a:off x="898902" y="618210"/>
+            <a:ext cx="4747531" cy="5016758"/>
+          </a:xfrm>
+          <a:prstGeom prst="rect">
+            <a:avLst/>
+          </a:prstGeom>
+          <a:noFill/>
+        </p:spPr>
+        <p:txBody>
+          <a:bodyPr wrap="square" rtlCol="0">
+            <a:spAutoFit/>
+          </a:bodyPr>
+          <a:lstStyle/>
+          <a:p>
+            <a:r>
+              <a:rPr lang="en-US" sz="2000" dirty="0"/>
+              <a:t>Ken Wilber’s AQAL Diagram</a:t>
+            </a:r>
+          </a:p>
+          <a:p>
+            <a:pPr marL="285750" indent="-285750">
+              <a:buFont typeface="Arial" panose="020B0604020202020204" pitchFamily="34" charset="0"/>
+              <a:buChar char="•"/>
+            </a:pPr>
+            <a:r>
+              <a:rPr lang="en-US" sz="2000" dirty="0"/>
+              <a:t>“I” is the first person personal pronoun</a:t>
+            </a:r>
+          </a:p>
+          <a:p>
+            <a:pPr marL="285750" indent="-285750">
+              <a:buFont typeface="Arial" panose="020B0604020202020204" pitchFamily="34" charset="0"/>
+              <a:buChar char="•"/>
+            </a:pPr>
+            <a:r>
+              <a:rPr lang="en-US" sz="2000" dirty="0"/>
+              <a:t>“We” is the second person personal pronoun</a:t>
+            </a:r>
+          </a:p>
+          <a:p>
+            <a:pPr marL="285750" indent="-285750">
+              <a:buFont typeface="Arial" panose="020B0604020202020204" pitchFamily="34" charset="0"/>
+              <a:buChar char="•"/>
+            </a:pPr>
+            <a:r>
+              <a:rPr lang="en-US" sz="2000" dirty="0"/>
+              <a:t>“It” is the impersonal pronoun uses as a provisional subject</a:t>
+            </a:r>
+          </a:p>
+          <a:p>
+            <a:pPr marL="285750" indent="-285750">
+              <a:buFont typeface="Arial" panose="020B0604020202020204" pitchFamily="34" charset="0"/>
+              <a:buChar char="•"/>
+            </a:pPr>
+            <a:r>
+              <a:rPr lang="en-US" sz="2000" dirty="0"/>
+              <a:t>“Its” is a possessive pronoun (the genitive), which qualifies another noun</a:t>
+            </a:r>
+          </a:p>
+          <a:p>
+            <a:pPr marL="285750" indent="-285750">
+              <a:buFont typeface="Arial" panose="020B0604020202020204" pitchFamily="34" charset="0"/>
+              <a:buChar char="•"/>
+            </a:pPr>
+            <a:endParaRPr lang="en-US" sz="2000" dirty="0"/>
+          </a:p>
+          <a:p>
+            <a:pPr marL="285750" indent="-285750">
+              <a:buFont typeface="Arial" panose="020B0604020202020204" pitchFamily="34" charset="0"/>
+              <a:buChar char="•"/>
+            </a:pPr>
+            <a:endParaRPr lang="en-US" sz="2000" dirty="0"/>
+          </a:p>
+          <a:p>
+            <a:pPr marL="285750" indent="-285750">
+              <a:buFont typeface="Arial" panose="020B0604020202020204" pitchFamily="34" charset="0"/>
+              <a:buChar char="•"/>
+            </a:pPr>
+            <a:endParaRPr lang="en-US" sz="2000" dirty="0"/>
+          </a:p>
+          <a:p>
+            <a:pPr marL="285750" indent="-285750">
+              <a:buFont typeface="Arial" panose="020B0604020202020204" pitchFamily="34" charset="0"/>
+              <a:buChar char="•"/>
+            </a:pPr>
+            <a:endParaRPr lang="en-US" sz="2000" dirty="0"/>
+          </a:p>
+          <a:p>
+            <a:pPr marL="285750" indent="-285750">
+              <a:buFont typeface="Arial" panose="020B0604020202020204" pitchFamily="34" charset="0"/>
+              <a:buChar char="•"/>
+            </a:pPr>
+            <a:endParaRPr lang="en-US" sz="2000" dirty="0"/>
+          </a:p>
+          <a:p>
+            <a:pPr marL="285750" indent="-285750">
+              <a:buFont typeface="Arial" panose="020B0604020202020204" pitchFamily="34" charset="0"/>
+              <a:buChar char="•"/>
+            </a:pPr>
+            <a:r>
+              <a:rPr lang="en-US" sz="2000" dirty="0"/>
+              <a:t>In “Theory of Truth” representation, LL is 2nd Person (You), but in AQAL it’s 1st Person Plural (We)</a:t>
+            </a:r>
+          </a:p>
+        </p:txBody>
+      </p:sp>
+    </p:spTree>
+    <p:extLst>
+      <p:ext uri="{BB962C8B-B14F-4D97-AF65-F5344CB8AC3E}">
+        <p14:creationId xmlns:p14="http://schemas.microsoft.com/office/powerpoint/2010/main" val="1261887359"/>
+      </p:ext>
+    </p:extLst>
+  </p:cSld>
+  <p:clrMapOvr>
+    <a:masterClrMapping/>
+  </p:clrMapOvr>
+</p:sld>
+</file>
+
+<file path=ppt/slides/slide41.xml><?xml version="1.0" encoding="utf-8"?>
 <p:sld xmlns:a="http://schemas.openxmlformats.org/drawingml/2006/main" xmlns:r="http://schemas.openxmlformats.org/officeDocument/2006/relationships" xmlns:p="http://schemas.openxmlformats.org/presentationml/2006/main">
   <p:cSld>
     <p:spTree>
@@ -19337,7 +19657,7 @@
 </p:sld>
 </file>
 
-<file path=ppt/slides/slide41.xml><?xml version="1.0" encoding="utf-8"?>
+<file path=ppt/slides/slide42.xml><?xml version="1.0" encoding="utf-8"?>
 <p:sld xmlns:a="http://schemas.openxmlformats.org/drawingml/2006/main" xmlns:r="http://schemas.openxmlformats.org/officeDocument/2006/relationships" xmlns:p="http://schemas.openxmlformats.org/presentationml/2006/main">
   <p:cSld>
     <p:spTree>
@@ -19461,245 +19781,6 @@
 </file>
 
 <file path=ppt/slides/slide5.xml><?xml version="1.0" encoding="utf-8"?>
-<p:sld xmlns:a="http://schemas.openxmlformats.org/drawingml/2006/main" xmlns:r="http://schemas.openxmlformats.org/officeDocument/2006/relationships" xmlns:p="http://schemas.openxmlformats.org/presentationml/2006/main">
-  <p:cSld>
-    <p:spTree>
-      <p:nvGrpSpPr>
-        <p:cNvPr id="1" name=""/>
-        <p:cNvGrpSpPr/>
-        <p:nvPr/>
-      </p:nvGrpSpPr>
-      <p:grpSpPr>
-        <a:xfrm>
-          <a:off x="0" y="0"/>
-          <a:ext cx="0" cy="0"/>
-          <a:chOff x="0" y="0"/>
-          <a:chExt cx="0" cy="0"/>
-        </a:xfrm>
-      </p:grpSpPr>
-      <p:sp>
-        <p:nvSpPr>
-          <p:cNvPr id="2" name="Footer Placeholder 1"/>
-          <p:cNvSpPr>
-            <a:spLocks noGrp="1"/>
-          </p:cNvSpPr>
-          <p:nvPr>
-            <p:ph type="ftr" sz="quarter" idx="11"/>
-          </p:nvPr>
-        </p:nvSpPr>
-        <p:spPr/>
-        <p:txBody>
-          <a:bodyPr/>
-          <a:lstStyle/>
-          <a:p>
-            <a:r>
-              <a:rPr lang="en-US"/>
-              <a:t>Ⓒ 2017 Christopher Curley</a:t>
-            </a:r>
-            <a:endParaRPr lang="en-US" dirty="0"/>
-          </a:p>
-        </p:txBody>
-      </p:sp>
-      <p:sp>
-        <p:nvSpPr>
-          <p:cNvPr id="3" name="TextBox 2"/>
-          <p:cNvSpPr txBox="1"/>
-          <p:nvPr/>
-        </p:nvSpPr>
-        <p:spPr>
-          <a:xfrm>
-            <a:off x="1286360" y="2549119"/>
-            <a:ext cx="4734438" cy="461665"/>
-          </a:xfrm>
-          <a:prstGeom prst="rect">
-            <a:avLst/>
-          </a:prstGeom>
-          <a:noFill/>
-        </p:spPr>
-        <p:txBody>
-          <a:bodyPr wrap="none" rtlCol="0">
-            <a:spAutoFit/>
-          </a:bodyPr>
-          <a:lstStyle/>
-          <a:p>
-            <a:r>
-              <a:rPr lang="en-US" sz="2400" dirty="0"/>
-              <a:t>Enable teams to act more effectively</a:t>
-            </a:r>
-          </a:p>
-        </p:txBody>
-      </p:sp>
-      <p:sp>
-        <p:nvSpPr>
-          <p:cNvPr id="7" name="TextBox 6"/>
-          <p:cNvSpPr txBox="1"/>
-          <p:nvPr/>
-        </p:nvSpPr>
-        <p:spPr>
-          <a:xfrm>
-            <a:off x="1286360" y="1876975"/>
-            <a:ext cx="9861289" cy="461665"/>
-          </a:xfrm>
-          <a:prstGeom prst="rect">
-            <a:avLst/>
-          </a:prstGeom>
-          <a:noFill/>
-        </p:spPr>
-        <p:txBody>
-          <a:bodyPr wrap="square" rtlCol="0">
-            <a:spAutoFit/>
-          </a:bodyPr>
-          <a:lstStyle/>
-          <a:p>
-            <a:r>
-              <a:rPr lang="en-US" sz="2400" dirty="0"/>
-              <a:t>Enable coaches to detect and influence team attitudes</a:t>
-            </a:r>
-          </a:p>
-        </p:txBody>
-      </p:sp>
-      <p:sp>
-        <p:nvSpPr>
-          <p:cNvPr id="13" name="TextBox 12"/>
-          <p:cNvSpPr txBox="1"/>
-          <p:nvPr/>
-        </p:nvSpPr>
-        <p:spPr>
-          <a:xfrm>
-            <a:off x="1286360" y="3211623"/>
-            <a:ext cx="8360174" cy="461665"/>
-          </a:xfrm>
-          <a:prstGeom prst="rect">
-            <a:avLst/>
-          </a:prstGeom>
-          <a:noFill/>
-        </p:spPr>
-        <p:txBody>
-          <a:bodyPr wrap="none" rtlCol="0">
-            <a:spAutoFit/>
-          </a:bodyPr>
-          <a:lstStyle/>
-          <a:p>
-            <a:r>
-              <a:rPr lang="en-US" sz="2400" dirty="0"/>
-              <a:t>Seldom empower coaches to change attitudes before dysfunction</a:t>
-            </a:r>
-          </a:p>
-        </p:txBody>
-      </p:sp>
-      <p:pic>
-        <p:nvPicPr>
-          <p:cNvPr id="1026" name="Picture 2" descr="Image result for mock turtle"/>
-          <p:cNvPicPr>
-            <a:picLocks noChangeAspect="1" noChangeArrowheads="1"/>
-          </p:cNvPicPr>
-          <p:nvPr/>
-        </p:nvPicPr>
-        <p:blipFill>
-          <a:blip r:embed="rId3">
-            <a:extLst>
-              <a:ext uri="{28A0092B-C50C-407E-A947-70E740481C1C}">
-                <a14:useLocalDpi xmlns:a14="http://schemas.microsoft.com/office/drawing/2010/main" val="0"/>
-              </a:ext>
-            </a:extLst>
-          </a:blip>
-          <a:srcRect/>
-          <a:stretch>
-            <a:fillRect/>
-          </a:stretch>
-        </p:blipFill>
-        <p:spPr bwMode="auto">
-          <a:xfrm>
-            <a:off x="10796439" y="4830883"/>
-            <a:ext cx="1079161" cy="1505146"/>
-          </a:xfrm>
-          <a:prstGeom prst="rect">
-            <a:avLst/>
-          </a:prstGeom>
-          <a:noFill/>
-          <a:extLst>
-            <a:ext uri="{909E8E84-426E-40DD-AFC4-6F175D3DCCD1}">
-              <a14:hiddenFill xmlns:a14="http://schemas.microsoft.com/office/drawing/2010/main">
-                <a:solidFill>
-                  <a:srgbClr val="FFFFFF"/>
-                </a:solidFill>
-              </a14:hiddenFill>
-            </a:ext>
-          </a:extLst>
-        </p:spPr>
-      </p:pic>
-      <p:sp>
-        <p:nvSpPr>
-          <p:cNvPr id="9" name="TextBox 8"/>
-          <p:cNvSpPr txBox="1"/>
-          <p:nvPr/>
-        </p:nvSpPr>
-        <p:spPr>
-          <a:xfrm>
-            <a:off x="1286360" y="3884434"/>
-            <a:ext cx="9614491" cy="461665"/>
-          </a:xfrm>
-          <a:prstGeom prst="rect">
-            <a:avLst/>
-          </a:prstGeom>
-          <a:noFill/>
-        </p:spPr>
-        <p:txBody>
-          <a:bodyPr wrap="none" rtlCol="0">
-            <a:spAutoFit/>
-          </a:bodyPr>
-          <a:lstStyle/>
-          <a:p>
-            <a:r>
-              <a:rPr lang="en-US" sz="2400" dirty="0"/>
-              <a:t>30-45 minutes of presentation, and then we have a choice where to go next</a:t>
-            </a:r>
-          </a:p>
-        </p:txBody>
-      </p:sp>
-      <p:sp>
-        <p:nvSpPr>
-          <p:cNvPr id="10" name="TextBox 9"/>
-          <p:cNvSpPr txBox="1"/>
-          <p:nvPr/>
-        </p:nvSpPr>
-        <p:spPr>
-          <a:xfrm>
-            <a:off x="1286360" y="4556578"/>
-            <a:ext cx="7839518" cy="461665"/>
-          </a:xfrm>
-          <a:prstGeom prst="rect">
-            <a:avLst/>
-          </a:prstGeom>
-          <a:noFill/>
-        </p:spPr>
-        <p:txBody>
-          <a:bodyPr wrap="none" rtlCol="0">
-            <a:spAutoFit/>
-          </a:bodyPr>
-          <a:lstStyle/>
-          <a:p>
-            <a:r>
-              <a:rPr lang="en-US" sz="2400" dirty="0"/>
-              <a:t>There are no action items -  so, be curious and have some fun</a:t>
-            </a:r>
-          </a:p>
-        </p:txBody>
-      </p:sp>
-    </p:spTree>
-    <p:extLst>
-      <p:ext uri="{BB962C8B-B14F-4D97-AF65-F5344CB8AC3E}">
-        <p14:creationId xmlns:p14="http://schemas.microsoft.com/office/powerpoint/2010/main" val="402917087"/>
-      </p:ext>
-    </p:extLst>
-  </p:cSld>
-  <p:clrMapOvr>
-    <a:masterClrMapping/>
-  </p:clrMapOvr>
-</p:sld>
-</file>
-
-<file path=ppt/slides/slide6.xml><?xml version="1.0" encoding="utf-8"?>
 <p:sld xmlns:a="http://schemas.openxmlformats.org/drawingml/2006/main" xmlns:r="http://schemas.openxmlformats.org/officeDocument/2006/relationships" xmlns:p="http://schemas.openxmlformats.org/presentationml/2006/main">
   <p:cSld>
     <p:spTree>
@@ -19910,7 +19991,7 @@
 </p:sld>
 </file>
 
-<file path=ppt/slides/slide7.xml><?xml version="1.0" encoding="utf-8"?>
+<file path=ppt/slides/slide6.xml><?xml version="1.0" encoding="utf-8"?>
 <p:sld xmlns:a="http://schemas.openxmlformats.org/drawingml/2006/main" xmlns:r="http://schemas.openxmlformats.org/officeDocument/2006/relationships" xmlns:p="http://schemas.openxmlformats.org/presentationml/2006/main">
   <p:cSld>
     <p:spTree>
@@ -20033,7 +20114,7 @@
 </p:sld>
 </file>
 
-<file path=ppt/slides/slide8.xml><?xml version="1.0" encoding="utf-8"?>
+<file path=ppt/slides/slide7.xml><?xml version="1.0" encoding="utf-8"?>
 <p:sld xmlns:a="http://schemas.openxmlformats.org/drawingml/2006/main" xmlns:r="http://schemas.openxmlformats.org/officeDocument/2006/relationships" xmlns:p="http://schemas.openxmlformats.org/presentationml/2006/main">
   <p:cSld>
     <p:spTree>
@@ -20222,7 +20303,7 @@
 </p:sld>
 </file>
 
-<file path=ppt/slides/slide9.xml><?xml version="1.0" encoding="utf-8"?>
+<file path=ppt/slides/slide8.xml><?xml version="1.0" encoding="utf-8"?>
 <p:sld xmlns:a="http://schemas.openxmlformats.org/drawingml/2006/main" xmlns:r="http://schemas.openxmlformats.org/officeDocument/2006/relationships" xmlns:p="http://schemas.openxmlformats.org/presentationml/2006/main">
   <p:cSld>
     <p:spTree>
@@ -20307,6 +20388,351 @@
     <p:extLst>
       <p:ext uri="{BB962C8B-B14F-4D97-AF65-F5344CB8AC3E}">
         <p14:creationId xmlns:p14="http://schemas.microsoft.com/office/powerpoint/2010/main" val="745083468"/>
+      </p:ext>
+    </p:extLst>
+  </p:cSld>
+  <p:clrMapOvr>
+    <a:masterClrMapping/>
+  </p:clrMapOvr>
+</p:sld>
+</file>
+
+<file path=ppt/slides/slide9.xml><?xml version="1.0" encoding="utf-8"?>
+<p:sld xmlns:a="http://schemas.openxmlformats.org/drawingml/2006/main" xmlns:r="http://schemas.openxmlformats.org/officeDocument/2006/relationships" xmlns:p="http://schemas.openxmlformats.org/presentationml/2006/main">
+  <p:cSld>
+    <p:spTree>
+      <p:nvGrpSpPr>
+        <p:cNvPr id="1" name=""/>
+        <p:cNvGrpSpPr/>
+        <p:nvPr/>
+      </p:nvGrpSpPr>
+      <p:grpSpPr>
+        <a:xfrm>
+          <a:off x="0" y="0"/>
+          <a:ext cx="0" cy="0"/>
+          <a:chOff x="0" y="0"/>
+          <a:chExt cx="0" cy="0"/>
+        </a:xfrm>
+      </p:grpSpPr>
+      <p:sp>
+        <p:nvSpPr>
+          <p:cNvPr id="2" name="Rectangle 1"/>
+          <p:cNvSpPr/>
+          <p:nvPr/>
+        </p:nvSpPr>
+        <p:spPr>
+          <a:xfrm>
+            <a:off x="3456059" y="1248048"/>
+            <a:ext cx="5697394" cy="584775"/>
+          </a:xfrm>
+          <a:prstGeom prst="rect">
+            <a:avLst/>
+          </a:prstGeom>
+        </p:spPr>
+        <p:txBody>
+          <a:bodyPr wrap="none">
+            <a:spAutoFit/>
+          </a:bodyPr>
+          <a:lstStyle/>
+          <a:p>
+            <a:r>
+              <a:rPr lang="en-US" sz="3200" b="1" dirty="0">
+                <a:effectLst/>
+                <a:latin typeface="ArialMT" charset="0"/>
+                <a:ea typeface="ArialMT" charset="0"/>
+              </a:rPr>
+              <a:t>ƒ(metaphor): compare(A, B)</a:t>
+            </a:r>
+            <a:r>
+              <a:rPr lang="en-US" sz="3200" dirty="0">
+                <a:effectLst/>
+              </a:rPr>
+              <a:t> </a:t>
+            </a:r>
+            <a:endParaRPr lang="en-US" sz="3200" dirty="0"/>
+          </a:p>
+        </p:txBody>
+      </p:sp>
+      <p:sp>
+        <p:nvSpPr>
+          <p:cNvPr id="3" name="Rectangle 2"/>
+          <p:cNvSpPr/>
+          <p:nvPr/>
+        </p:nvSpPr>
+        <p:spPr>
+          <a:xfrm>
+            <a:off x="2766736" y="2412892"/>
+            <a:ext cx="7076040" cy="584775"/>
+          </a:xfrm>
+          <a:prstGeom prst="rect">
+            <a:avLst/>
+          </a:prstGeom>
+        </p:spPr>
+        <p:txBody>
+          <a:bodyPr wrap="none">
+            <a:spAutoFit/>
+          </a:bodyPr>
+          <a:lstStyle/>
+          <a:p>
+            <a:r>
+              <a:rPr lang="en-US" sz="3200" b="1" dirty="0">
+                <a:effectLst/>
+                <a:latin typeface="ArialMT" charset="0"/>
+                <a:ea typeface="ArialMT" charset="0"/>
+              </a:rPr>
+              <a:t>ƒ(metonymy): reduce(A </a:t>
+            </a:r>
+            <a:r>
+              <a:rPr lang="en-US" sz="3200" b="1" dirty="0">
+                <a:effectLst/>
+                <a:latin typeface="ArialMT" charset="0"/>
+                <a:ea typeface="ArialMT" charset="0"/>
+                <a:cs typeface="ArialMT" charset="0"/>
+                <a:sym typeface="Symbol" charset="2"/>
+              </a:rPr>
+              <a:t></a:t>
+            </a:r>
+            <a:r>
+              <a:rPr lang="en-US" sz="3200" b="1" dirty="0">
+                <a:effectLst/>
+                <a:latin typeface="ArialMT" charset="0"/>
+                <a:ea typeface="ArialMT" charset="0"/>
+              </a:rPr>
+              <a:t> {a ∈ A})</a:t>
+            </a:r>
+            <a:r>
+              <a:rPr lang="en-US" sz="3200" dirty="0">
+                <a:effectLst/>
+              </a:rPr>
+              <a:t> </a:t>
+            </a:r>
+            <a:endParaRPr lang="en-US" sz="3200" dirty="0"/>
+          </a:p>
+        </p:txBody>
+      </p:sp>
+      <p:sp>
+        <p:nvSpPr>
+          <p:cNvPr id="4" name="Rectangle 3"/>
+          <p:cNvSpPr/>
+          <p:nvPr/>
+        </p:nvSpPr>
+        <p:spPr>
+          <a:xfrm>
+            <a:off x="2111108" y="3577736"/>
+            <a:ext cx="8387296" cy="584775"/>
+          </a:xfrm>
+          <a:prstGeom prst="rect">
+            <a:avLst/>
+          </a:prstGeom>
+        </p:spPr>
+        <p:txBody>
+          <a:bodyPr wrap="none">
+            <a:spAutoFit/>
+          </a:bodyPr>
+          <a:lstStyle/>
+          <a:p>
+            <a:r>
+              <a:rPr lang="en-US" sz="3200" b="1" dirty="0">
+                <a:effectLst/>
+                <a:latin typeface="ArialMT" charset="0"/>
+                <a:ea typeface="ArialMT" charset="0"/>
+              </a:rPr>
+              <a:t>ƒ</a:t>
+            </a:r>
+            <a:r>
+              <a:rPr lang="en-US" sz="3200" b="1" kern="50" dirty="0">
+                <a:effectLst/>
+                <a:latin typeface="ArialMT" charset="0"/>
+                <a:ea typeface="ArialMT" charset="0"/>
+              </a:rPr>
+              <a:t>(synecdoche): substitute(A</a:t>
+            </a:r>
+            <a:r>
+              <a:rPr lang="en-US" sz="3200" b="1" dirty="0">
+                <a:effectLst/>
+                <a:latin typeface="ArialMT" charset="0"/>
+                <a:ea typeface="ArialMT" charset="0"/>
+              </a:rPr>
+              <a:t> </a:t>
+            </a:r>
+            <a:r>
+              <a:rPr lang="en-US" sz="3200" b="1" dirty="0">
+                <a:effectLst/>
+                <a:latin typeface="ArialMT" charset="0"/>
+                <a:ea typeface="ArialMT" charset="0"/>
+                <a:cs typeface="ArialMT" charset="0"/>
+                <a:sym typeface="Symbol" charset="2"/>
+              </a:rPr>
+              <a:t></a:t>
+            </a:r>
+            <a:r>
+              <a:rPr lang="en-US" sz="3200" b="1" dirty="0">
+                <a:effectLst/>
+                <a:latin typeface="ArialMT" charset="0"/>
+                <a:ea typeface="ArialMT" charset="0"/>
+              </a:rPr>
+              <a:t> </a:t>
+            </a:r>
+            <a:r>
+              <a:rPr lang="en-US" sz="3200" b="1" kern="50" dirty="0">
+                <a:effectLst/>
+                <a:latin typeface="ArialMT" charset="0"/>
+                <a:ea typeface="ArialMT" charset="0"/>
+              </a:rPr>
+              <a:t>B | B</a:t>
+            </a:r>
+            <a:r>
+              <a:rPr lang="en-US" sz="3200" b="1" dirty="0">
+                <a:effectLst/>
+                <a:latin typeface="ArialMT" charset="0"/>
+                <a:ea typeface="ArialMT" charset="0"/>
+              </a:rPr>
+              <a:t> </a:t>
+            </a:r>
+            <a:r>
+              <a:rPr lang="en-US" sz="3200" b="1" dirty="0">
+                <a:effectLst/>
+                <a:latin typeface="ArialMT" charset="0"/>
+                <a:ea typeface="ArialMT" charset="0"/>
+                <a:cs typeface="ArialMT" charset="0"/>
+                <a:sym typeface="Symbol" charset="2"/>
+              </a:rPr>
+              <a:t></a:t>
+            </a:r>
+            <a:r>
+              <a:rPr lang="en-US" sz="3200" b="1" dirty="0">
+                <a:effectLst/>
+                <a:latin typeface="ArialMT" charset="0"/>
+                <a:ea typeface="ArialMT" charset="0"/>
+              </a:rPr>
+              <a:t> </a:t>
+            </a:r>
+            <a:r>
+              <a:rPr lang="en-US" sz="3200" b="1" kern="50" dirty="0">
+                <a:effectLst/>
+                <a:latin typeface="ArialMT" charset="0"/>
+                <a:ea typeface="ArialMT" charset="0"/>
+              </a:rPr>
+              <a:t>A)</a:t>
+            </a:r>
+            <a:r>
+              <a:rPr lang="en-US" sz="3200" dirty="0">
+                <a:effectLst/>
+              </a:rPr>
+              <a:t> </a:t>
+            </a:r>
+            <a:endParaRPr lang="en-US" sz="3200" dirty="0"/>
+          </a:p>
+        </p:txBody>
+      </p:sp>
+      <p:sp>
+        <p:nvSpPr>
+          <p:cNvPr id="5" name="Rectangle 4"/>
+          <p:cNvSpPr/>
+          <p:nvPr/>
+        </p:nvSpPr>
+        <p:spPr>
+          <a:xfrm>
+            <a:off x="3231639" y="4742580"/>
+            <a:ext cx="6146234" cy="584775"/>
+          </a:xfrm>
+          <a:prstGeom prst="rect">
+            <a:avLst/>
+          </a:prstGeom>
+        </p:spPr>
+        <p:txBody>
+          <a:bodyPr wrap="none">
+            <a:spAutoFit/>
+          </a:bodyPr>
+          <a:lstStyle/>
+          <a:p>
+            <a:r>
+              <a:rPr lang="en-US" sz="3200" b="1" dirty="0">
+                <a:effectLst/>
+                <a:latin typeface="ArialMT" charset="0"/>
+                <a:ea typeface="ArialMT" charset="0"/>
+              </a:rPr>
+              <a:t>ƒ</a:t>
+            </a:r>
+            <a:r>
+              <a:rPr lang="en-US" sz="3200" b="1" kern="50" dirty="0">
+                <a:effectLst/>
+                <a:latin typeface="ArialMT" charset="0"/>
+                <a:ea typeface="ArialMT" charset="0"/>
+              </a:rPr>
+              <a:t>(irony): synthesize(A, B)</a:t>
+            </a:r>
+            <a:r>
+              <a:rPr lang="en-US" sz="3200" b="1" dirty="0">
+                <a:effectLst/>
+                <a:latin typeface="ArialMT" charset="0"/>
+                <a:ea typeface="ArialMT" charset="0"/>
+              </a:rPr>
+              <a:t> </a:t>
+            </a:r>
+            <a:r>
+              <a:rPr lang="en-US" sz="3200" b="1" dirty="0">
+                <a:effectLst/>
+                <a:latin typeface="ArialMT" charset="0"/>
+                <a:ea typeface="ArialMT" charset="0"/>
+                <a:cs typeface="ArialMT" charset="0"/>
+                <a:sym typeface="Symbol" charset="2"/>
+              </a:rPr>
+              <a:t></a:t>
+            </a:r>
+            <a:r>
+              <a:rPr lang="en-US" sz="3200" b="1" dirty="0">
+                <a:effectLst/>
+                <a:latin typeface="ArialMT" charset="0"/>
+                <a:ea typeface="ArialMT" charset="0"/>
+              </a:rPr>
+              <a:t> </a:t>
+            </a:r>
+            <a:r>
+              <a:rPr lang="en-US" sz="3200" b="1" kern="50" dirty="0">
+                <a:effectLst/>
+                <a:latin typeface="ArialMT" charset="0"/>
+                <a:ea typeface="ArialMT" charset="0"/>
+              </a:rPr>
+              <a:t>C</a:t>
+            </a:r>
+            <a:r>
+              <a:rPr lang="en-US" sz="3200" dirty="0">
+                <a:effectLst/>
+              </a:rPr>
+              <a:t> </a:t>
+            </a:r>
+            <a:endParaRPr lang="en-US" sz="3200" dirty="0"/>
+          </a:p>
+        </p:txBody>
+      </p:sp>
+      <p:sp>
+        <p:nvSpPr>
+          <p:cNvPr id="6" name="Footer Placeholder 5"/>
+          <p:cNvSpPr>
+            <a:spLocks noGrp="1"/>
+          </p:cNvSpPr>
+          <p:nvPr>
+            <p:ph type="ftr" sz="quarter" idx="11"/>
+          </p:nvPr>
+        </p:nvSpPr>
+        <p:spPr/>
+        <p:txBody>
+          <a:bodyPr/>
+          <a:lstStyle/>
+          <a:p>
+            <a:r>
+              <a:rPr lang="en-US"/>
+              <a:t>Ⓒ 2017 Christopher Curley</a:t>
+            </a:r>
+            <a:endParaRPr lang="en-US" dirty="0"/>
+          </a:p>
+        </p:txBody>
+      </p:sp>
+    </p:spTree>
+    <p:extLst>
+      <p:ext uri="{BB962C8B-B14F-4D97-AF65-F5344CB8AC3E}">
+        <p14:creationId xmlns:p14="http://schemas.microsoft.com/office/powerpoint/2010/main" val="734848043"/>
       </p:ext>
     </p:extLst>
   </p:cSld>

--- a/Agile Attitudes.v2.pptx
+++ b/Agile Attitudes.v2.pptx
@@ -238,7 +238,7 @@
           <a:p>
             <a:fld id="{EFE552E7-6210-8943-8429-1E73454CC0F9}" type="datetimeFigureOut">
               <a:rPr lang="en-US" smtClean="0"/>
-              <a:t>10/10/2017</a:t>
+              <a:t>10/11/2017</a:t>
             </a:fld>
             <a:endParaRPr lang="en-US"/>
           </a:p>
@@ -803,7 +803,59 @@
           <a:bodyPr/>
           <a:lstStyle/>
           <a:p>
-            <a:endParaRPr lang="en-US" dirty="0"/>
+            <a:r>
+              <a:rPr lang="en-US" dirty="0"/>
+              <a:t>When</a:t>
+            </a:r>
+            <a:r>
+              <a:rPr lang="en-US" baseline="0" dirty="0"/>
+              <a:t> people are trying to get an agreement – about a new definition of something, about a prediction, about a choice – they will often use figurative speech to make their point.</a:t>
+            </a:r>
+          </a:p>
+          <a:p>
+            <a:endParaRPr lang="en-US" baseline="0" dirty="0"/>
+          </a:p>
+          <a:p>
+            <a:r>
+              <a:rPr lang="en-US" baseline="0" dirty="0"/>
+              <a:t>Figurative speech is a strategic moment for the Agile coach, -- [1] because the of effort that the team member is putting into being understood and [2] because of the particular choices that team member makes about figurative speech give us data that we can use to diagnose an attitude.</a:t>
+            </a:r>
+          </a:p>
+          <a:p>
+            <a:endParaRPr lang="en-US" baseline="0" dirty="0"/>
+          </a:p>
+          <a:p>
+            <a:r>
+              <a:rPr lang="en-US" baseline="0" dirty="0"/>
+              <a:t>What figure of speech did the team member choose (knowingly, or more likely unknowingly)? Was a comparison (the most common tool). Was it a reduction of a whole to it’s part? What it the substitution of one whole for another whole? Was it an ironic construction?</a:t>
+            </a:r>
+          </a:p>
+          <a:p>
+            <a:endParaRPr lang="en-US" baseline="0" dirty="0"/>
+          </a:p>
+          <a:p>
+            <a:r>
+              <a:rPr lang="en-US" baseline="0" dirty="0"/>
+              <a:t>How often does the team member turn to this trope? </a:t>
+            </a:r>
+          </a:p>
+          <a:p>
+            <a:endParaRPr lang="en-US" baseline="0" dirty="0"/>
+          </a:p>
+          <a:p>
+            <a:r>
+              <a:rPr lang="en-US" baseline="0" dirty="0"/>
+              <a:t>And, so on. </a:t>
+            </a:r>
+          </a:p>
+          <a:p>
+            <a:endParaRPr lang="en-US" baseline="0" dirty="0"/>
+          </a:p>
+          <a:p>
+            <a:r>
+              <a:rPr lang="en-US" baseline="0" dirty="0"/>
+              <a:t>This is about describing the tropes the team uses. We’re not yet doing anything with that data.</a:t>
+            </a:r>
           </a:p>
         </p:txBody>
       </p:sp>
@@ -10941,8 +10993,8 @@
         </p:nvSpPr>
         <p:spPr>
           <a:xfrm>
-            <a:off x="1224643" y="1551214"/>
-            <a:ext cx="6466114" cy="369332"/>
+            <a:off x="1224644" y="1498123"/>
+            <a:ext cx="6466114" cy="461665"/>
           </a:xfrm>
           <a:prstGeom prst="rect">
             <a:avLst/>
@@ -10956,7 +11008,7 @@
           <a:lstStyle/>
           <a:p>
             <a:r>
-              <a:rPr lang="en-US" dirty="0"/>
+              <a:rPr lang="en-US" sz="2400" dirty="0"/>
               <a:t>The Elegiac Team complains</a:t>
             </a:r>
           </a:p>
@@ -10970,8 +11022,8 @@
         </p:nvSpPr>
         <p:spPr>
           <a:xfrm>
-            <a:off x="1224643" y="2334986"/>
-            <a:ext cx="6466114" cy="369332"/>
+            <a:off x="1224643" y="2280982"/>
+            <a:ext cx="6879451" cy="830997"/>
           </a:xfrm>
           <a:prstGeom prst="rect">
             <a:avLst/>
@@ -10985,8 +11037,8 @@
           <a:lstStyle/>
           <a:p>
             <a:r>
-              <a:rPr lang="en-US" dirty="0"/>
-              <a:t>Everything “sucks,” why does this always happen to me?</a:t>
+              <a:rPr lang="en-US" sz="2400" dirty="0"/>
+              <a:t>Everything “sucks,” “[It’s] a bucket of crap,”  They’re on a “sinking ship.” They’re “the walking dead.”</a:t>
             </a:r>
           </a:p>
         </p:txBody>
@@ -10999,8 +11051,8 @@
         </p:nvSpPr>
         <p:spPr>
           <a:xfrm>
-            <a:off x="1224643" y="3128862"/>
-            <a:ext cx="6466114" cy="369332"/>
+            <a:off x="1224643" y="3433173"/>
+            <a:ext cx="6466114" cy="830997"/>
           </a:xfrm>
           <a:prstGeom prst="rect">
             <a:avLst/>
@@ -11014,7 +11066,7 @@
           <a:lstStyle/>
           <a:p>
             <a:r>
-              <a:rPr lang="en-US" dirty="0"/>
+              <a:rPr lang="en-US" sz="2400" dirty="0"/>
               <a:t>They exaggerate obstacles, emphasize their own limitations </a:t>
             </a:r>
           </a:p>
@@ -11028,8 +11080,8 @@
         </p:nvSpPr>
         <p:spPr>
           <a:xfrm>
-            <a:off x="1224643" y="3837580"/>
-            <a:ext cx="8801100" cy="369332"/>
+            <a:off x="1224643" y="4585364"/>
+            <a:ext cx="8801100" cy="830997"/>
           </a:xfrm>
           <a:prstGeom prst="rect">
             <a:avLst/>
@@ -11043,37 +11095,8 @@
           <a:lstStyle/>
           <a:p>
             <a:r>
-              <a:rPr lang="en-US" dirty="0"/>
+              <a:rPr lang="en-US" sz="2400" dirty="0"/>
               <a:t>They don’t put energy into making anything work; energy goes to how things can’t work.</a:t>
-            </a:r>
-          </a:p>
-        </p:txBody>
-      </p:sp>
-      <p:sp>
-        <p:nvSpPr>
-          <p:cNvPr id="8" name="TextBox 7"/>
-          <p:cNvSpPr txBox="1"/>
-          <p:nvPr/>
-        </p:nvSpPr>
-        <p:spPr>
-          <a:xfrm>
-            <a:off x="1224643" y="5340174"/>
-            <a:ext cx="8801100" cy="369332"/>
-          </a:xfrm>
-          <a:prstGeom prst="rect">
-            <a:avLst/>
-          </a:prstGeom>
-          <a:noFill/>
-        </p:spPr>
-        <p:txBody>
-          <a:bodyPr wrap="square" rtlCol="0">
-            <a:spAutoFit/>
-          </a:bodyPr>
-          <a:lstStyle/>
-          <a:p>
-            <a:r>
-              <a:rPr lang="en-US" dirty="0"/>
-              <a:t>“We’re on a sinking ship,” “We’re living under a rock,” “We’re the walking dead.”</a:t>
             </a:r>
           </a:p>
         </p:txBody>
@@ -11168,35 +11191,6 @@
           </a:p>
         </p:txBody>
       </p:sp>
-      <p:sp>
-        <p:nvSpPr>
-          <p:cNvPr id="11" name="TextBox 10"/>
-          <p:cNvSpPr txBox="1"/>
-          <p:nvPr/>
-        </p:nvSpPr>
-        <p:spPr>
-          <a:xfrm>
-            <a:off x="1224643" y="4621352"/>
-            <a:ext cx="10303328" cy="369332"/>
-          </a:xfrm>
-          <a:prstGeom prst="rect">
-            <a:avLst/>
-          </a:prstGeom>
-          <a:noFill/>
-        </p:spPr>
-        <p:txBody>
-          <a:bodyPr wrap="square" rtlCol="0">
-            <a:spAutoFit/>
-          </a:bodyPr>
-          <a:lstStyle/>
-          <a:p>
-            <a:r>
-              <a:rPr lang="en-US" dirty="0"/>
-              <a:t>They don’t put energy into making anything work; energy explaining why working is a waste of time.</a:t>
-            </a:r>
-          </a:p>
-        </p:txBody>
-      </p:sp>
     </p:spTree>
     <p:extLst>
       <p:ext uri="{BB962C8B-B14F-4D97-AF65-F5344CB8AC3E}">
@@ -11374,7 +11368,7 @@
         <p:spPr>
           <a:xfrm>
             <a:off x="424541" y="1681852"/>
-            <a:ext cx="2775857" cy="3139321"/>
+            <a:ext cx="2775857" cy="2862322"/>
           </a:xfrm>
           <a:prstGeom prst="rect">
             <a:avLst/>
@@ -11395,7 +11389,7 @@
                   </a:schemeClr>
                 </a:solidFill>
               </a:rPr>
-              <a:t>They don’t have a personal goal to make it work.</a:t>
+              <a:t>Work on “muscle memory.”</a:t>
             </a:r>
           </a:p>
           <a:p>
@@ -11626,7 +11620,12 @@
             <p:ph type="ftr" sz="quarter" idx="11"/>
           </p:nvPr>
         </p:nvSpPr>
-        <p:spPr/>
+        <p:spPr>
+          <a:xfrm>
+            <a:off x="10596880" y="6116272"/>
+            <a:ext cx="1478280" cy="365125"/>
+          </a:xfrm>
+        </p:spPr>
         <p:txBody>
           <a:bodyPr/>
           <a:lstStyle/>
@@ -11649,7 +11648,7 @@
         </p:nvSpPr>
         <p:spPr>
           <a:xfrm>
-            <a:off x="10596880" y="6336029"/>
+            <a:off x="10596880" y="6116272"/>
             <a:ext cx="1478280" cy="365125"/>
           </a:xfrm>
           <a:prstGeom prst="rect">
@@ -11773,7 +11772,7 @@
         <p:spPr>
           <a:xfrm>
             <a:off x="1224643" y="1551214"/>
-            <a:ext cx="6466114" cy="369332"/>
+            <a:ext cx="6466114" cy="400110"/>
           </a:xfrm>
           <a:prstGeom prst="rect">
             <a:avLst/>
@@ -11787,22 +11786,22 @@
           <a:lstStyle/>
           <a:p>
             <a:r>
-              <a:rPr lang="en-US" dirty="0"/>
-              <a:t>The Satiric Team dissembles</a:t>
-            </a:r>
-          </a:p>
-        </p:txBody>
-      </p:sp>
-      <p:sp>
-        <p:nvSpPr>
-          <p:cNvPr id="5" name="TextBox 4"/>
+              <a:rPr lang="en-US" sz="2000" dirty="0"/>
+              <a:t>The Satiric Team dissembles.</a:t>
+            </a:r>
+          </a:p>
+        </p:txBody>
+      </p:sp>
+      <p:sp>
+        <p:nvSpPr>
+          <p:cNvPr id="6" name="TextBox 5"/>
           <p:cNvSpPr txBox="1"/>
           <p:nvPr/>
         </p:nvSpPr>
         <p:spPr>
           <a:xfrm>
-            <a:off x="1224643" y="2334986"/>
-            <a:ext cx="6466114" cy="369332"/>
+            <a:off x="1207905" y="3380880"/>
+            <a:ext cx="7595436" cy="707886"/>
           </a:xfrm>
           <a:prstGeom prst="rect">
             <a:avLst/>
@@ -11816,22 +11815,22 @@
           <a:lstStyle/>
           <a:p>
             <a:r>
-              <a:rPr lang="en-US" dirty="0"/>
-              <a:t>Everything is pointless, everyone else is clueless</a:t>
-            </a:r>
-          </a:p>
-        </p:txBody>
-      </p:sp>
-      <p:sp>
-        <p:nvSpPr>
-          <p:cNvPr id="6" name="TextBox 5"/>
+              <a:rPr lang="en-US" sz="2000" dirty="0"/>
+              <a:t>They exaggerate external stupidity, as if they’re not a part of that system; they make inaction look like action.</a:t>
+            </a:r>
+          </a:p>
+        </p:txBody>
+      </p:sp>
+      <p:sp>
+        <p:nvSpPr>
+          <p:cNvPr id="7" name="TextBox 6"/>
           <p:cNvSpPr txBox="1"/>
           <p:nvPr/>
         </p:nvSpPr>
         <p:spPr>
           <a:xfrm>
-            <a:off x="1224643" y="3128862"/>
-            <a:ext cx="7037614" cy="369332"/>
+            <a:off x="1224643" y="4353958"/>
+            <a:ext cx="8964386" cy="707886"/>
           </a:xfrm>
           <a:prstGeom prst="rect">
             <a:avLst/>
@@ -11845,22 +11844,22 @@
           <a:lstStyle/>
           <a:p>
             <a:r>
-              <a:rPr lang="en-US" dirty="0"/>
-              <a:t>They exaggerate external stupidity, emphasize their own correctness;</a:t>
-            </a:r>
-          </a:p>
-        </p:txBody>
-      </p:sp>
-      <p:sp>
-        <p:nvSpPr>
-          <p:cNvPr id="7" name="TextBox 6"/>
+              <a:rPr lang="en-US" sz="2000" dirty="0"/>
+              <a:t>The change to Agile (or away from Waterfall) is happening incorrectly. They making fun of it – as if mocking and fixing are the same thing.</a:t>
+            </a:r>
+          </a:p>
+        </p:txBody>
+      </p:sp>
+      <p:sp>
+        <p:nvSpPr>
+          <p:cNvPr id="9" name="TextBox 8"/>
           <p:cNvSpPr txBox="1"/>
           <p:nvPr/>
         </p:nvSpPr>
         <p:spPr>
           <a:xfrm>
-            <a:off x="1224643" y="3922738"/>
-            <a:ext cx="8964386" cy="369332"/>
+            <a:off x="1207905" y="2159631"/>
+            <a:ext cx="7768625" cy="1015663"/>
           </a:xfrm>
           <a:prstGeom prst="rect">
             <a:avLst/>
@@ -11874,66 +11873,8 @@
           <a:lstStyle/>
           <a:p>
             <a:r>
-              <a:rPr lang="en-US" dirty="0"/>
-              <a:t>The change to Agile (or away from Waterfall) is happening incorrectly. They making fun of it.</a:t>
-            </a:r>
-          </a:p>
-        </p:txBody>
-      </p:sp>
-      <p:sp>
-        <p:nvSpPr>
-          <p:cNvPr id="8" name="TextBox 7"/>
-          <p:cNvSpPr txBox="1"/>
-          <p:nvPr/>
-        </p:nvSpPr>
-        <p:spPr>
-          <a:xfrm>
-            <a:off x="1224643" y="4720494"/>
-            <a:ext cx="10303328" cy="369332"/>
-          </a:xfrm>
-          <a:prstGeom prst="rect">
-            <a:avLst/>
-          </a:prstGeom>
-          <a:noFill/>
-        </p:spPr>
-        <p:txBody>
-          <a:bodyPr wrap="square" rtlCol="0">
-            <a:spAutoFit/>
-          </a:bodyPr>
-          <a:lstStyle/>
-          <a:p>
-            <a:r>
-              <a:rPr lang="en-US" dirty="0"/>
-              <a:t>They don’t put energy into making anything work; energy goes into using the rules to avoid doing the job.</a:t>
-            </a:r>
-          </a:p>
-        </p:txBody>
-      </p:sp>
-      <p:sp>
-        <p:nvSpPr>
-          <p:cNvPr id="9" name="TextBox 8"/>
-          <p:cNvSpPr txBox="1"/>
-          <p:nvPr/>
-        </p:nvSpPr>
-        <p:spPr>
-          <a:xfrm>
-            <a:off x="1224643" y="5518250"/>
-            <a:ext cx="10303328" cy="369332"/>
-          </a:xfrm>
-          <a:prstGeom prst="rect">
-            <a:avLst/>
-          </a:prstGeom>
-          <a:noFill/>
-        </p:spPr>
-        <p:txBody>
-          <a:bodyPr wrap="square" rtlCol="0">
-            <a:spAutoFit/>
-          </a:bodyPr>
-          <a:lstStyle/>
-          <a:p>
-            <a:r>
-              <a:rPr lang="en-US" dirty="0"/>
-              <a:t>“We need to do something,” “We’re working the system.” “Lawyering the Scrum Guide”</a:t>
+              <a:rPr lang="en-US" sz="2000" dirty="0"/>
+              <a:t>Public agreement, private disagreement. “Do as I say, not as I do,” “Someone, somewhere needs to do something about this sometime.” “…put a coversheet on the TPS report.”</a:t>
             </a:r>
           </a:p>
         </p:txBody>
@@ -12722,7 +12663,7 @@
         <p:spPr>
           <a:xfrm>
             <a:off x="1224643" y="1551214"/>
-            <a:ext cx="6466114" cy="369332"/>
+            <a:ext cx="6466114" cy="461665"/>
           </a:xfrm>
           <a:prstGeom prst="rect">
             <a:avLst/>
@@ -12736,7 +12677,7 @@
           <a:lstStyle/>
           <a:p>
             <a:r>
-              <a:rPr lang="en-US" dirty="0"/>
+              <a:rPr lang="en-US" sz="2400" dirty="0"/>
               <a:t>The Burlesque Team ridicules</a:t>
             </a:r>
           </a:p>
@@ -12751,7 +12692,7 @@
         <p:spPr>
           <a:xfrm>
             <a:off x="1224642" y="2334986"/>
-            <a:ext cx="9728279" cy="369332"/>
+            <a:ext cx="7801371" cy="830997"/>
           </a:xfrm>
           <a:prstGeom prst="rect">
             <a:avLst/>
@@ -12765,22 +12706,22 @@
           <a:lstStyle/>
           <a:p>
             <a:r>
-              <a:rPr lang="en-US" dirty="0"/>
-              <a:t>Everything is not “everything”, the team is focused on one thing to exclusion of everything else</a:t>
-            </a:r>
-          </a:p>
-        </p:txBody>
-      </p:sp>
-      <p:sp>
-        <p:nvSpPr>
-          <p:cNvPr id="5" name="TextBox 4"/>
+              <a:rPr lang="en-US" sz="2400" dirty="0"/>
+              <a:t>“Agile is a stand up meeting everyday” “Agile is being able change direction, suddenly”  </a:t>
+            </a:r>
+          </a:p>
+        </p:txBody>
+      </p:sp>
+      <p:sp>
+        <p:nvSpPr>
+          <p:cNvPr id="7" name="TextBox 6"/>
           <p:cNvSpPr txBox="1"/>
           <p:nvPr/>
         </p:nvSpPr>
         <p:spPr>
           <a:xfrm>
-            <a:off x="1224643" y="3128862"/>
-            <a:ext cx="7037614" cy="369332"/>
+            <a:off x="1207905" y="3679467"/>
+            <a:ext cx="10303328" cy="461665"/>
           </a:xfrm>
           <a:prstGeom prst="rect">
             <a:avLst/>
@@ -12794,95 +12735,8 @@
           <a:lstStyle/>
           <a:p>
             <a:r>
-              <a:rPr lang="en-US" dirty="0"/>
-              <a:t>They over-emphasize, they don’t review or adapt. </a:t>
-            </a:r>
-          </a:p>
-        </p:txBody>
-      </p:sp>
-      <p:sp>
-        <p:nvSpPr>
-          <p:cNvPr id="6" name="TextBox 5"/>
-          <p:cNvSpPr txBox="1"/>
-          <p:nvPr/>
-        </p:nvSpPr>
-        <p:spPr>
-          <a:xfrm>
-            <a:off x="1224643" y="3922738"/>
-            <a:ext cx="8964386" cy="369332"/>
-          </a:xfrm>
-          <a:prstGeom prst="rect">
-            <a:avLst/>
-          </a:prstGeom>
-          <a:noFill/>
-        </p:spPr>
-        <p:txBody>
-          <a:bodyPr wrap="square" rtlCol="0">
-            <a:spAutoFit/>
-          </a:bodyPr>
-          <a:lstStyle/>
-          <a:p>
-            <a:r>
-              <a:rPr lang="en-US" dirty="0"/>
-              <a:t>The change to Agile (or away from Waterfall) is all about “One thing”. Running with it.</a:t>
-            </a:r>
-          </a:p>
-        </p:txBody>
-      </p:sp>
-      <p:sp>
-        <p:nvSpPr>
-          <p:cNvPr id="7" name="TextBox 6"/>
-          <p:cNvSpPr txBox="1"/>
-          <p:nvPr/>
-        </p:nvSpPr>
-        <p:spPr>
-          <a:xfrm>
-            <a:off x="1224643" y="4720494"/>
-            <a:ext cx="10303328" cy="369332"/>
-          </a:xfrm>
-          <a:prstGeom prst="rect">
-            <a:avLst/>
-          </a:prstGeom>
-          <a:noFill/>
-        </p:spPr>
-        <p:txBody>
-          <a:bodyPr wrap="square" rtlCol="0">
-            <a:spAutoFit/>
-          </a:bodyPr>
-          <a:lstStyle/>
-          <a:p>
-            <a:r>
-              <a:rPr lang="en-US" dirty="0"/>
+              <a:rPr lang="en-US" sz="2400" dirty="0"/>
               <a:t>They put all of their energy into ritual, but not the underlying reason or benefit.</a:t>
-            </a:r>
-          </a:p>
-        </p:txBody>
-      </p:sp>
-      <p:sp>
-        <p:nvSpPr>
-          <p:cNvPr id="8" name="TextBox 7"/>
-          <p:cNvSpPr txBox="1"/>
-          <p:nvPr/>
-        </p:nvSpPr>
-        <p:spPr>
-          <a:xfrm>
-            <a:off x="1224643" y="5510490"/>
-            <a:ext cx="10303328" cy="369332"/>
-          </a:xfrm>
-          <a:prstGeom prst="rect">
-            <a:avLst/>
-          </a:prstGeom>
-          <a:noFill/>
-        </p:spPr>
-        <p:txBody>
-          <a:bodyPr wrap="square" rtlCol="0">
-            <a:spAutoFit/>
-          </a:bodyPr>
-          <a:lstStyle/>
-          <a:p>
-            <a:r>
-              <a:rPr lang="en-US" dirty="0"/>
-              <a:t>“Make crap go faster,” “Check box activity”</a:t>
             </a:r>
           </a:p>
         </p:txBody>
@@ -12974,6 +12828,35 @@
                 <a:schemeClr val="tx1"/>
               </a:solidFill>
             </a:endParaRPr>
+          </a:p>
+        </p:txBody>
+      </p:sp>
+      <p:sp>
+        <p:nvSpPr>
+          <p:cNvPr id="11" name="TextBox 10"/>
+          <p:cNvSpPr txBox="1"/>
+          <p:nvPr/>
+        </p:nvSpPr>
+        <p:spPr>
+          <a:xfrm>
+            <a:off x="1224643" y="4654616"/>
+            <a:ext cx="10303328" cy="461665"/>
+          </a:xfrm>
+          <a:prstGeom prst="rect">
+            <a:avLst/>
+          </a:prstGeom>
+          <a:noFill/>
+        </p:spPr>
+        <p:txBody>
+          <a:bodyPr wrap="square" rtlCol="0">
+            <a:spAutoFit/>
+          </a:bodyPr>
+          <a:lstStyle/>
+          <a:p>
+            <a:r>
+              <a:rPr lang="en-US" sz="2400" dirty="0"/>
+              <a:t>This is “doing” Agile without “being” Agile.</a:t>
+            </a:r>
           </a:p>
         </p:txBody>
       </p:sp>
@@ -13545,8 +13428,8 @@
         </p:nvSpPr>
         <p:spPr>
           <a:xfrm>
-            <a:off x="1224643" y="1551214"/>
-            <a:ext cx="6466114" cy="369332"/>
+            <a:off x="1207905" y="1883619"/>
+            <a:ext cx="6466114" cy="461665"/>
           </a:xfrm>
           <a:prstGeom prst="rect">
             <a:avLst/>
@@ -13560,7 +13443,7 @@
           <a:lstStyle/>
           <a:p>
             <a:r>
-              <a:rPr lang="en-US" dirty="0"/>
+              <a:rPr lang="en-US" sz="2400" dirty="0"/>
               <a:t>The Epic Team endures</a:t>
             </a:r>
           </a:p>
@@ -13568,14 +13451,14 @@
       </p:sp>
       <p:sp>
         <p:nvSpPr>
-          <p:cNvPr id="4" name="TextBox 3"/>
+          <p:cNvPr id="5" name="TextBox 4"/>
           <p:cNvSpPr txBox="1"/>
           <p:nvPr/>
         </p:nvSpPr>
         <p:spPr>
           <a:xfrm>
-            <a:off x="1224642" y="2334986"/>
-            <a:ext cx="9728279" cy="369332"/>
+            <a:off x="1207905" y="2819664"/>
+            <a:ext cx="7037614" cy="461665"/>
           </a:xfrm>
           <a:prstGeom prst="rect">
             <a:avLst/>
@@ -13589,22 +13472,22 @@
           <a:lstStyle/>
           <a:p>
             <a:r>
-              <a:rPr lang="en-US" dirty="0"/>
-              <a:t>Everything is “brutal”, the team is focused on slugging it out</a:t>
-            </a:r>
-          </a:p>
-        </p:txBody>
-      </p:sp>
-      <p:sp>
-        <p:nvSpPr>
-          <p:cNvPr id="5" name="TextBox 4"/>
+              <a:rPr lang="en-US" sz="2400" dirty="0"/>
+              <a:t>They compensate, they don’t review or adapt. </a:t>
+            </a:r>
+          </a:p>
+        </p:txBody>
+      </p:sp>
+      <p:sp>
+        <p:nvSpPr>
+          <p:cNvPr id="7" name="TextBox 6"/>
           <p:cNvSpPr txBox="1"/>
           <p:nvPr/>
         </p:nvSpPr>
         <p:spPr>
           <a:xfrm>
-            <a:off x="1224643" y="3128862"/>
-            <a:ext cx="7037614" cy="369332"/>
+            <a:off x="1207905" y="3780373"/>
+            <a:ext cx="10303328" cy="461665"/>
           </a:xfrm>
           <a:prstGeom prst="rect">
             <a:avLst/>
@@ -13618,22 +13501,22 @@
           <a:lstStyle/>
           <a:p>
             <a:r>
-              <a:rPr lang="en-US" dirty="0"/>
-              <a:t>They over-emphasize, they don’t review or adapt. </a:t>
-            </a:r>
-          </a:p>
-        </p:txBody>
-      </p:sp>
-      <p:sp>
-        <p:nvSpPr>
-          <p:cNvPr id="6" name="TextBox 5"/>
+              <a:rPr lang="en-US" sz="2400" dirty="0"/>
+              <a:t>They put all of their energy into struggle, but no inspection or adaptations.</a:t>
+            </a:r>
+          </a:p>
+        </p:txBody>
+      </p:sp>
+      <p:sp>
+        <p:nvSpPr>
+          <p:cNvPr id="8" name="TextBox 7"/>
           <p:cNvSpPr txBox="1"/>
           <p:nvPr/>
         </p:nvSpPr>
         <p:spPr>
           <a:xfrm>
-            <a:off x="1224643" y="3922738"/>
-            <a:ext cx="8964386" cy="369332"/>
+            <a:off x="1207905" y="4741082"/>
+            <a:ext cx="10303328" cy="461665"/>
           </a:xfrm>
           <a:prstGeom prst="rect">
             <a:avLst/>
@@ -13647,65 +13530,7 @@
           <a:lstStyle/>
           <a:p>
             <a:r>
-              <a:rPr lang="en-US" dirty="0"/>
-              <a:t>The change to Agile (or away from Waterfall) is all about “better product”. Dealing with it.</a:t>
-            </a:r>
-          </a:p>
-        </p:txBody>
-      </p:sp>
-      <p:sp>
-        <p:nvSpPr>
-          <p:cNvPr id="7" name="TextBox 6"/>
-          <p:cNvSpPr txBox="1"/>
-          <p:nvPr/>
-        </p:nvSpPr>
-        <p:spPr>
-          <a:xfrm>
-            <a:off x="1224643" y="4720494"/>
-            <a:ext cx="10303328" cy="369332"/>
-          </a:xfrm>
-          <a:prstGeom prst="rect">
-            <a:avLst/>
-          </a:prstGeom>
-          <a:noFill/>
-        </p:spPr>
-        <p:txBody>
-          <a:bodyPr wrap="square" rtlCol="0">
-            <a:spAutoFit/>
-          </a:bodyPr>
-          <a:lstStyle/>
-          <a:p>
-            <a:r>
-              <a:rPr lang="en-US" dirty="0"/>
-              <a:t>They put all of their energy into struggle, but no inspection or adaptations.</a:t>
-            </a:r>
-          </a:p>
-        </p:txBody>
-      </p:sp>
-      <p:sp>
-        <p:nvSpPr>
-          <p:cNvPr id="8" name="TextBox 7"/>
-          <p:cNvSpPr txBox="1"/>
-          <p:nvPr/>
-        </p:nvSpPr>
-        <p:spPr>
-          <a:xfrm>
-            <a:off x="1224643" y="5510490"/>
-            <a:ext cx="10303328" cy="369332"/>
-          </a:xfrm>
-          <a:prstGeom prst="rect">
-            <a:avLst/>
-          </a:prstGeom>
-          <a:noFill/>
-        </p:spPr>
-        <p:txBody>
-          <a:bodyPr wrap="square" rtlCol="0">
-            <a:spAutoFit/>
-          </a:bodyPr>
-          <a:lstStyle/>
-          <a:p>
-            <a:r>
-              <a:rPr lang="en-US" dirty="0"/>
+              <a:rPr lang="en-US" sz="2400" dirty="0"/>
               <a:t>“The top floor demands,” “Weather the storm,” “Getting hammered.”</a:t>
             </a:r>
           </a:p>
@@ -14245,35 +14070,6 @@
       </p:sp>
       <p:sp>
         <p:nvSpPr>
-          <p:cNvPr id="4" name="TextBox 3"/>
-          <p:cNvSpPr txBox="1"/>
-          <p:nvPr/>
-        </p:nvSpPr>
-        <p:spPr>
-          <a:xfrm>
-            <a:off x="1224642" y="2334986"/>
-            <a:ext cx="9728279" cy="369332"/>
-          </a:xfrm>
-          <a:prstGeom prst="rect">
-            <a:avLst/>
-          </a:prstGeom>
-          <a:noFill/>
-        </p:spPr>
-        <p:txBody>
-          <a:bodyPr wrap="square" rtlCol="0">
-            <a:spAutoFit/>
-          </a:bodyPr>
-          <a:lstStyle/>
-          <a:p>
-            <a:r>
-              <a:rPr lang="en-US" dirty="0"/>
-              <a:t>Everything is “fate”, the team is focused on their failings.</a:t>
-            </a:r>
-          </a:p>
-        </p:txBody>
-      </p:sp>
-      <p:sp>
-        <p:nvSpPr>
           <p:cNvPr id="5" name="TextBox 4"/>
           <p:cNvSpPr txBox="1"/>
           <p:nvPr/>
@@ -14296,7 +14092,7 @@
           <a:p>
             <a:r>
               <a:rPr lang="en-US" dirty="0"/>
-              <a:t>They over-emphasize, they don’t review or adapt. </a:t>
+              <a:t>They can’t change , they don’t review or adapt. </a:t>
             </a:r>
           </a:p>
         </p:txBody>
